--- a/線形計画法を用いた  講習期間におけるコマの割り振り自動化システムの提案  及び業務効率化,社内DX推進事業計画について .pptx
+++ b/線形計画法を用いた  講習期間におけるコマの割り振り自動化システムの提案  及び業務効率化,社内DX推進事業計画について .pptx
@@ -5,10 +5,10 @@
     <p:sldMasterId id="2147483648" r:id="rId1"/>
   </p:sldMasterIdLst>
   <p:notesMasterIdLst>
-    <p:notesMasterId r:id="rId15"/>
+    <p:notesMasterId r:id="rId11"/>
   </p:notesMasterIdLst>
   <p:handoutMasterIdLst>
-    <p:handoutMasterId r:id="rId16"/>
+    <p:handoutMasterId r:id="rId12"/>
   </p:handoutMasterIdLst>
   <p:sldIdLst>
     <p:sldId id="260" r:id="rId2"/>
@@ -20,10 +20,6 @@
     <p:sldId id="271" r:id="rId8"/>
     <p:sldId id="272" r:id="rId9"/>
     <p:sldId id="268" r:id="rId10"/>
-    <p:sldId id="259" r:id="rId11"/>
-    <p:sldId id="256" r:id="rId12"/>
-    <p:sldId id="257" r:id="rId13"/>
-    <p:sldId id="258" r:id="rId14"/>
   </p:sldIdLst>
   <p:sldSz cx="12192000" cy="6858000"/>
   <p:notesSz cx="6858000" cy="9144000"/>
@@ -363,7 +359,7 @@
           <a:p>
             <a:fld id="{C5D63016-1149-1E45-BEEA-3DBF42091F8D}" type="datetimeFigureOut">
               <a:rPr kumimoji="1" lang="ja-JP" altLang="en-US" smtClean="0"/>
-              <a:t>2025/2/5</a:t>
+              <a:t>2025/2/6</a:t>
             </a:fld>
             <a:endParaRPr kumimoji="1" lang="ja-JP" altLang="en-US"/>
           </a:p>
@@ -833,7 +829,7 @@
           <a:p>
             <a:fld id="{40860A2D-C9F8-2E43-ACC8-65977C110147}" type="datetimeFigureOut">
               <a:rPr kumimoji="1" lang="ja-JP" altLang="en-US" smtClean="0"/>
-              <a:t>2025/2/5</a:t>
+              <a:t>2025/2/6</a:t>
             </a:fld>
             <a:endParaRPr kumimoji="1" lang="ja-JP" altLang="en-US"/>
           </a:p>
@@ -1253,7 +1249,7 @@
           <a:p>
             <a:fld id="{40860A2D-C9F8-2E43-ACC8-65977C110147}" type="datetimeFigureOut">
               <a:rPr kumimoji="1" lang="ja-JP" altLang="en-US" smtClean="0"/>
-              <a:t>2025/2/5</a:t>
+              <a:t>2025/2/6</a:t>
             </a:fld>
             <a:endParaRPr kumimoji="1" lang="ja-JP" altLang="en-US"/>
           </a:p>
@@ -1483,7 +1479,7 @@
           <a:p>
             <a:fld id="{40860A2D-C9F8-2E43-ACC8-65977C110147}" type="datetimeFigureOut">
               <a:rPr kumimoji="1" lang="ja-JP" altLang="en-US" smtClean="0"/>
-              <a:t>2025/2/5</a:t>
+              <a:t>2025/2/6</a:t>
             </a:fld>
             <a:endParaRPr kumimoji="1" lang="ja-JP" altLang="en-US"/>
           </a:p>
@@ -1723,7 +1719,7 @@
           <a:p>
             <a:fld id="{40860A2D-C9F8-2E43-ACC8-65977C110147}" type="datetimeFigureOut">
               <a:rPr kumimoji="1" lang="ja-JP" altLang="en-US" smtClean="0"/>
-              <a:t>2025/2/5</a:t>
+              <a:t>2025/2/6</a:t>
             </a:fld>
             <a:endParaRPr kumimoji="1" lang="ja-JP" altLang="en-US"/>
           </a:p>
@@ -1953,7 +1949,7 @@
           <a:p>
             <a:fld id="{40860A2D-C9F8-2E43-ACC8-65977C110147}" type="datetimeFigureOut">
               <a:rPr kumimoji="1" lang="ja-JP" altLang="en-US" smtClean="0"/>
-              <a:t>2025/2/5</a:t>
+              <a:t>2025/2/6</a:t>
             </a:fld>
             <a:endParaRPr kumimoji="1" lang="ja-JP" altLang="en-US"/>
           </a:p>
@@ -2228,7 +2224,7 @@
           <a:p>
             <a:fld id="{40860A2D-C9F8-2E43-ACC8-65977C110147}" type="datetimeFigureOut">
               <a:rPr kumimoji="1" lang="ja-JP" altLang="en-US" smtClean="0"/>
-              <a:t>2025/2/5</a:t>
+              <a:t>2025/2/6</a:t>
             </a:fld>
             <a:endParaRPr kumimoji="1" lang="ja-JP" altLang="en-US"/>
           </a:p>
@@ -2557,7 +2553,7 @@
           <a:p>
             <a:fld id="{40860A2D-C9F8-2E43-ACC8-65977C110147}" type="datetimeFigureOut">
               <a:rPr kumimoji="1" lang="ja-JP" altLang="en-US" smtClean="0"/>
-              <a:t>2025/2/5</a:t>
+              <a:t>2025/2/6</a:t>
             </a:fld>
             <a:endParaRPr kumimoji="1" lang="ja-JP" altLang="en-US"/>
           </a:p>
@@ -3033,7 +3029,7 @@
           <a:p>
             <a:fld id="{40860A2D-C9F8-2E43-ACC8-65977C110147}" type="datetimeFigureOut">
               <a:rPr kumimoji="1" lang="ja-JP" altLang="en-US" smtClean="0"/>
-              <a:t>2025/2/5</a:t>
+              <a:t>2025/2/6</a:t>
             </a:fld>
             <a:endParaRPr kumimoji="1" lang="ja-JP" altLang="en-US"/>
           </a:p>
@@ -3184,7 +3180,7 @@
           <a:p>
             <a:fld id="{40860A2D-C9F8-2E43-ACC8-65977C110147}" type="datetimeFigureOut">
               <a:rPr kumimoji="1" lang="ja-JP" altLang="en-US" smtClean="0"/>
-              <a:t>2025/2/5</a:t>
+              <a:t>2025/2/6</a:t>
             </a:fld>
             <a:endParaRPr kumimoji="1" lang="ja-JP" altLang="en-US"/>
           </a:p>
@@ -3476,7 +3472,7 @@
           <a:p>
             <a:fld id="{40860A2D-C9F8-2E43-ACC8-65977C110147}" type="datetimeFigureOut">
               <a:rPr kumimoji="1" lang="ja-JP" altLang="en-US" smtClean="0"/>
-              <a:t>2025/2/5</a:t>
+              <a:t>2025/2/6</a:t>
             </a:fld>
             <a:endParaRPr kumimoji="1" lang="ja-JP" altLang="en-US"/>
           </a:p>
@@ -3819,7 +3815,7 @@
           <a:p>
             <a:fld id="{40860A2D-C9F8-2E43-ACC8-65977C110147}" type="datetimeFigureOut">
               <a:rPr kumimoji="1" lang="ja-JP" altLang="en-US" smtClean="0"/>
-              <a:t>2025/2/5</a:t>
+              <a:t>2025/2/6</a:t>
             </a:fld>
             <a:endParaRPr kumimoji="1" lang="ja-JP" altLang="en-US"/>
           </a:p>
@@ -4098,7 +4094,7 @@
           <a:p>
             <a:fld id="{40860A2D-C9F8-2E43-ACC8-65977C110147}" type="datetimeFigureOut">
               <a:rPr kumimoji="1" lang="ja-JP" altLang="en-US" smtClean="0"/>
-              <a:t>2025/2/5</a:t>
+              <a:t>2025/2/6</a:t>
             </a:fld>
             <a:endParaRPr kumimoji="1" lang="ja-JP" altLang="en-US"/>
           </a:p>
@@ -4778,3115 +4774,6 @@
 </p:sld>
 </file>
 
-<file path=ppt/slides/slide10.xml><?xml version="1.0" encoding="utf-8"?>
-<p:sld xmlns:a="http://schemas.openxmlformats.org/drawingml/2006/main" xmlns:r="http://schemas.openxmlformats.org/officeDocument/2006/relationships" xmlns:p="http://schemas.openxmlformats.org/presentationml/2006/main">
-  <p:cSld>
-    <p:spTree>
-      <p:nvGrpSpPr>
-        <p:cNvPr id="1" name=""/>
-        <p:cNvGrpSpPr/>
-        <p:nvPr/>
-      </p:nvGrpSpPr>
-      <p:grpSpPr>
-        <a:xfrm>
-          <a:off x="0" y="0"/>
-          <a:ext cx="0" cy="0"/>
-          <a:chOff x="0" y="0"/>
-          <a:chExt cx="0" cy="0"/>
-        </a:xfrm>
-      </p:grpSpPr>
-      <p:sp>
-        <p:nvSpPr>
-          <p:cNvPr id="37" name="正方形/長方形 36">
-            <a:extLst>
-              <a:ext uri="{FF2B5EF4-FFF2-40B4-BE49-F238E27FC236}">
-                <a16:creationId xmlns:a16="http://schemas.microsoft.com/office/drawing/2014/main" id="{C70600C3-21D5-7648-9166-C5BD191A87A6}"/>
-              </a:ext>
-            </a:extLst>
-          </p:cNvPr>
-          <p:cNvSpPr/>
-          <p:nvPr/>
-        </p:nvSpPr>
-        <p:spPr>
-          <a:xfrm>
-            <a:off x="0" y="8089"/>
-            <a:ext cx="2946400" cy="4022043"/>
-          </a:xfrm>
-          <a:prstGeom prst="rect">
-            <a:avLst/>
-          </a:prstGeom>
-          <a:solidFill>
-            <a:schemeClr val="accent4"/>
-          </a:solidFill>
-          <a:ln w="69850">
-            <a:noFill/>
-          </a:ln>
-        </p:spPr>
-        <p:style>
-          <a:lnRef idx="2">
-            <a:schemeClr val="accent1">
-              <a:shade val="50000"/>
-            </a:schemeClr>
-          </a:lnRef>
-          <a:fillRef idx="1">
-            <a:schemeClr val="accent1"/>
-          </a:fillRef>
-          <a:effectRef idx="0">
-            <a:schemeClr val="accent1"/>
-          </a:effectRef>
-          <a:fontRef idx="minor">
-            <a:schemeClr val="lt1"/>
-          </a:fontRef>
-        </p:style>
-        <p:txBody>
-          <a:bodyPr rtlCol="0" anchor="ctr"/>
-          <a:lstStyle/>
-          <a:p>
-            <a:pPr algn="ctr"/>
-            <a:endParaRPr kumimoji="1" lang="ja-JP" altLang="en-US"/>
-          </a:p>
-        </p:txBody>
-      </p:sp>
-      <p:sp>
-        <p:nvSpPr>
-          <p:cNvPr id="38" name="テキスト ボックス 37">
-            <a:extLst>
-              <a:ext uri="{FF2B5EF4-FFF2-40B4-BE49-F238E27FC236}">
-                <a16:creationId xmlns:a16="http://schemas.microsoft.com/office/drawing/2014/main" id="{4A536280-66EC-7444-84C7-88FE10DE3A55}"/>
-              </a:ext>
-            </a:extLst>
-          </p:cNvPr>
-          <p:cNvSpPr txBox="1"/>
-          <p:nvPr/>
-        </p:nvSpPr>
-        <p:spPr>
-          <a:xfrm>
-            <a:off x="0" y="1449057"/>
-            <a:ext cx="2946400" cy="1140106"/>
-          </a:xfrm>
-          <a:prstGeom prst="rect">
-            <a:avLst/>
-          </a:prstGeom>
-          <a:noFill/>
-          <a:ln w="15875">
-            <a:noFill/>
-          </a:ln>
-        </p:spPr>
-        <p:txBody>
-          <a:bodyPr wrap="square" tIns="108000" rtlCol="0">
-            <a:spAutoFit/>
-          </a:bodyPr>
-          <a:lstStyle/>
-          <a:p>
-            <a:pPr algn="ctr"/>
-            <a:r>
-              <a:rPr lang="en-US" altLang="ja-JP" sz="3200" dirty="0">
-                <a:solidFill>
-                  <a:schemeClr val="bg1"/>
-                </a:solidFill>
-                <a:latin typeface="Meiryo" panose="020B0604030504040204" pitchFamily="34" charset="-128"/>
-                <a:ea typeface="Meiryo" panose="020B0604030504040204" pitchFamily="34" charset="-128"/>
-              </a:rPr>
-              <a:t>Presentation Design</a:t>
-            </a:r>
-            <a:endParaRPr kumimoji="1" lang="ja-JP" altLang="en-US" sz="3200">
-              <a:solidFill>
-                <a:schemeClr val="bg1"/>
-              </a:solidFill>
-              <a:latin typeface="Meiryo" panose="020B0604030504040204" pitchFamily="34" charset="-128"/>
-              <a:ea typeface="Meiryo" panose="020B0604030504040204" pitchFamily="34" charset="-128"/>
-            </a:endParaRPr>
-          </a:p>
-        </p:txBody>
-      </p:sp>
-      <p:sp>
-        <p:nvSpPr>
-          <p:cNvPr id="2" name="円/楕円 1">
-            <a:extLst>
-              <a:ext uri="{FF2B5EF4-FFF2-40B4-BE49-F238E27FC236}">
-                <a16:creationId xmlns:a16="http://schemas.microsoft.com/office/drawing/2014/main" id="{98F66302-546F-AA42-B3C1-64C7E6A88F0A}"/>
-              </a:ext>
-            </a:extLst>
-          </p:cNvPr>
-          <p:cNvSpPr/>
-          <p:nvPr/>
-        </p:nvSpPr>
-        <p:spPr>
-          <a:xfrm>
-            <a:off x="3571949" y="1657830"/>
-            <a:ext cx="2167466" cy="2167466"/>
-          </a:xfrm>
-          <a:prstGeom prst="ellipse">
-            <a:avLst/>
-          </a:prstGeom>
-          <a:solidFill>
-            <a:schemeClr val="accent6"/>
-          </a:solidFill>
-          <a:ln>
-            <a:noFill/>
-          </a:ln>
-        </p:spPr>
-        <p:style>
-          <a:lnRef idx="2">
-            <a:schemeClr val="accent1">
-              <a:shade val="50000"/>
-            </a:schemeClr>
-          </a:lnRef>
-          <a:fillRef idx="1">
-            <a:schemeClr val="accent1"/>
-          </a:fillRef>
-          <a:effectRef idx="0">
-            <a:schemeClr val="accent1"/>
-          </a:effectRef>
-          <a:fontRef idx="minor">
-            <a:schemeClr val="lt1"/>
-          </a:fontRef>
-        </p:style>
-        <p:txBody>
-          <a:bodyPr rot="0" spcFirstLastPara="0" vertOverflow="overflow" horzOverflow="overflow" vert="horz" wrap="square" lIns="91440" tIns="45720" rIns="91440" bIns="45720" numCol="1" spcCol="0" rtlCol="0" fromWordArt="0" anchor="ctr" anchorCtr="0" forceAA="0" compatLnSpc="1">
-            <a:prstTxWarp prst="textNoShape">
-              <a:avLst/>
-            </a:prstTxWarp>
-            <a:noAutofit/>
-          </a:bodyPr>
-          <a:lstStyle/>
-          <a:p>
-            <a:pPr algn="ctr"/>
-            <a:endParaRPr kumimoji="1" lang="ja-JP" altLang="en-US"/>
-          </a:p>
-        </p:txBody>
-      </p:sp>
-      <p:sp>
-        <p:nvSpPr>
-          <p:cNvPr id="30" name="テキスト ボックス 29">
-            <a:extLst>
-              <a:ext uri="{FF2B5EF4-FFF2-40B4-BE49-F238E27FC236}">
-                <a16:creationId xmlns:a16="http://schemas.microsoft.com/office/drawing/2014/main" id="{C0D83F1D-528D-014A-B359-C4589F25BC39}"/>
-              </a:ext>
-            </a:extLst>
-          </p:cNvPr>
-          <p:cNvSpPr txBox="1"/>
-          <p:nvPr/>
-        </p:nvSpPr>
-        <p:spPr>
-          <a:xfrm>
-            <a:off x="3602028" y="4743282"/>
-            <a:ext cx="2107308" cy="1477328"/>
-          </a:xfrm>
-          <a:prstGeom prst="rect">
-            <a:avLst/>
-          </a:prstGeom>
-          <a:noFill/>
-        </p:spPr>
-        <p:txBody>
-          <a:bodyPr wrap="square" rtlCol="0">
-            <a:spAutoFit/>
-          </a:bodyPr>
-          <a:lstStyle/>
-          <a:p>
-            <a:r>
-              <a:rPr lang="en-US" altLang="ja-JP" dirty="0">
-                <a:solidFill>
-                  <a:schemeClr val="tx1">
-                    <a:lumMod val="50000"/>
-                    <a:lumOff val="50000"/>
-                  </a:schemeClr>
-                </a:solidFill>
-                <a:latin typeface="Meiryo" panose="020B0604030504040204" pitchFamily="34" charset="-128"/>
-                <a:ea typeface="Meiryo" panose="020B0604030504040204" pitchFamily="34" charset="-128"/>
-              </a:rPr>
-              <a:t>The wonderful Ultimate Professional Business Power point Template</a:t>
-            </a:r>
-            <a:endParaRPr kumimoji="1" lang="ja-JP" altLang="en-US">
-              <a:solidFill>
-                <a:schemeClr val="tx1">
-                  <a:lumMod val="50000"/>
-                  <a:lumOff val="50000"/>
-                </a:schemeClr>
-              </a:solidFill>
-              <a:latin typeface="Meiryo" panose="020B0604030504040204" pitchFamily="34" charset="-128"/>
-              <a:ea typeface="Meiryo" panose="020B0604030504040204" pitchFamily="34" charset="-128"/>
-            </a:endParaRPr>
-          </a:p>
-        </p:txBody>
-      </p:sp>
-      <p:sp>
-        <p:nvSpPr>
-          <p:cNvPr id="31" name="テキスト ボックス 30">
-            <a:extLst>
-              <a:ext uri="{FF2B5EF4-FFF2-40B4-BE49-F238E27FC236}">
-                <a16:creationId xmlns:a16="http://schemas.microsoft.com/office/drawing/2014/main" id="{060AE7EB-DD61-6548-ABE8-4F90DB480D6A}"/>
-              </a:ext>
-            </a:extLst>
-          </p:cNvPr>
-          <p:cNvSpPr txBox="1"/>
-          <p:nvPr/>
-        </p:nvSpPr>
-        <p:spPr>
-          <a:xfrm>
-            <a:off x="3602028" y="4022679"/>
-            <a:ext cx="2107308" cy="523220"/>
-          </a:xfrm>
-          <a:prstGeom prst="rect">
-            <a:avLst/>
-          </a:prstGeom>
-          <a:noFill/>
-        </p:spPr>
-        <p:txBody>
-          <a:bodyPr wrap="square" rtlCol="0">
-            <a:spAutoFit/>
-          </a:bodyPr>
-          <a:lstStyle/>
-          <a:p>
-            <a:pPr algn="ctr"/>
-            <a:r>
-              <a:rPr lang="en-US" altLang="ja-JP" sz="2800" b="1" dirty="0">
-                <a:solidFill>
-                  <a:schemeClr val="accent4"/>
-                </a:solidFill>
-                <a:latin typeface="Meiryo" panose="020B0604030504040204" pitchFamily="34" charset="-128"/>
-                <a:ea typeface="Meiryo" panose="020B0604030504040204" pitchFamily="34" charset="-128"/>
-              </a:rPr>
-              <a:t>SAMPLE</a:t>
-            </a:r>
-            <a:endParaRPr kumimoji="1" lang="ja-JP" altLang="en-US" sz="2800" b="1">
-              <a:solidFill>
-                <a:schemeClr val="accent4"/>
-              </a:solidFill>
-              <a:latin typeface="Meiryo" panose="020B0604030504040204" pitchFamily="34" charset="-128"/>
-              <a:ea typeface="Meiryo" panose="020B0604030504040204" pitchFamily="34" charset="-128"/>
-            </a:endParaRPr>
-          </a:p>
-        </p:txBody>
-      </p:sp>
-      <p:pic>
-        <p:nvPicPr>
-          <p:cNvPr id="32" name="グラフィックス 31" descr="インターネット">
-            <a:extLst>
-              <a:ext uri="{FF2B5EF4-FFF2-40B4-BE49-F238E27FC236}">
-                <a16:creationId xmlns:a16="http://schemas.microsoft.com/office/drawing/2014/main" id="{88672218-17DD-8542-8D1C-313FC7DB3596}"/>
-              </a:ext>
-            </a:extLst>
-          </p:cNvPr>
-          <p:cNvPicPr>
-            <a:picLocks noChangeAspect="1"/>
-          </p:cNvPicPr>
-          <p:nvPr/>
-        </p:nvPicPr>
-        <p:blipFill>
-          <a:blip r:embed="rId2">
-            <a:extLst>
-              <a:ext uri="{96DAC541-7B7A-43D3-8B79-37D633B846F1}">
-                <asvg:svgBlip xmlns:asvg="http://schemas.microsoft.com/office/drawing/2016/SVG/main" r:embed="rId3"/>
-              </a:ext>
-            </a:extLst>
-          </a:blip>
-          <a:stretch>
-            <a:fillRect/>
-          </a:stretch>
-        </p:blipFill>
-        <p:spPr>
-          <a:xfrm>
-            <a:off x="4249538" y="2335419"/>
-            <a:ext cx="812288" cy="812288"/>
-          </a:xfrm>
-          <a:prstGeom prst="rect">
-            <a:avLst/>
-          </a:prstGeom>
-        </p:spPr>
-      </p:pic>
-      <p:sp>
-        <p:nvSpPr>
-          <p:cNvPr id="40" name="円/楕円 39">
-            <a:extLst>
-              <a:ext uri="{FF2B5EF4-FFF2-40B4-BE49-F238E27FC236}">
-                <a16:creationId xmlns:a16="http://schemas.microsoft.com/office/drawing/2014/main" id="{E270C0BF-7F4D-D54B-B38E-B4196A833B87}"/>
-              </a:ext>
-            </a:extLst>
-          </p:cNvPr>
-          <p:cNvSpPr/>
-          <p:nvPr/>
-        </p:nvSpPr>
-        <p:spPr>
-          <a:xfrm>
-            <a:off x="6399816" y="1657830"/>
-            <a:ext cx="2167466" cy="2167466"/>
-          </a:xfrm>
-          <a:prstGeom prst="ellipse">
-            <a:avLst/>
-          </a:prstGeom>
-          <a:solidFill>
-            <a:schemeClr val="accent6"/>
-          </a:solidFill>
-          <a:ln>
-            <a:noFill/>
-          </a:ln>
-        </p:spPr>
-        <p:style>
-          <a:lnRef idx="2">
-            <a:schemeClr val="accent1">
-              <a:shade val="50000"/>
-            </a:schemeClr>
-          </a:lnRef>
-          <a:fillRef idx="1">
-            <a:schemeClr val="accent1"/>
-          </a:fillRef>
-          <a:effectRef idx="0">
-            <a:schemeClr val="accent1"/>
-          </a:effectRef>
-          <a:fontRef idx="minor">
-            <a:schemeClr val="lt1"/>
-          </a:fontRef>
-        </p:style>
-        <p:txBody>
-          <a:bodyPr rot="0" spcFirstLastPara="0" vertOverflow="overflow" horzOverflow="overflow" vert="horz" wrap="square" lIns="91440" tIns="45720" rIns="91440" bIns="45720" numCol="1" spcCol="0" rtlCol="0" fromWordArt="0" anchor="ctr" anchorCtr="0" forceAA="0" compatLnSpc="1">
-            <a:prstTxWarp prst="textNoShape">
-              <a:avLst/>
-            </a:prstTxWarp>
-            <a:noAutofit/>
-          </a:bodyPr>
-          <a:lstStyle/>
-          <a:p>
-            <a:pPr algn="ctr"/>
-            <a:endParaRPr kumimoji="1" lang="ja-JP" altLang="en-US"/>
-          </a:p>
-        </p:txBody>
-      </p:sp>
-      <p:sp>
-        <p:nvSpPr>
-          <p:cNvPr id="41" name="テキスト ボックス 40">
-            <a:extLst>
-              <a:ext uri="{FF2B5EF4-FFF2-40B4-BE49-F238E27FC236}">
-                <a16:creationId xmlns:a16="http://schemas.microsoft.com/office/drawing/2014/main" id="{8A1ECDAB-F0E9-E24D-9806-9DF1E09843B3}"/>
-              </a:ext>
-            </a:extLst>
-          </p:cNvPr>
-          <p:cNvSpPr txBox="1"/>
-          <p:nvPr/>
-        </p:nvSpPr>
-        <p:spPr>
-          <a:xfrm>
-            <a:off x="6429895" y="4743282"/>
-            <a:ext cx="2107308" cy="1477328"/>
-          </a:xfrm>
-          <a:prstGeom prst="rect">
-            <a:avLst/>
-          </a:prstGeom>
-          <a:noFill/>
-        </p:spPr>
-        <p:txBody>
-          <a:bodyPr wrap="square" rtlCol="0">
-            <a:spAutoFit/>
-          </a:bodyPr>
-          <a:lstStyle/>
-          <a:p>
-            <a:r>
-              <a:rPr lang="en-US" altLang="ja-JP" dirty="0">
-                <a:solidFill>
-                  <a:schemeClr val="tx1">
-                    <a:lumMod val="50000"/>
-                    <a:lumOff val="50000"/>
-                  </a:schemeClr>
-                </a:solidFill>
-                <a:latin typeface="Meiryo" panose="020B0604030504040204" pitchFamily="34" charset="-128"/>
-                <a:ea typeface="Meiryo" panose="020B0604030504040204" pitchFamily="34" charset="-128"/>
-              </a:rPr>
-              <a:t>The wonderful Ultimate Professional Business Power point Template</a:t>
-            </a:r>
-            <a:endParaRPr kumimoji="1" lang="ja-JP" altLang="en-US">
-              <a:solidFill>
-                <a:schemeClr val="tx1">
-                  <a:lumMod val="50000"/>
-                  <a:lumOff val="50000"/>
-                </a:schemeClr>
-              </a:solidFill>
-              <a:latin typeface="Meiryo" panose="020B0604030504040204" pitchFamily="34" charset="-128"/>
-              <a:ea typeface="Meiryo" panose="020B0604030504040204" pitchFamily="34" charset="-128"/>
-            </a:endParaRPr>
-          </a:p>
-        </p:txBody>
-      </p:sp>
-      <p:sp>
-        <p:nvSpPr>
-          <p:cNvPr id="42" name="テキスト ボックス 41">
-            <a:extLst>
-              <a:ext uri="{FF2B5EF4-FFF2-40B4-BE49-F238E27FC236}">
-                <a16:creationId xmlns:a16="http://schemas.microsoft.com/office/drawing/2014/main" id="{D20CF541-45AB-9E48-AB01-14EAEA5ACAAC}"/>
-              </a:ext>
-            </a:extLst>
-          </p:cNvPr>
-          <p:cNvSpPr txBox="1"/>
-          <p:nvPr/>
-        </p:nvSpPr>
-        <p:spPr>
-          <a:xfrm>
-            <a:off x="6429895" y="4022679"/>
-            <a:ext cx="2107308" cy="523220"/>
-          </a:xfrm>
-          <a:prstGeom prst="rect">
-            <a:avLst/>
-          </a:prstGeom>
-          <a:noFill/>
-        </p:spPr>
-        <p:txBody>
-          <a:bodyPr wrap="square" rtlCol="0">
-            <a:spAutoFit/>
-          </a:bodyPr>
-          <a:lstStyle/>
-          <a:p>
-            <a:pPr algn="ctr"/>
-            <a:r>
-              <a:rPr lang="en-US" altLang="ja-JP" sz="2800" b="1" dirty="0">
-                <a:solidFill>
-                  <a:schemeClr val="accent4"/>
-                </a:solidFill>
-                <a:latin typeface="Meiryo" panose="020B0604030504040204" pitchFamily="34" charset="-128"/>
-                <a:ea typeface="Meiryo" panose="020B0604030504040204" pitchFamily="34" charset="-128"/>
-              </a:rPr>
-              <a:t>SAMPLE</a:t>
-            </a:r>
-            <a:endParaRPr kumimoji="1" lang="ja-JP" altLang="en-US" sz="2800" b="1">
-              <a:solidFill>
-                <a:schemeClr val="accent4"/>
-              </a:solidFill>
-              <a:latin typeface="Meiryo" panose="020B0604030504040204" pitchFamily="34" charset="-128"/>
-              <a:ea typeface="Meiryo" panose="020B0604030504040204" pitchFamily="34" charset="-128"/>
-            </a:endParaRPr>
-          </a:p>
-        </p:txBody>
-      </p:sp>
-      <p:sp>
-        <p:nvSpPr>
-          <p:cNvPr id="44" name="円/楕円 43">
-            <a:extLst>
-              <a:ext uri="{FF2B5EF4-FFF2-40B4-BE49-F238E27FC236}">
-                <a16:creationId xmlns:a16="http://schemas.microsoft.com/office/drawing/2014/main" id="{602E1DE9-4849-DA4B-8380-10F623A6259C}"/>
-              </a:ext>
-            </a:extLst>
-          </p:cNvPr>
-          <p:cNvSpPr/>
-          <p:nvPr/>
-        </p:nvSpPr>
-        <p:spPr>
-          <a:xfrm>
-            <a:off x="9227683" y="1657830"/>
-            <a:ext cx="2167466" cy="2167466"/>
-          </a:xfrm>
-          <a:prstGeom prst="ellipse">
-            <a:avLst/>
-          </a:prstGeom>
-          <a:solidFill>
-            <a:schemeClr val="accent6"/>
-          </a:solidFill>
-          <a:ln>
-            <a:noFill/>
-          </a:ln>
-        </p:spPr>
-        <p:style>
-          <a:lnRef idx="2">
-            <a:schemeClr val="accent1">
-              <a:shade val="50000"/>
-            </a:schemeClr>
-          </a:lnRef>
-          <a:fillRef idx="1">
-            <a:schemeClr val="accent1"/>
-          </a:fillRef>
-          <a:effectRef idx="0">
-            <a:schemeClr val="accent1"/>
-          </a:effectRef>
-          <a:fontRef idx="minor">
-            <a:schemeClr val="lt1"/>
-          </a:fontRef>
-        </p:style>
-        <p:txBody>
-          <a:bodyPr rot="0" spcFirstLastPara="0" vertOverflow="overflow" horzOverflow="overflow" vert="horz" wrap="square" lIns="91440" tIns="45720" rIns="91440" bIns="45720" numCol="1" spcCol="0" rtlCol="0" fromWordArt="0" anchor="ctr" anchorCtr="0" forceAA="0" compatLnSpc="1">
-            <a:prstTxWarp prst="textNoShape">
-              <a:avLst/>
-            </a:prstTxWarp>
-            <a:noAutofit/>
-          </a:bodyPr>
-          <a:lstStyle/>
-          <a:p>
-            <a:pPr algn="ctr"/>
-            <a:endParaRPr kumimoji="1" lang="ja-JP" altLang="en-US"/>
-          </a:p>
-        </p:txBody>
-      </p:sp>
-      <p:sp>
-        <p:nvSpPr>
-          <p:cNvPr id="45" name="テキスト ボックス 44">
-            <a:extLst>
-              <a:ext uri="{FF2B5EF4-FFF2-40B4-BE49-F238E27FC236}">
-                <a16:creationId xmlns:a16="http://schemas.microsoft.com/office/drawing/2014/main" id="{AD2C68B3-87DE-CB4A-929F-1AAE554D560B}"/>
-              </a:ext>
-            </a:extLst>
-          </p:cNvPr>
-          <p:cNvSpPr txBox="1"/>
-          <p:nvPr/>
-        </p:nvSpPr>
-        <p:spPr>
-          <a:xfrm>
-            <a:off x="9257762" y="4743282"/>
-            <a:ext cx="2107308" cy="1477328"/>
-          </a:xfrm>
-          <a:prstGeom prst="rect">
-            <a:avLst/>
-          </a:prstGeom>
-          <a:noFill/>
-        </p:spPr>
-        <p:txBody>
-          <a:bodyPr wrap="square" rtlCol="0">
-            <a:spAutoFit/>
-          </a:bodyPr>
-          <a:lstStyle/>
-          <a:p>
-            <a:r>
-              <a:rPr lang="en-US" altLang="ja-JP" dirty="0">
-                <a:solidFill>
-                  <a:schemeClr val="tx1">
-                    <a:lumMod val="50000"/>
-                    <a:lumOff val="50000"/>
-                  </a:schemeClr>
-                </a:solidFill>
-                <a:latin typeface="Meiryo" panose="020B0604030504040204" pitchFamily="34" charset="-128"/>
-                <a:ea typeface="Meiryo" panose="020B0604030504040204" pitchFamily="34" charset="-128"/>
-              </a:rPr>
-              <a:t>The wonderful Ultimate Professional Business Power point Template</a:t>
-            </a:r>
-            <a:endParaRPr kumimoji="1" lang="ja-JP" altLang="en-US">
-              <a:solidFill>
-                <a:schemeClr val="tx1">
-                  <a:lumMod val="50000"/>
-                  <a:lumOff val="50000"/>
-                </a:schemeClr>
-              </a:solidFill>
-              <a:latin typeface="Meiryo" panose="020B0604030504040204" pitchFamily="34" charset="-128"/>
-              <a:ea typeface="Meiryo" panose="020B0604030504040204" pitchFamily="34" charset="-128"/>
-            </a:endParaRPr>
-          </a:p>
-        </p:txBody>
-      </p:sp>
-      <p:sp>
-        <p:nvSpPr>
-          <p:cNvPr id="46" name="テキスト ボックス 45">
-            <a:extLst>
-              <a:ext uri="{FF2B5EF4-FFF2-40B4-BE49-F238E27FC236}">
-                <a16:creationId xmlns:a16="http://schemas.microsoft.com/office/drawing/2014/main" id="{C2517EC4-B10C-6640-B616-0F1C10901E39}"/>
-              </a:ext>
-            </a:extLst>
-          </p:cNvPr>
-          <p:cNvSpPr txBox="1"/>
-          <p:nvPr/>
-        </p:nvSpPr>
-        <p:spPr>
-          <a:xfrm>
-            <a:off x="9257762" y="4022679"/>
-            <a:ext cx="2107308" cy="523220"/>
-          </a:xfrm>
-          <a:prstGeom prst="rect">
-            <a:avLst/>
-          </a:prstGeom>
-          <a:noFill/>
-        </p:spPr>
-        <p:txBody>
-          <a:bodyPr wrap="square" rtlCol="0">
-            <a:spAutoFit/>
-          </a:bodyPr>
-          <a:lstStyle/>
-          <a:p>
-            <a:pPr algn="ctr"/>
-            <a:r>
-              <a:rPr lang="en-US" altLang="ja-JP" sz="2800" b="1" dirty="0">
-                <a:solidFill>
-                  <a:schemeClr val="accent4"/>
-                </a:solidFill>
-                <a:latin typeface="Meiryo" panose="020B0604030504040204" pitchFamily="34" charset="-128"/>
-                <a:ea typeface="Meiryo" panose="020B0604030504040204" pitchFamily="34" charset="-128"/>
-              </a:rPr>
-              <a:t>SAMPLE</a:t>
-            </a:r>
-            <a:endParaRPr kumimoji="1" lang="ja-JP" altLang="en-US" sz="2800" b="1">
-              <a:solidFill>
-                <a:schemeClr val="accent4"/>
-              </a:solidFill>
-              <a:latin typeface="Meiryo" panose="020B0604030504040204" pitchFamily="34" charset="-128"/>
-              <a:ea typeface="Meiryo" panose="020B0604030504040204" pitchFamily="34" charset="-128"/>
-            </a:endParaRPr>
-          </a:p>
-        </p:txBody>
-      </p:sp>
-      <p:pic>
-        <p:nvPicPr>
-          <p:cNvPr id="36" name="グラフィックス 35" descr="封筒">
-            <a:extLst>
-              <a:ext uri="{FF2B5EF4-FFF2-40B4-BE49-F238E27FC236}">
-                <a16:creationId xmlns:a16="http://schemas.microsoft.com/office/drawing/2014/main" id="{D45DC59E-1CBF-5D46-93E7-F271407D7B56}"/>
-              </a:ext>
-            </a:extLst>
-          </p:cNvPr>
-          <p:cNvPicPr>
-            <a:picLocks noChangeAspect="1"/>
-          </p:cNvPicPr>
-          <p:nvPr/>
-        </p:nvPicPr>
-        <p:blipFill>
-          <a:blip r:embed="rId4">
-            <a:extLst>
-              <a:ext uri="{96DAC541-7B7A-43D3-8B79-37D633B846F1}">
-                <asvg:svgBlip xmlns:asvg="http://schemas.microsoft.com/office/drawing/2016/SVG/main" r:embed="rId5"/>
-              </a:ext>
-            </a:extLst>
-          </a:blip>
-          <a:stretch>
-            <a:fillRect/>
-          </a:stretch>
-        </p:blipFill>
-        <p:spPr>
-          <a:xfrm>
-            <a:off x="9965557" y="2405358"/>
-            <a:ext cx="691717" cy="691717"/>
-          </a:xfrm>
-          <a:prstGeom prst="rect">
-            <a:avLst/>
-          </a:prstGeom>
-        </p:spPr>
-      </p:pic>
-      <p:pic>
-        <p:nvPicPr>
-          <p:cNvPr id="39" name="グラフィックス 38" descr="上昇基調">
-            <a:extLst>
-              <a:ext uri="{FF2B5EF4-FFF2-40B4-BE49-F238E27FC236}">
-                <a16:creationId xmlns:a16="http://schemas.microsoft.com/office/drawing/2014/main" id="{50D0B229-D4DA-EF4F-96D4-95686FF0EE63}"/>
-              </a:ext>
-            </a:extLst>
-          </p:cNvPr>
-          <p:cNvPicPr>
-            <a:picLocks noChangeAspect="1"/>
-          </p:cNvPicPr>
-          <p:nvPr/>
-        </p:nvPicPr>
-        <p:blipFill>
-          <a:blip r:embed="rId6">
-            <a:extLst>
-              <a:ext uri="{96DAC541-7B7A-43D3-8B79-37D633B846F1}">
-                <asvg:svgBlip xmlns:asvg="http://schemas.microsoft.com/office/drawing/2016/SVG/main" r:embed="rId7"/>
-              </a:ext>
-            </a:extLst>
-          </a:blip>
-          <a:stretch>
-            <a:fillRect/>
-          </a:stretch>
-        </p:blipFill>
-        <p:spPr>
-          <a:xfrm>
-            <a:off x="7128037" y="2386051"/>
-            <a:ext cx="711024" cy="711024"/>
-          </a:xfrm>
-          <a:prstGeom prst="rect">
-            <a:avLst/>
-          </a:prstGeom>
-        </p:spPr>
-      </p:pic>
-      <p:sp>
-        <p:nvSpPr>
-          <p:cNvPr id="48" name="正方形/長方形 47">
-            <a:extLst>
-              <a:ext uri="{FF2B5EF4-FFF2-40B4-BE49-F238E27FC236}">
-                <a16:creationId xmlns:a16="http://schemas.microsoft.com/office/drawing/2014/main" id="{98E815DB-525A-D344-8D41-67D10D5A81A3}"/>
-              </a:ext>
-            </a:extLst>
-          </p:cNvPr>
-          <p:cNvSpPr/>
-          <p:nvPr/>
-        </p:nvSpPr>
-        <p:spPr>
-          <a:xfrm>
-            <a:off x="12028601" y="8090"/>
-            <a:ext cx="163399" cy="1440968"/>
-          </a:xfrm>
-          <a:prstGeom prst="rect">
-            <a:avLst/>
-          </a:prstGeom>
-          <a:solidFill>
-            <a:schemeClr val="accent5"/>
-          </a:solidFill>
-          <a:ln w="69850">
-            <a:noFill/>
-          </a:ln>
-        </p:spPr>
-        <p:style>
-          <a:lnRef idx="2">
-            <a:schemeClr val="accent1">
-              <a:shade val="50000"/>
-            </a:schemeClr>
-          </a:lnRef>
-          <a:fillRef idx="1">
-            <a:schemeClr val="accent1"/>
-          </a:fillRef>
-          <a:effectRef idx="0">
-            <a:schemeClr val="accent1"/>
-          </a:effectRef>
-          <a:fontRef idx="minor">
-            <a:schemeClr val="lt1"/>
-          </a:fontRef>
-        </p:style>
-        <p:txBody>
-          <a:bodyPr rtlCol="0" anchor="ctr"/>
-          <a:lstStyle/>
-          <a:p>
-            <a:pPr algn="ctr"/>
-            <a:endParaRPr kumimoji="1" lang="ja-JP" altLang="en-US"/>
-          </a:p>
-        </p:txBody>
-      </p:sp>
-    </p:spTree>
-    <p:extLst>
-      <p:ext uri="{BB962C8B-B14F-4D97-AF65-F5344CB8AC3E}">
-        <p14:creationId xmlns:p14="http://schemas.microsoft.com/office/powerpoint/2010/main" val="152339888"/>
-      </p:ext>
-    </p:extLst>
-  </p:cSld>
-  <p:clrMapOvr>
-    <a:masterClrMapping/>
-  </p:clrMapOvr>
-  <mc:AlternateContent xmlns:mc="http://schemas.openxmlformats.org/markup-compatibility/2006" xmlns:p159="http://schemas.microsoft.com/office/powerpoint/2015/09/main">
-    <mc:Choice Requires="p159">
-      <p:transition xmlns:p14="http://schemas.microsoft.com/office/powerpoint/2010/main" spd="slow" p14:dur="2000">
-        <p159:morph option="byObject"/>
-      </p:transition>
-    </mc:Choice>
-    <mc:Fallback xmlns="">
-      <p:transition spd="slow">
-        <p:fade/>
-      </p:transition>
-    </mc:Fallback>
-  </mc:AlternateContent>
-</p:sld>
-</file>
-
-<file path=ppt/slides/slide11.xml><?xml version="1.0" encoding="utf-8"?>
-<p:sld xmlns:a="http://schemas.openxmlformats.org/drawingml/2006/main" xmlns:r="http://schemas.openxmlformats.org/officeDocument/2006/relationships" xmlns:p="http://schemas.openxmlformats.org/presentationml/2006/main">
-  <p:cSld>
-    <p:spTree>
-      <p:nvGrpSpPr>
-        <p:cNvPr id="1" name=""/>
-        <p:cNvGrpSpPr/>
-        <p:nvPr/>
-      </p:nvGrpSpPr>
-      <p:grpSpPr>
-        <a:xfrm>
-          <a:off x="0" y="0"/>
-          <a:ext cx="0" cy="0"/>
-          <a:chOff x="0" y="0"/>
-          <a:chExt cx="0" cy="0"/>
-        </a:xfrm>
-      </p:grpSpPr>
-      <p:sp>
-        <p:nvSpPr>
-          <p:cNvPr id="4" name="正方形/長方形 3">
-            <a:extLst>
-              <a:ext uri="{FF2B5EF4-FFF2-40B4-BE49-F238E27FC236}">
-                <a16:creationId xmlns:a16="http://schemas.microsoft.com/office/drawing/2014/main" id="{BA86F706-38BB-2A41-8D6D-B9314415C4EA}"/>
-              </a:ext>
-            </a:extLst>
-          </p:cNvPr>
-          <p:cNvSpPr/>
-          <p:nvPr/>
-        </p:nvSpPr>
-        <p:spPr>
-          <a:xfrm>
-            <a:off x="797102" y="760395"/>
-            <a:ext cx="3187757" cy="3676851"/>
-          </a:xfrm>
-          <a:prstGeom prst="rect">
-            <a:avLst/>
-          </a:prstGeom>
-          <a:solidFill>
-            <a:schemeClr val="accent5"/>
-          </a:solidFill>
-          <a:ln w="69850">
-            <a:solidFill>
-              <a:schemeClr val="accent5"/>
-            </a:solidFill>
-          </a:ln>
-        </p:spPr>
-        <p:style>
-          <a:lnRef idx="2">
-            <a:schemeClr val="accent1">
-              <a:shade val="50000"/>
-            </a:schemeClr>
-          </a:lnRef>
-          <a:fillRef idx="1">
-            <a:schemeClr val="accent1"/>
-          </a:fillRef>
-          <a:effectRef idx="0">
-            <a:schemeClr val="accent1"/>
-          </a:effectRef>
-          <a:fontRef idx="minor">
-            <a:schemeClr val="lt1"/>
-          </a:fontRef>
-        </p:style>
-        <p:txBody>
-          <a:bodyPr rtlCol="0" anchor="ctr"/>
-          <a:lstStyle/>
-          <a:p>
-            <a:pPr algn="ctr"/>
-            <a:endParaRPr lang="ja-JP" altLang="en-US"/>
-          </a:p>
-        </p:txBody>
-      </p:sp>
-      <p:sp>
-        <p:nvSpPr>
-          <p:cNvPr id="5" name="正方形/長方形 4">
-            <a:extLst>
-              <a:ext uri="{FF2B5EF4-FFF2-40B4-BE49-F238E27FC236}">
-                <a16:creationId xmlns:a16="http://schemas.microsoft.com/office/drawing/2014/main" id="{08E47C96-B65D-B84C-8D9D-6E2C4343B462}"/>
-              </a:ext>
-            </a:extLst>
-          </p:cNvPr>
-          <p:cNvSpPr/>
-          <p:nvPr/>
-        </p:nvSpPr>
-        <p:spPr>
-          <a:xfrm>
-            <a:off x="797102" y="4452831"/>
-            <a:ext cx="3187757" cy="2086274"/>
-          </a:xfrm>
-          <a:prstGeom prst="rect">
-            <a:avLst/>
-          </a:prstGeom>
-          <a:solidFill>
-            <a:schemeClr val="bg1"/>
-          </a:solidFill>
-          <a:ln w="69850">
-            <a:solidFill>
-              <a:schemeClr val="accent5"/>
-            </a:solidFill>
-          </a:ln>
-        </p:spPr>
-        <p:style>
-          <a:lnRef idx="2">
-            <a:schemeClr val="accent1">
-              <a:shade val="50000"/>
-            </a:schemeClr>
-          </a:lnRef>
-          <a:fillRef idx="1">
-            <a:schemeClr val="accent1"/>
-          </a:fillRef>
-          <a:effectRef idx="0">
-            <a:schemeClr val="accent1"/>
-          </a:effectRef>
-          <a:fontRef idx="minor">
-            <a:schemeClr val="lt1"/>
-          </a:fontRef>
-        </p:style>
-        <p:txBody>
-          <a:bodyPr rtlCol="0" anchor="ctr"/>
-          <a:lstStyle/>
-          <a:p>
-            <a:pPr algn="ctr"/>
-            <a:endParaRPr lang="ja-JP" altLang="en-US"/>
-          </a:p>
-        </p:txBody>
-      </p:sp>
-      <p:sp>
-        <p:nvSpPr>
-          <p:cNvPr id="9" name="テキスト ボックス 8">
-            <a:extLst>
-              <a:ext uri="{FF2B5EF4-FFF2-40B4-BE49-F238E27FC236}">
-                <a16:creationId xmlns:a16="http://schemas.microsoft.com/office/drawing/2014/main" id="{ABC54280-FCB3-824A-8ADD-CF6764B9F5F6}"/>
-              </a:ext>
-            </a:extLst>
-          </p:cNvPr>
-          <p:cNvSpPr txBox="1"/>
-          <p:nvPr/>
-        </p:nvSpPr>
-        <p:spPr>
-          <a:xfrm>
-            <a:off x="883836" y="3703526"/>
-            <a:ext cx="1507144" cy="2646878"/>
-          </a:xfrm>
-          <a:prstGeom prst="rect">
-            <a:avLst/>
-          </a:prstGeom>
-          <a:noFill/>
-        </p:spPr>
-        <p:txBody>
-          <a:bodyPr wrap="none" rtlCol="0">
-            <a:spAutoFit/>
-          </a:bodyPr>
-          <a:lstStyle/>
-          <a:p>
-            <a:r>
-              <a:rPr lang="en-US" altLang="ja-JP" sz="16600" dirty="0">
-                <a:solidFill>
-                  <a:schemeClr val="accent5">
-                    <a:lumMod val="40000"/>
-                    <a:lumOff val="60000"/>
-                  </a:schemeClr>
-                </a:solidFill>
-                <a:latin typeface="Meiryo" panose="020B0604030504040204" pitchFamily="34" charset="-128"/>
-                <a:ea typeface="Meiryo" panose="020B0604030504040204" pitchFamily="34" charset="-128"/>
-              </a:rPr>
-              <a:t>1</a:t>
-            </a:r>
-            <a:endParaRPr kumimoji="1" lang="ja-JP" altLang="en-US" sz="16600">
-              <a:solidFill>
-                <a:schemeClr val="accent5">
-                  <a:lumMod val="40000"/>
-                  <a:lumOff val="60000"/>
-                </a:schemeClr>
-              </a:solidFill>
-              <a:latin typeface="Meiryo" panose="020B0604030504040204" pitchFamily="34" charset="-128"/>
-              <a:ea typeface="Meiryo" panose="020B0604030504040204" pitchFamily="34" charset="-128"/>
-            </a:endParaRPr>
-          </a:p>
-        </p:txBody>
-      </p:sp>
-      <p:sp>
-        <p:nvSpPr>
-          <p:cNvPr id="10" name="テキスト ボックス 9">
-            <a:extLst>
-              <a:ext uri="{FF2B5EF4-FFF2-40B4-BE49-F238E27FC236}">
-                <a16:creationId xmlns:a16="http://schemas.microsoft.com/office/drawing/2014/main" id="{4E4AD785-41FF-AE46-937C-679E8994DE22}"/>
-              </a:ext>
-            </a:extLst>
-          </p:cNvPr>
-          <p:cNvSpPr txBox="1"/>
-          <p:nvPr/>
-        </p:nvSpPr>
-        <p:spPr>
-          <a:xfrm>
-            <a:off x="1607830" y="5822726"/>
-            <a:ext cx="1658970" cy="549757"/>
-          </a:xfrm>
-          <a:prstGeom prst="rect">
-            <a:avLst/>
-          </a:prstGeom>
-          <a:solidFill>
-            <a:schemeClr val="accent6"/>
-          </a:solidFill>
-        </p:spPr>
-        <p:txBody>
-          <a:bodyPr wrap="square" tIns="72000" rtlCol="0">
-            <a:spAutoFit/>
-          </a:bodyPr>
-          <a:lstStyle/>
-          <a:p>
-            <a:pPr algn="ctr"/>
-            <a:r>
-              <a:rPr lang="en-US" altLang="ja-JP" sz="2800" dirty="0">
-                <a:solidFill>
-                  <a:schemeClr val="bg1"/>
-                </a:solidFill>
-                <a:latin typeface="Meiryo" panose="020B0604030504040204" pitchFamily="34" charset="-128"/>
-                <a:ea typeface="Meiryo" panose="020B0604030504040204" pitchFamily="34" charset="-128"/>
-              </a:rPr>
-              <a:t>Design</a:t>
-            </a:r>
-            <a:endParaRPr kumimoji="1" lang="ja-JP" altLang="en-US" sz="2800">
-              <a:solidFill>
-                <a:schemeClr val="bg1"/>
-              </a:solidFill>
-              <a:latin typeface="Meiryo" panose="020B0604030504040204" pitchFamily="34" charset="-128"/>
-              <a:ea typeface="Meiryo" panose="020B0604030504040204" pitchFamily="34" charset="-128"/>
-            </a:endParaRPr>
-          </a:p>
-        </p:txBody>
-      </p:sp>
-      <p:sp>
-        <p:nvSpPr>
-          <p:cNvPr id="11" name="テキスト ボックス 10">
-            <a:extLst>
-              <a:ext uri="{FF2B5EF4-FFF2-40B4-BE49-F238E27FC236}">
-                <a16:creationId xmlns:a16="http://schemas.microsoft.com/office/drawing/2014/main" id="{27FB75E4-6622-604A-A059-D94153F6D547}"/>
-              </a:ext>
-            </a:extLst>
-          </p:cNvPr>
-          <p:cNvSpPr txBox="1"/>
-          <p:nvPr/>
-        </p:nvSpPr>
-        <p:spPr>
-          <a:xfrm>
-            <a:off x="1184860" y="1410632"/>
-            <a:ext cx="2412239" cy="2308324"/>
-          </a:xfrm>
-          <a:prstGeom prst="rect">
-            <a:avLst/>
-          </a:prstGeom>
-          <a:noFill/>
-        </p:spPr>
-        <p:txBody>
-          <a:bodyPr wrap="square" rtlCol="0">
-            <a:spAutoFit/>
-          </a:bodyPr>
-          <a:lstStyle/>
-          <a:p>
-            <a:r>
-              <a:rPr lang="en-US" altLang="ja-JP" sz="2400" dirty="0">
-                <a:solidFill>
-                  <a:schemeClr val="accent6"/>
-                </a:solidFill>
-                <a:latin typeface="Meiryo" panose="020B0604030504040204" pitchFamily="34" charset="-128"/>
-                <a:ea typeface="Meiryo" panose="020B0604030504040204" pitchFamily="34" charset="-128"/>
-              </a:rPr>
-              <a:t>The wonderful Ultimate Professional Business Power point Template</a:t>
-            </a:r>
-            <a:endParaRPr kumimoji="1" lang="ja-JP" altLang="en-US" sz="2400">
-              <a:solidFill>
-                <a:schemeClr val="accent6"/>
-              </a:solidFill>
-              <a:latin typeface="Meiryo" panose="020B0604030504040204" pitchFamily="34" charset="-128"/>
-              <a:ea typeface="Meiryo" panose="020B0604030504040204" pitchFamily="34" charset="-128"/>
-            </a:endParaRPr>
-          </a:p>
-        </p:txBody>
-      </p:sp>
-      <p:sp>
-        <p:nvSpPr>
-          <p:cNvPr id="17" name="正方形/長方形 16">
-            <a:extLst>
-              <a:ext uri="{FF2B5EF4-FFF2-40B4-BE49-F238E27FC236}">
-                <a16:creationId xmlns:a16="http://schemas.microsoft.com/office/drawing/2014/main" id="{2EA30A5A-50DD-3C41-B88A-716BDC3E3482}"/>
-              </a:ext>
-            </a:extLst>
-          </p:cNvPr>
-          <p:cNvSpPr/>
-          <p:nvPr/>
-        </p:nvSpPr>
-        <p:spPr>
-          <a:xfrm>
-            <a:off x="4550954" y="760395"/>
-            <a:ext cx="3187757" cy="3676851"/>
-          </a:xfrm>
-          <a:prstGeom prst="rect">
-            <a:avLst/>
-          </a:prstGeom>
-          <a:solidFill>
-            <a:schemeClr val="accent4"/>
-          </a:solidFill>
-          <a:ln w="69850">
-            <a:solidFill>
-              <a:schemeClr val="accent4"/>
-            </a:solidFill>
-          </a:ln>
-        </p:spPr>
-        <p:style>
-          <a:lnRef idx="2">
-            <a:schemeClr val="accent1">
-              <a:shade val="50000"/>
-            </a:schemeClr>
-          </a:lnRef>
-          <a:fillRef idx="1">
-            <a:schemeClr val="accent1"/>
-          </a:fillRef>
-          <a:effectRef idx="0">
-            <a:schemeClr val="accent1"/>
-          </a:effectRef>
-          <a:fontRef idx="minor">
-            <a:schemeClr val="lt1"/>
-          </a:fontRef>
-        </p:style>
-        <p:txBody>
-          <a:bodyPr rtlCol="0" anchor="ctr"/>
-          <a:lstStyle/>
-          <a:p>
-            <a:pPr algn="ctr"/>
-            <a:endParaRPr lang="ja-JP" altLang="en-US"/>
-          </a:p>
-        </p:txBody>
-      </p:sp>
-      <p:sp>
-        <p:nvSpPr>
-          <p:cNvPr id="18" name="正方形/長方形 17">
-            <a:extLst>
-              <a:ext uri="{FF2B5EF4-FFF2-40B4-BE49-F238E27FC236}">
-                <a16:creationId xmlns:a16="http://schemas.microsoft.com/office/drawing/2014/main" id="{42A7CD89-E746-7F4F-A9DA-79924A36B410}"/>
-              </a:ext>
-            </a:extLst>
-          </p:cNvPr>
-          <p:cNvSpPr/>
-          <p:nvPr/>
-        </p:nvSpPr>
-        <p:spPr>
-          <a:xfrm>
-            <a:off x="4550954" y="4452831"/>
-            <a:ext cx="3187757" cy="2086274"/>
-          </a:xfrm>
-          <a:prstGeom prst="rect">
-            <a:avLst/>
-          </a:prstGeom>
-          <a:solidFill>
-            <a:schemeClr val="bg1"/>
-          </a:solidFill>
-          <a:ln w="69850">
-            <a:solidFill>
-              <a:schemeClr val="accent4"/>
-            </a:solidFill>
-          </a:ln>
-        </p:spPr>
-        <p:style>
-          <a:lnRef idx="2">
-            <a:schemeClr val="accent1">
-              <a:shade val="50000"/>
-            </a:schemeClr>
-          </a:lnRef>
-          <a:fillRef idx="1">
-            <a:schemeClr val="accent1"/>
-          </a:fillRef>
-          <a:effectRef idx="0">
-            <a:schemeClr val="accent1"/>
-          </a:effectRef>
-          <a:fontRef idx="minor">
-            <a:schemeClr val="lt1"/>
-          </a:fontRef>
-        </p:style>
-        <p:txBody>
-          <a:bodyPr rtlCol="0" anchor="ctr"/>
-          <a:lstStyle/>
-          <a:p>
-            <a:pPr algn="ctr"/>
-            <a:endParaRPr lang="ja-JP" altLang="en-US"/>
-          </a:p>
-        </p:txBody>
-      </p:sp>
-      <p:sp>
-        <p:nvSpPr>
-          <p:cNvPr id="19" name="テキスト ボックス 18">
-            <a:extLst>
-              <a:ext uri="{FF2B5EF4-FFF2-40B4-BE49-F238E27FC236}">
-                <a16:creationId xmlns:a16="http://schemas.microsoft.com/office/drawing/2014/main" id="{92A59710-52D0-CB45-A536-E6A5A0FEC9BC}"/>
-              </a:ext>
-            </a:extLst>
-          </p:cNvPr>
-          <p:cNvSpPr txBox="1"/>
-          <p:nvPr/>
-        </p:nvSpPr>
-        <p:spPr>
-          <a:xfrm>
-            <a:off x="4637688" y="3703526"/>
-            <a:ext cx="1507144" cy="2646878"/>
-          </a:xfrm>
-          <a:prstGeom prst="rect">
-            <a:avLst/>
-          </a:prstGeom>
-          <a:noFill/>
-        </p:spPr>
-        <p:txBody>
-          <a:bodyPr wrap="none" rtlCol="0">
-            <a:spAutoFit/>
-          </a:bodyPr>
-          <a:lstStyle/>
-          <a:p>
-            <a:r>
-              <a:rPr lang="en-US" altLang="ja-JP" sz="16600" dirty="0">
-                <a:solidFill>
-                  <a:schemeClr val="accent6">
-                    <a:lumMod val="40000"/>
-                    <a:lumOff val="60000"/>
-                  </a:schemeClr>
-                </a:solidFill>
-                <a:latin typeface="Meiryo" panose="020B0604030504040204" pitchFamily="34" charset="-128"/>
-                <a:ea typeface="Meiryo" panose="020B0604030504040204" pitchFamily="34" charset="-128"/>
-              </a:rPr>
-              <a:t>2</a:t>
-            </a:r>
-            <a:endParaRPr kumimoji="1" lang="ja-JP" altLang="en-US" sz="16600">
-              <a:solidFill>
-                <a:schemeClr val="accent6">
-                  <a:lumMod val="40000"/>
-                  <a:lumOff val="60000"/>
-                </a:schemeClr>
-              </a:solidFill>
-              <a:latin typeface="Meiryo" panose="020B0604030504040204" pitchFamily="34" charset="-128"/>
-              <a:ea typeface="Meiryo" panose="020B0604030504040204" pitchFamily="34" charset="-128"/>
-            </a:endParaRPr>
-          </a:p>
-        </p:txBody>
-      </p:sp>
-      <p:sp>
-        <p:nvSpPr>
-          <p:cNvPr id="21" name="テキスト ボックス 20">
-            <a:extLst>
-              <a:ext uri="{FF2B5EF4-FFF2-40B4-BE49-F238E27FC236}">
-                <a16:creationId xmlns:a16="http://schemas.microsoft.com/office/drawing/2014/main" id="{B8FCDEFF-0153-8046-B32F-CA4D5495B9F7}"/>
-              </a:ext>
-            </a:extLst>
-          </p:cNvPr>
-          <p:cNvSpPr txBox="1"/>
-          <p:nvPr/>
-        </p:nvSpPr>
-        <p:spPr>
-          <a:xfrm>
-            <a:off x="4938712" y="1410632"/>
-            <a:ext cx="2412239" cy="2308324"/>
-          </a:xfrm>
-          <a:prstGeom prst="rect">
-            <a:avLst/>
-          </a:prstGeom>
-          <a:noFill/>
-        </p:spPr>
-        <p:txBody>
-          <a:bodyPr wrap="square" rtlCol="0">
-            <a:spAutoFit/>
-          </a:bodyPr>
-          <a:lstStyle/>
-          <a:p>
-            <a:r>
-              <a:rPr lang="en-US" altLang="ja-JP" sz="2400" dirty="0">
-                <a:solidFill>
-                  <a:schemeClr val="bg1"/>
-                </a:solidFill>
-                <a:latin typeface="Meiryo" panose="020B0604030504040204" pitchFamily="34" charset="-128"/>
-                <a:ea typeface="Meiryo" panose="020B0604030504040204" pitchFamily="34" charset="-128"/>
-              </a:rPr>
-              <a:t>The wonderful Ultimate Professional Business Power point Template</a:t>
-            </a:r>
-            <a:endParaRPr kumimoji="1" lang="ja-JP" altLang="en-US" sz="2400">
-              <a:solidFill>
-                <a:schemeClr val="bg1"/>
-              </a:solidFill>
-              <a:latin typeface="Meiryo" panose="020B0604030504040204" pitchFamily="34" charset="-128"/>
-              <a:ea typeface="Meiryo" panose="020B0604030504040204" pitchFamily="34" charset="-128"/>
-            </a:endParaRPr>
-          </a:p>
-        </p:txBody>
-      </p:sp>
-      <p:sp>
-        <p:nvSpPr>
-          <p:cNvPr id="22" name="正方形/長方形 21">
-            <a:extLst>
-              <a:ext uri="{FF2B5EF4-FFF2-40B4-BE49-F238E27FC236}">
-                <a16:creationId xmlns:a16="http://schemas.microsoft.com/office/drawing/2014/main" id="{AAF9E404-2766-764B-9B3E-2F784942AD1A}"/>
-              </a:ext>
-            </a:extLst>
-          </p:cNvPr>
-          <p:cNvSpPr/>
-          <p:nvPr/>
-        </p:nvSpPr>
-        <p:spPr>
-          <a:xfrm>
-            <a:off x="8304806" y="760395"/>
-            <a:ext cx="3187757" cy="3676851"/>
-          </a:xfrm>
-          <a:prstGeom prst="rect">
-            <a:avLst/>
-          </a:prstGeom>
-          <a:solidFill>
-            <a:schemeClr val="accent4"/>
-          </a:solidFill>
-          <a:ln w="69850">
-            <a:solidFill>
-              <a:schemeClr val="accent4"/>
-            </a:solidFill>
-          </a:ln>
-        </p:spPr>
-        <p:style>
-          <a:lnRef idx="2">
-            <a:schemeClr val="accent1">
-              <a:shade val="50000"/>
-            </a:schemeClr>
-          </a:lnRef>
-          <a:fillRef idx="1">
-            <a:schemeClr val="accent1"/>
-          </a:fillRef>
-          <a:effectRef idx="0">
-            <a:schemeClr val="accent1"/>
-          </a:effectRef>
-          <a:fontRef idx="minor">
-            <a:schemeClr val="lt1"/>
-          </a:fontRef>
-        </p:style>
-        <p:txBody>
-          <a:bodyPr rtlCol="0" anchor="ctr"/>
-          <a:lstStyle/>
-          <a:p>
-            <a:pPr algn="ctr"/>
-            <a:endParaRPr kumimoji="1" lang="ja-JP" altLang="en-US"/>
-          </a:p>
-        </p:txBody>
-      </p:sp>
-      <p:sp>
-        <p:nvSpPr>
-          <p:cNvPr id="23" name="正方形/長方形 22">
-            <a:extLst>
-              <a:ext uri="{FF2B5EF4-FFF2-40B4-BE49-F238E27FC236}">
-                <a16:creationId xmlns:a16="http://schemas.microsoft.com/office/drawing/2014/main" id="{8E141671-D3D6-A547-9EB1-214361A640C8}"/>
-              </a:ext>
-            </a:extLst>
-          </p:cNvPr>
-          <p:cNvSpPr/>
-          <p:nvPr/>
-        </p:nvSpPr>
-        <p:spPr>
-          <a:xfrm>
-            <a:off x="8304806" y="4452831"/>
-            <a:ext cx="3187757" cy="2086274"/>
-          </a:xfrm>
-          <a:prstGeom prst="rect">
-            <a:avLst/>
-          </a:prstGeom>
-          <a:solidFill>
-            <a:schemeClr val="bg1"/>
-          </a:solidFill>
-          <a:ln w="69850">
-            <a:solidFill>
-              <a:schemeClr val="accent4"/>
-            </a:solidFill>
-          </a:ln>
-        </p:spPr>
-        <p:style>
-          <a:lnRef idx="2">
-            <a:schemeClr val="accent1">
-              <a:shade val="50000"/>
-            </a:schemeClr>
-          </a:lnRef>
-          <a:fillRef idx="1">
-            <a:schemeClr val="accent1"/>
-          </a:fillRef>
-          <a:effectRef idx="0">
-            <a:schemeClr val="accent1"/>
-          </a:effectRef>
-          <a:fontRef idx="minor">
-            <a:schemeClr val="lt1"/>
-          </a:fontRef>
-        </p:style>
-        <p:txBody>
-          <a:bodyPr rtlCol="0" anchor="ctr"/>
-          <a:lstStyle/>
-          <a:p>
-            <a:pPr algn="ctr"/>
-            <a:endParaRPr kumimoji="1" lang="ja-JP" altLang="en-US"/>
-          </a:p>
-        </p:txBody>
-      </p:sp>
-      <p:sp>
-        <p:nvSpPr>
-          <p:cNvPr id="24" name="テキスト ボックス 23">
-            <a:extLst>
-              <a:ext uri="{FF2B5EF4-FFF2-40B4-BE49-F238E27FC236}">
-                <a16:creationId xmlns:a16="http://schemas.microsoft.com/office/drawing/2014/main" id="{DEA3FAF8-42C0-B24D-8593-FBEB477EC363}"/>
-              </a:ext>
-            </a:extLst>
-          </p:cNvPr>
-          <p:cNvSpPr txBox="1"/>
-          <p:nvPr/>
-        </p:nvSpPr>
-        <p:spPr>
-          <a:xfrm>
-            <a:off x="8391540" y="3703526"/>
-            <a:ext cx="1507144" cy="2646878"/>
-          </a:xfrm>
-          <a:prstGeom prst="rect">
-            <a:avLst/>
-          </a:prstGeom>
-          <a:noFill/>
-        </p:spPr>
-        <p:txBody>
-          <a:bodyPr wrap="none" rtlCol="0">
-            <a:spAutoFit/>
-          </a:bodyPr>
-          <a:lstStyle/>
-          <a:p>
-            <a:r>
-              <a:rPr lang="en-US" altLang="ja-JP" sz="16600" dirty="0">
-                <a:solidFill>
-                  <a:schemeClr val="accent6">
-                    <a:lumMod val="40000"/>
-                    <a:lumOff val="60000"/>
-                  </a:schemeClr>
-                </a:solidFill>
-                <a:latin typeface="Meiryo" panose="020B0604030504040204" pitchFamily="34" charset="-128"/>
-                <a:ea typeface="Meiryo" panose="020B0604030504040204" pitchFamily="34" charset="-128"/>
-              </a:rPr>
-              <a:t>3</a:t>
-            </a:r>
-            <a:endParaRPr kumimoji="1" lang="ja-JP" altLang="en-US" sz="16600">
-              <a:solidFill>
-                <a:schemeClr val="accent6">
-                  <a:lumMod val="40000"/>
-                  <a:lumOff val="60000"/>
-                </a:schemeClr>
-              </a:solidFill>
-              <a:latin typeface="Meiryo" panose="020B0604030504040204" pitchFamily="34" charset="-128"/>
-              <a:ea typeface="Meiryo" panose="020B0604030504040204" pitchFamily="34" charset="-128"/>
-            </a:endParaRPr>
-          </a:p>
-        </p:txBody>
-      </p:sp>
-      <p:sp>
-        <p:nvSpPr>
-          <p:cNvPr id="26" name="テキスト ボックス 25">
-            <a:extLst>
-              <a:ext uri="{FF2B5EF4-FFF2-40B4-BE49-F238E27FC236}">
-                <a16:creationId xmlns:a16="http://schemas.microsoft.com/office/drawing/2014/main" id="{6026A318-5080-C240-B305-EFE7F972C24E}"/>
-              </a:ext>
-            </a:extLst>
-          </p:cNvPr>
-          <p:cNvSpPr txBox="1"/>
-          <p:nvPr/>
-        </p:nvSpPr>
-        <p:spPr>
-          <a:xfrm>
-            <a:off x="8692564" y="1410632"/>
-            <a:ext cx="2412239" cy="2308324"/>
-          </a:xfrm>
-          <a:prstGeom prst="rect">
-            <a:avLst/>
-          </a:prstGeom>
-          <a:noFill/>
-        </p:spPr>
-        <p:txBody>
-          <a:bodyPr wrap="square" rtlCol="0">
-            <a:spAutoFit/>
-          </a:bodyPr>
-          <a:lstStyle/>
-          <a:p>
-            <a:r>
-              <a:rPr lang="en-US" altLang="ja-JP" sz="2400" dirty="0">
-                <a:solidFill>
-                  <a:schemeClr val="bg1"/>
-                </a:solidFill>
-                <a:latin typeface="Meiryo" panose="020B0604030504040204" pitchFamily="34" charset="-128"/>
-                <a:ea typeface="Meiryo" panose="020B0604030504040204" pitchFamily="34" charset="-128"/>
-              </a:rPr>
-              <a:t>The wonderful Ultimate Professional Business Power point Template</a:t>
-            </a:r>
-            <a:endParaRPr kumimoji="1" lang="ja-JP" altLang="en-US" sz="2400">
-              <a:solidFill>
-                <a:schemeClr val="bg1"/>
-              </a:solidFill>
-              <a:latin typeface="Meiryo" panose="020B0604030504040204" pitchFamily="34" charset="-128"/>
-              <a:ea typeface="Meiryo" panose="020B0604030504040204" pitchFamily="34" charset="-128"/>
-            </a:endParaRPr>
-          </a:p>
-        </p:txBody>
-      </p:sp>
-      <p:sp>
-        <p:nvSpPr>
-          <p:cNvPr id="27" name="テキスト ボックス 26">
-            <a:extLst>
-              <a:ext uri="{FF2B5EF4-FFF2-40B4-BE49-F238E27FC236}">
-                <a16:creationId xmlns:a16="http://schemas.microsoft.com/office/drawing/2014/main" id="{F1079E4B-56B6-7F40-AAAD-F0752EDAD9DA}"/>
-              </a:ext>
-            </a:extLst>
-          </p:cNvPr>
-          <p:cNvSpPr txBox="1"/>
-          <p:nvPr/>
-        </p:nvSpPr>
-        <p:spPr>
-          <a:xfrm>
-            <a:off x="5284091" y="5822726"/>
-            <a:ext cx="1658970" cy="549757"/>
-          </a:xfrm>
-          <a:prstGeom prst="rect">
-            <a:avLst/>
-          </a:prstGeom>
-          <a:solidFill>
-            <a:schemeClr val="accent6"/>
-          </a:solidFill>
-        </p:spPr>
-        <p:txBody>
-          <a:bodyPr wrap="square" tIns="72000" rtlCol="0">
-            <a:spAutoFit/>
-          </a:bodyPr>
-          <a:lstStyle/>
-          <a:p>
-            <a:pPr algn="ctr"/>
-            <a:r>
-              <a:rPr lang="en-US" altLang="ja-JP" sz="2800" dirty="0">
-                <a:solidFill>
-                  <a:schemeClr val="bg1"/>
-                </a:solidFill>
-                <a:latin typeface="Meiryo" panose="020B0604030504040204" pitchFamily="34" charset="-128"/>
-                <a:ea typeface="Meiryo" panose="020B0604030504040204" pitchFamily="34" charset="-128"/>
-              </a:rPr>
-              <a:t>Design</a:t>
-            </a:r>
-            <a:endParaRPr kumimoji="1" lang="ja-JP" altLang="en-US" sz="2800">
-              <a:solidFill>
-                <a:schemeClr val="bg1"/>
-              </a:solidFill>
-              <a:latin typeface="Meiryo" panose="020B0604030504040204" pitchFamily="34" charset="-128"/>
-              <a:ea typeface="Meiryo" panose="020B0604030504040204" pitchFamily="34" charset="-128"/>
-            </a:endParaRPr>
-          </a:p>
-        </p:txBody>
-      </p:sp>
-      <p:sp>
-        <p:nvSpPr>
-          <p:cNvPr id="28" name="テキスト ボックス 27">
-            <a:extLst>
-              <a:ext uri="{FF2B5EF4-FFF2-40B4-BE49-F238E27FC236}">
-                <a16:creationId xmlns:a16="http://schemas.microsoft.com/office/drawing/2014/main" id="{E62B23DD-79D4-2C45-BB39-E2A448B2A4CC}"/>
-              </a:ext>
-            </a:extLst>
-          </p:cNvPr>
-          <p:cNvSpPr txBox="1"/>
-          <p:nvPr/>
-        </p:nvSpPr>
-        <p:spPr>
-          <a:xfrm>
-            <a:off x="9072319" y="5822726"/>
-            <a:ext cx="1658970" cy="549757"/>
-          </a:xfrm>
-          <a:prstGeom prst="rect">
-            <a:avLst/>
-          </a:prstGeom>
-          <a:solidFill>
-            <a:schemeClr val="accent6"/>
-          </a:solidFill>
-        </p:spPr>
-        <p:txBody>
-          <a:bodyPr wrap="square" tIns="72000" rtlCol="0">
-            <a:spAutoFit/>
-          </a:bodyPr>
-          <a:lstStyle/>
-          <a:p>
-            <a:pPr algn="ctr"/>
-            <a:r>
-              <a:rPr lang="en-US" altLang="ja-JP" sz="2800" dirty="0">
-                <a:solidFill>
-                  <a:schemeClr val="bg1"/>
-                </a:solidFill>
-                <a:latin typeface="Meiryo" panose="020B0604030504040204" pitchFamily="34" charset="-128"/>
-                <a:ea typeface="Meiryo" panose="020B0604030504040204" pitchFamily="34" charset="-128"/>
-              </a:rPr>
-              <a:t>Design</a:t>
-            </a:r>
-            <a:endParaRPr kumimoji="1" lang="ja-JP" altLang="en-US" sz="2800">
-              <a:solidFill>
-                <a:schemeClr val="bg1"/>
-              </a:solidFill>
-              <a:latin typeface="Meiryo" panose="020B0604030504040204" pitchFamily="34" charset="-128"/>
-              <a:ea typeface="Meiryo" panose="020B0604030504040204" pitchFamily="34" charset="-128"/>
-            </a:endParaRPr>
-          </a:p>
-        </p:txBody>
-      </p:sp>
-      <p:sp>
-        <p:nvSpPr>
-          <p:cNvPr id="25" name="正方形/長方形 24">
-            <a:extLst>
-              <a:ext uri="{FF2B5EF4-FFF2-40B4-BE49-F238E27FC236}">
-                <a16:creationId xmlns:a16="http://schemas.microsoft.com/office/drawing/2014/main" id="{7A00119F-50BA-AF49-A89A-114F060432DE}"/>
-              </a:ext>
-            </a:extLst>
-          </p:cNvPr>
-          <p:cNvSpPr/>
-          <p:nvPr/>
-        </p:nvSpPr>
-        <p:spPr>
-          <a:xfrm>
-            <a:off x="12028601" y="8090"/>
-            <a:ext cx="163399" cy="1440968"/>
-          </a:xfrm>
-          <a:prstGeom prst="rect">
-            <a:avLst/>
-          </a:prstGeom>
-          <a:solidFill>
-            <a:schemeClr val="accent5"/>
-          </a:solidFill>
-          <a:ln w="69850">
-            <a:noFill/>
-          </a:ln>
-        </p:spPr>
-        <p:style>
-          <a:lnRef idx="2">
-            <a:schemeClr val="accent1">
-              <a:shade val="50000"/>
-            </a:schemeClr>
-          </a:lnRef>
-          <a:fillRef idx="1">
-            <a:schemeClr val="accent1"/>
-          </a:fillRef>
-          <a:effectRef idx="0">
-            <a:schemeClr val="accent1"/>
-          </a:effectRef>
-          <a:fontRef idx="minor">
-            <a:schemeClr val="lt1"/>
-          </a:fontRef>
-        </p:style>
-        <p:txBody>
-          <a:bodyPr rtlCol="0" anchor="ctr"/>
-          <a:lstStyle/>
-          <a:p>
-            <a:pPr algn="ctr"/>
-            <a:endParaRPr kumimoji="1" lang="ja-JP" altLang="en-US"/>
-          </a:p>
-        </p:txBody>
-      </p:sp>
-      <p:sp>
-        <p:nvSpPr>
-          <p:cNvPr id="29" name="テキスト ボックス 28">
-            <a:extLst>
-              <a:ext uri="{FF2B5EF4-FFF2-40B4-BE49-F238E27FC236}">
-                <a16:creationId xmlns:a16="http://schemas.microsoft.com/office/drawing/2014/main" id="{0998A7B3-BB09-A540-8F7F-015CD495E12E}"/>
-              </a:ext>
-            </a:extLst>
-          </p:cNvPr>
-          <p:cNvSpPr txBox="1"/>
-          <p:nvPr/>
-        </p:nvSpPr>
-        <p:spPr>
-          <a:xfrm>
-            <a:off x="9152283" y="153537"/>
-            <a:ext cx="2794355" cy="523220"/>
-          </a:xfrm>
-          <a:prstGeom prst="rect">
-            <a:avLst/>
-          </a:prstGeom>
-          <a:noFill/>
-        </p:spPr>
-        <p:txBody>
-          <a:bodyPr wrap="none" rtlCol="0">
-            <a:spAutoFit/>
-          </a:bodyPr>
-          <a:lstStyle/>
-          <a:p>
-            <a:pPr algn="r"/>
-            <a:r>
-              <a:rPr lang="en-US" altLang="ja-JP" sz="2800" b="1" dirty="0">
-                <a:solidFill>
-                  <a:schemeClr val="accent5"/>
-                </a:solidFill>
-                <a:latin typeface="Meiryo" panose="020B0604030504040204" pitchFamily="34" charset="-128"/>
-                <a:ea typeface="Meiryo" panose="020B0604030504040204" pitchFamily="34" charset="-128"/>
-              </a:rPr>
-              <a:t>Cool </a:t>
-            </a:r>
-            <a:r>
-              <a:rPr lang="en-US" altLang="ja-JP" sz="2800" dirty="0">
-                <a:latin typeface="Meiryo" panose="020B0604030504040204" pitchFamily="34" charset="-128"/>
-                <a:ea typeface="Meiryo" panose="020B0604030504040204" pitchFamily="34" charset="-128"/>
-              </a:rPr>
-              <a:t> </a:t>
-            </a:r>
-            <a:r>
-              <a:rPr lang="en-US" altLang="ja-JP" sz="2800" dirty="0">
-                <a:solidFill>
-                  <a:schemeClr val="bg1">
-                    <a:lumMod val="65000"/>
-                  </a:schemeClr>
-                </a:solidFill>
-                <a:latin typeface="Meiryo" panose="020B0604030504040204" pitchFamily="34" charset="-128"/>
-                <a:ea typeface="Meiryo" panose="020B0604030504040204" pitchFamily="34" charset="-128"/>
-              </a:rPr>
-              <a:t>template</a:t>
-            </a:r>
-            <a:endParaRPr kumimoji="1" lang="ja-JP" altLang="en-US" sz="2800">
-              <a:solidFill>
-                <a:schemeClr val="bg1">
-                  <a:lumMod val="65000"/>
-                </a:schemeClr>
-              </a:solidFill>
-              <a:latin typeface="Meiryo" panose="020B0604030504040204" pitchFamily="34" charset="-128"/>
-              <a:ea typeface="Meiryo" panose="020B0604030504040204" pitchFamily="34" charset="-128"/>
-            </a:endParaRPr>
-          </a:p>
-        </p:txBody>
-      </p:sp>
-    </p:spTree>
-    <p:extLst>
-      <p:ext uri="{BB962C8B-B14F-4D97-AF65-F5344CB8AC3E}">
-        <p14:creationId xmlns:p14="http://schemas.microsoft.com/office/powerpoint/2010/main" val="276166834"/>
-      </p:ext>
-    </p:extLst>
-  </p:cSld>
-  <p:clrMapOvr>
-    <a:masterClrMapping/>
-  </p:clrMapOvr>
-  <mc:AlternateContent xmlns:mc="http://schemas.openxmlformats.org/markup-compatibility/2006" xmlns:p159="http://schemas.microsoft.com/office/powerpoint/2015/09/main">
-    <mc:Choice Requires="p159">
-      <p:transition xmlns:p14="http://schemas.microsoft.com/office/powerpoint/2010/main" spd="slow" p14:dur="2000">
-        <p159:morph option="byObject"/>
-      </p:transition>
-    </mc:Choice>
-    <mc:Fallback xmlns="">
-      <p:transition spd="slow">
-        <p:fade/>
-      </p:transition>
-    </mc:Fallback>
-  </mc:AlternateContent>
-</p:sld>
-</file>
-
-<file path=ppt/slides/slide12.xml><?xml version="1.0" encoding="utf-8"?>
-<p:sld xmlns:a="http://schemas.openxmlformats.org/drawingml/2006/main" xmlns:r="http://schemas.openxmlformats.org/officeDocument/2006/relationships" xmlns:p="http://schemas.openxmlformats.org/presentationml/2006/main">
-  <p:cSld>
-    <p:spTree>
-      <p:nvGrpSpPr>
-        <p:cNvPr id="1" name=""/>
-        <p:cNvGrpSpPr/>
-        <p:nvPr/>
-      </p:nvGrpSpPr>
-      <p:grpSpPr>
-        <a:xfrm>
-          <a:off x="0" y="0"/>
-          <a:ext cx="0" cy="0"/>
-          <a:chOff x="0" y="0"/>
-          <a:chExt cx="0" cy="0"/>
-        </a:xfrm>
-      </p:grpSpPr>
-      <p:sp>
-        <p:nvSpPr>
-          <p:cNvPr id="4" name="正方形/長方形 3">
-            <a:extLst>
-              <a:ext uri="{FF2B5EF4-FFF2-40B4-BE49-F238E27FC236}">
-                <a16:creationId xmlns:a16="http://schemas.microsoft.com/office/drawing/2014/main" id="{BA86F706-38BB-2A41-8D6D-B9314415C4EA}"/>
-              </a:ext>
-            </a:extLst>
-          </p:cNvPr>
-          <p:cNvSpPr/>
-          <p:nvPr/>
-        </p:nvSpPr>
-        <p:spPr>
-          <a:xfrm>
-            <a:off x="502135" y="1365080"/>
-            <a:ext cx="5367724" cy="1628844"/>
-          </a:xfrm>
-          <a:prstGeom prst="rect">
-            <a:avLst/>
-          </a:prstGeom>
-          <a:solidFill>
-            <a:schemeClr val="accent6"/>
-          </a:solidFill>
-          <a:ln w="69850">
-            <a:noFill/>
-          </a:ln>
-        </p:spPr>
-        <p:style>
-          <a:lnRef idx="2">
-            <a:schemeClr val="accent1">
-              <a:shade val="50000"/>
-            </a:schemeClr>
-          </a:lnRef>
-          <a:fillRef idx="1">
-            <a:schemeClr val="accent1"/>
-          </a:fillRef>
-          <a:effectRef idx="0">
-            <a:schemeClr val="accent1"/>
-          </a:effectRef>
-          <a:fontRef idx="minor">
-            <a:schemeClr val="lt1"/>
-          </a:fontRef>
-        </p:style>
-        <p:txBody>
-          <a:bodyPr rtlCol="0" anchor="ctr"/>
-          <a:lstStyle/>
-          <a:p>
-            <a:pPr algn="ctr"/>
-            <a:endParaRPr kumimoji="1" lang="ja-JP" altLang="en-US"/>
-          </a:p>
-        </p:txBody>
-      </p:sp>
-      <p:sp>
-        <p:nvSpPr>
-          <p:cNvPr id="11" name="テキスト ボックス 10">
-            <a:extLst>
-              <a:ext uri="{FF2B5EF4-FFF2-40B4-BE49-F238E27FC236}">
-                <a16:creationId xmlns:a16="http://schemas.microsoft.com/office/drawing/2014/main" id="{27FB75E4-6622-604A-A059-D94153F6D547}"/>
-              </a:ext>
-            </a:extLst>
-          </p:cNvPr>
-          <p:cNvSpPr txBox="1"/>
-          <p:nvPr/>
-        </p:nvSpPr>
-        <p:spPr>
-          <a:xfrm>
-            <a:off x="889892" y="1653079"/>
-            <a:ext cx="4714495" cy="1200329"/>
-          </a:xfrm>
-          <a:prstGeom prst="rect">
-            <a:avLst/>
-          </a:prstGeom>
-          <a:noFill/>
-        </p:spPr>
-        <p:txBody>
-          <a:bodyPr wrap="square" rtlCol="0">
-            <a:spAutoFit/>
-          </a:bodyPr>
-          <a:lstStyle/>
-          <a:p>
-            <a:r>
-              <a:rPr lang="en-US" altLang="ja-JP" sz="2400" dirty="0">
-                <a:solidFill>
-                  <a:schemeClr val="bg1"/>
-                </a:solidFill>
-                <a:latin typeface="Meiryo" panose="020B0604030504040204" pitchFamily="34" charset="-128"/>
-                <a:ea typeface="Meiryo" panose="020B0604030504040204" pitchFamily="34" charset="-128"/>
-              </a:rPr>
-              <a:t>The wonderful Ultimate Professional Business Power point Template</a:t>
-            </a:r>
-            <a:endParaRPr kumimoji="1" lang="ja-JP" altLang="en-US" sz="2400">
-              <a:solidFill>
-                <a:schemeClr val="bg1"/>
-              </a:solidFill>
-              <a:latin typeface="Meiryo" panose="020B0604030504040204" pitchFamily="34" charset="-128"/>
-              <a:ea typeface="Meiryo" panose="020B0604030504040204" pitchFamily="34" charset="-128"/>
-            </a:endParaRPr>
-          </a:p>
-        </p:txBody>
-      </p:sp>
-      <p:sp>
-        <p:nvSpPr>
-          <p:cNvPr id="29" name="正方形/長方形 28">
-            <a:extLst>
-              <a:ext uri="{FF2B5EF4-FFF2-40B4-BE49-F238E27FC236}">
-                <a16:creationId xmlns:a16="http://schemas.microsoft.com/office/drawing/2014/main" id="{605111DD-B58B-EB49-ABE8-B495E8E0EEA3}"/>
-              </a:ext>
-            </a:extLst>
-          </p:cNvPr>
-          <p:cNvSpPr/>
-          <p:nvPr/>
-        </p:nvSpPr>
-        <p:spPr>
-          <a:xfrm>
-            <a:off x="6239258" y="1365080"/>
-            <a:ext cx="5367724" cy="1628844"/>
-          </a:xfrm>
-          <a:prstGeom prst="rect">
-            <a:avLst/>
-          </a:prstGeom>
-          <a:solidFill>
-            <a:schemeClr val="accent6"/>
-          </a:solidFill>
-          <a:ln w="69850">
-            <a:noFill/>
-          </a:ln>
-        </p:spPr>
-        <p:style>
-          <a:lnRef idx="2">
-            <a:schemeClr val="accent1">
-              <a:shade val="50000"/>
-            </a:schemeClr>
-          </a:lnRef>
-          <a:fillRef idx="1">
-            <a:schemeClr val="accent1"/>
-          </a:fillRef>
-          <a:effectRef idx="0">
-            <a:schemeClr val="accent1"/>
-          </a:effectRef>
-          <a:fontRef idx="minor">
-            <a:schemeClr val="lt1"/>
-          </a:fontRef>
-        </p:style>
-        <p:txBody>
-          <a:bodyPr rtlCol="0" anchor="ctr"/>
-          <a:lstStyle/>
-          <a:p>
-            <a:pPr algn="ctr"/>
-            <a:endParaRPr kumimoji="1" lang="ja-JP" altLang="en-US"/>
-          </a:p>
-        </p:txBody>
-      </p:sp>
-      <p:sp>
-        <p:nvSpPr>
-          <p:cNvPr id="30" name="テキスト ボックス 29">
-            <a:extLst>
-              <a:ext uri="{FF2B5EF4-FFF2-40B4-BE49-F238E27FC236}">
-                <a16:creationId xmlns:a16="http://schemas.microsoft.com/office/drawing/2014/main" id="{F47F11CB-88CF-844D-860D-9C404D6F45FD}"/>
-              </a:ext>
-            </a:extLst>
-          </p:cNvPr>
-          <p:cNvSpPr txBox="1"/>
-          <p:nvPr/>
-        </p:nvSpPr>
-        <p:spPr>
-          <a:xfrm>
-            <a:off x="6627015" y="1653079"/>
-            <a:ext cx="4714495" cy="1200329"/>
-          </a:xfrm>
-          <a:prstGeom prst="rect">
-            <a:avLst/>
-          </a:prstGeom>
-          <a:noFill/>
-        </p:spPr>
-        <p:txBody>
-          <a:bodyPr wrap="square" rtlCol="0">
-            <a:spAutoFit/>
-          </a:bodyPr>
-          <a:lstStyle/>
-          <a:p>
-            <a:r>
-              <a:rPr lang="en-US" altLang="ja-JP" sz="2400" dirty="0">
-                <a:solidFill>
-                  <a:schemeClr val="bg1"/>
-                </a:solidFill>
-                <a:latin typeface="Meiryo" panose="020B0604030504040204" pitchFamily="34" charset="-128"/>
-                <a:ea typeface="Meiryo" panose="020B0604030504040204" pitchFamily="34" charset="-128"/>
-              </a:rPr>
-              <a:t>The wonderful Ultimate Professional Business Power point Template</a:t>
-            </a:r>
-            <a:endParaRPr kumimoji="1" lang="ja-JP" altLang="en-US" sz="2400">
-              <a:solidFill>
-                <a:schemeClr val="bg1"/>
-              </a:solidFill>
-              <a:latin typeface="Meiryo" panose="020B0604030504040204" pitchFamily="34" charset="-128"/>
-              <a:ea typeface="Meiryo" panose="020B0604030504040204" pitchFamily="34" charset="-128"/>
-            </a:endParaRPr>
-          </a:p>
-        </p:txBody>
-      </p:sp>
-      <p:sp>
-        <p:nvSpPr>
-          <p:cNvPr id="31" name="正方形/長方形 30">
-            <a:extLst>
-              <a:ext uri="{FF2B5EF4-FFF2-40B4-BE49-F238E27FC236}">
-                <a16:creationId xmlns:a16="http://schemas.microsoft.com/office/drawing/2014/main" id="{0B9B1381-F28B-6B4B-B98F-4B05EA9B8221}"/>
-              </a:ext>
-            </a:extLst>
-          </p:cNvPr>
-          <p:cNvSpPr/>
-          <p:nvPr/>
-        </p:nvSpPr>
-        <p:spPr>
-          <a:xfrm>
-            <a:off x="0" y="4382346"/>
-            <a:ext cx="12192000" cy="1703096"/>
-          </a:xfrm>
-          <a:prstGeom prst="rect">
-            <a:avLst/>
-          </a:prstGeom>
-          <a:solidFill>
-            <a:schemeClr val="accent5"/>
-          </a:solidFill>
-          <a:ln w="69850">
-            <a:noFill/>
-          </a:ln>
-        </p:spPr>
-        <p:style>
-          <a:lnRef idx="2">
-            <a:schemeClr val="accent1">
-              <a:shade val="50000"/>
-            </a:schemeClr>
-          </a:lnRef>
-          <a:fillRef idx="1">
-            <a:schemeClr val="accent1"/>
-          </a:fillRef>
-          <a:effectRef idx="0">
-            <a:schemeClr val="accent1"/>
-          </a:effectRef>
-          <a:fontRef idx="minor">
-            <a:schemeClr val="lt1"/>
-          </a:fontRef>
-        </p:style>
-        <p:txBody>
-          <a:bodyPr rtlCol="0" anchor="ctr"/>
-          <a:lstStyle/>
-          <a:p>
-            <a:pPr algn="ctr"/>
-            <a:endParaRPr kumimoji="1" lang="ja-JP" altLang="en-US"/>
-          </a:p>
-        </p:txBody>
-      </p:sp>
-      <p:sp>
-        <p:nvSpPr>
-          <p:cNvPr id="2" name="三角形 1">
-            <a:extLst>
-              <a:ext uri="{FF2B5EF4-FFF2-40B4-BE49-F238E27FC236}">
-                <a16:creationId xmlns:a16="http://schemas.microsoft.com/office/drawing/2014/main" id="{E8E7D1DC-5015-CB49-B34D-E129B03AD5DE}"/>
-              </a:ext>
-            </a:extLst>
-          </p:cNvPr>
-          <p:cNvSpPr/>
-          <p:nvPr/>
-        </p:nvSpPr>
-        <p:spPr>
-          <a:xfrm rot="10800000">
-            <a:off x="5417574" y="3563963"/>
-            <a:ext cx="1356852" cy="368710"/>
-          </a:xfrm>
-          <a:prstGeom prst="triangle">
-            <a:avLst/>
-          </a:prstGeom>
-          <a:solidFill>
-            <a:schemeClr val="bg1">
-              <a:lumMod val="75000"/>
-            </a:schemeClr>
-          </a:solidFill>
-          <a:ln>
-            <a:noFill/>
-          </a:ln>
-        </p:spPr>
-        <p:style>
-          <a:lnRef idx="2">
-            <a:schemeClr val="accent1">
-              <a:shade val="50000"/>
-            </a:schemeClr>
-          </a:lnRef>
-          <a:fillRef idx="1">
-            <a:schemeClr val="accent1"/>
-          </a:fillRef>
-          <a:effectRef idx="0">
-            <a:schemeClr val="accent1"/>
-          </a:effectRef>
-          <a:fontRef idx="minor">
-            <a:schemeClr val="lt1"/>
-          </a:fontRef>
-        </p:style>
-        <p:txBody>
-          <a:bodyPr rot="0" spcFirstLastPara="0" vertOverflow="overflow" horzOverflow="overflow" vert="horz" wrap="square" lIns="91440" tIns="45720" rIns="91440" bIns="45720" numCol="1" spcCol="0" rtlCol="0" fromWordArt="0" anchor="ctr" anchorCtr="0" forceAA="0" compatLnSpc="1">
-            <a:prstTxWarp prst="textNoShape">
-              <a:avLst/>
-            </a:prstTxWarp>
-            <a:noAutofit/>
-          </a:bodyPr>
-          <a:lstStyle/>
-          <a:p>
-            <a:pPr algn="ctr"/>
-            <a:endParaRPr kumimoji="1" lang="ja-JP" altLang="en-US"/>
-          </a:p>
-        </p:txBody>
-      </p:sp>
-      <p:sp>
-        <p:nvSpPr>
-          <p:cNvPr id="32" name="テキスト ボックス 31">
-            <a:extLst>
-              <a:ext uri="{FF2B5EF4-FFF2-40B4-BE49-F238E27FC236}">
-                <a16:creationId xmlns:a16="http://schemas.microsoft.com/office/drawing/2014/main" id="{09AA15B8-4866-3A4F-AB3A-2D56492B0365}"/>
-              </a:ext>
-            </a:extLst>
-          </p:cNvPr>
-          <p:cNvSpPr txBox="1"/>
-          <p:nvPr/>
-        </p:nvSpPr>
-        <p:spPr>
-          <a:xfrm>
-            <a:off x="502135" y="4858878"/>
-            <a:ext cx="11187730" cy="830997"/>
-          </a:xfrm>
-          <a:prstGeom prst="rect">
-            <a:avLst/>
-          </a:prstGeom>
-          <a:noFill/>
-        </p:spPr>
-        <p:txBody>
-          <a:bodyPr wrap="square" rtlCol="0">
-            <a:spAutoFit/>
-          </a:bodyPr>
-          <a:lstStyle/>
-          <a:p>
-            <a:pPr algn="ctr"/>
-            <a:r>
-              <a:rPr lang="en-US" altLang="ja-JP" sz="4800" dirty="0">
-                <a:solidFill>
-                  <a:schemeClr val="accent4"/>
-                </a:solidFill>
-                <a:latin typeface="Meiryo" panose="020B0604030504040204" pitchFamily="34" charset="-128"/>
-                <a:ea typeface="Meiryo" panose="020B0604030504040204" pitchFamily="34" charset="-128"/>
-              </a:rPr>
-              <a:t>Presentation Design</a:t>
-            </a:r>
-            <a:endParaRPr kumimoji="1" lang="ja-JP" altLang="en-US" sz="4800">
-              <a:solidFill>
-                <a:schemeClr val="accent4"/>
-              </a:solidFill>
-              <a:latin typeface="Meiryo" panose="020B0604030504040204" pitchFamily="34" charset="-128"/>
-              <a:ea typeface="Meiryo" panose="020B0604030504040204" pitchFamily="34" charset="-128"/>
-            </a:endParaRPr>
-          </a:p>
-        </p:txBody>
-      </p:sp>
-      <p:sp>
-        <p:nvSpPr>
-          <p:cNvPr id="12" name="正方形/長方形 11">
-            <a:extLst>
-              <a:ext uri="{FF2B5EF4-FFF2-40B4-BE49-F238E27FC236}">
-                <a16:creationId xmlns:a16="http://schemas.microsoft.com/office/drawing/2014/main" id="{06440AF8-C87C-AA42-BB5C-804D8E62B88C}"/>
-              </a:ext>
-            </a:extLst>
-          </p:cNvPr>
-          <p:cNvSpPr/>
-          <p:nvPr/>
-        </p:nvSpPr>
-        <p:spPr>
-          <a:xfrm>
-            <a:off x="12028601" y="8090"/>
-            <a:ext cx="163399" cy="1440968"/>
-          </a:xfrm>
-          <a:prstGeom prst="rect">
-            <a:avLst/>
-          </a:prstGeom>
-          <a:solidFill>
-            <a:schemeClr val="accent5"/>
-          </a:solidFill>
-          <a:ln w="69850">
-            <a:noFill/>
-          </a:ln>
-        </p:spPr>
-        <p:style>
-          <a:lnRef idx="2">
-            <a:schemeClr val="accent1">
-              <a:shade val="50000"/>
-            </a:schemeClr>
-          </a:lnRef>
-          <a:fillRef idx="1">
-            <a:schemeClr val="accent1"/>
-          </a:fillRef>
-          <a:effectRef idx="0">
-            <a:schemeClr val="accent1"/>
-          </a:effectRef>
-          <a:fontRef idx="minor">
-            <a:schemeClr val="lt1"/>
-          </a:fontRef>
-        </p:style>
-        <p:txBody>
-          <a:bodyPr rtlCol="0" anchor="ctr"/>
-          <a:lstStyle/>
-          <a:p>
-            <a:pPr algn="ctr"/>
-            <a:endParaRPr kumimoji="1" lang="ja-JP" altLang="en-US"/>
-          </a:p>
-        </p:txBody>
-      </p:sp>
-      <p:sp>
-        <p:nvSpPr>
-          <p:cNvPr id="13" name="テキスト ボックス 12">
-            <a:extLst>
-              <a:ext uri="{FF2B5EF4-FFF2-40B4-BE49-F238E27FC236}">
-                <a16:creationId xmlns:a16="http://schemas.microsoft.com/office/drawing/2014/main" id="{0006BD0A-5BE8-A04B-A6BD-B9FE2C466827}"/>
-              </a:ext>
-            </a:extLst>
-          </p:cNvPr>
-          <p:cNvSpPr txBox="1"/>
-          <p:nvPr/>
-        </p:nvSpPr>
-        <p:spPr>
-          <a:xfrm>
-            <a:off x="9152283" y="153537"/>
-            <a:ext cx="2794355" cy="523220"/>
-          </a:xfrm>
-          <a:prstGeom prst="rect">
-            <a:avLst/>
-          </a:prstGeom>
-          <a:noFill/>
-        </p:spPr>
-        <p:txBody>
-          <a:bodyPr wrap="none" rtlCol="0">
-            <a:spAutoFit/>
-          </a:bodyPr>
-          <a:lstStyle/>
-          <a:p>
-            <a:pPr algn="r"/>
-            <a:r>
-              <a:rPr lang="en-US" altLang="ja-JP" sz="2800" b="1" dirty="0">
-                <a:solidFill>
-                  <a:schemeClr val="accent5"/>
-                </a:solidFill>
-                <a:latin typeface="Meiryo" panose="020B0604030504040204" pitchFamily="34" charset="-128"/>
-                <a:ea typeface="Meiryo" panose="020B0604030504040204" pitchFamily="34" charset="-128"/>
-              </a:rPr>
-              <a:t>Cool </a:t>
-            </a:r>
-            <a:r>
-              <a:rPr lang="en-US" altLang="ja-JP" sz="2800" dirty="0">
-                <a:latin typeface="Meiryo" panose="020B0604030504040204" pitchFamily="34" charset="-128"/>
-                <a:ea typeface="Meiryo" panose="020B0604030504040204" pitchFamily="34" charset="-128"/>
-              </a:rPr>
-              <a:t> </a:t>
-            </a:r>
-            <a:r>
-              <a:rPr lang="en-US" altLang="ja-JP" sz="2800" dirty="0">
-                <a:solidFill>
-                  <a:schemeClr val="bg1">
-                    <a:lumMod val="65000"/>
-                  </a:schemeClr>
-                </a:solidFill>
-                <a:latin typeface="Meiryo" panose="020B0604030504040204" pitchFamily="34" charset="-128"/>
-                <a:ea typeface="Meiryo" panose="020B0604030504040204" pitchFamily="34" charset="-128"/>
-              </a:rPr>
-              <a:t>template</a:t>
-            </a:r>
-            <a:endParaRPr kumimoji="1" lang="ja-JP" altLang="en-US" sz="2800">
-              <a:solidFill>
-                <a:schemeClr val="bg1">
-                  <a:lumMod val="65000"/>
-                </a:schemeClr>
-              </a:solidFill>
-              <a:latin typeface="Meiryo" panose="020B0604030504040204" pitchFamily="34" charset="-128"/>
-              <a:ea typeface="Meiryo" panose="020B0604030504040204" pitchFamily="34" charset="-128"/>
-            </a:endParaRPr>
-          </a:p>
-        </p:txBody>
-      </p:sp>
-    </p:spTree>
-    <p:extLst>
-      <p:ext uri="{BB962C8B-B14F-4D97-AF65-F5344CB8AC3E}">
-        <p14:creationId xmlns:p14="http://schemas.microsoft.com/office/powerpoint/2010/main" val="3452475951"/>
-      </p:ext>
-    </p:extLst>
-  </p:cSld>
-  <p:clrMapOvr>
-    <a:masterClrMapping/>
-  </p:clrMapOvr>
-  <mc:AlternateContent xmlns:mc="http://schemas.openxmlformats.org/markup-compatibility/2006" xmlns:p159="http://schemas.microsoft.com/office/powerpoint/2015/09/main">
-    <mc:Choice Requires="p159">
-      <p:transition xmlns:p14="http://schemas.microsoft.com/office/powerpoint/2010/main" spd="slow" p14:dur="2000">
-        <p159:morph option="byObject"/>
-      </p:transition>
-    </mc:Choice>
-    <mc:Fallback xmlns="">
-      <p:transition spd="slow">
-        <p:fade/>
-      </p:transition>
-    </mc:Fallback>
-  </mc:AlternateContent>
-</p:sld>
-</file>
-
-<file path=ppt/slides/slide13.xml><?xml version="1.0" encoding="utf-8"?>
-<p:sld xmlns:a="http://schemas.openxmlformats.org/drawingml/2006/main" xmlns:r="http://schemas.openxmlformats.org/officeDocument/2006/relationships" xmlns:p="http://schemas.openxmlformats.org/presentationml/2006/main">
-  <p:cSld>
-    <p:spTree>
-      <p:nvGrpSpPr>
-        <p:cNvPr id="1" name=""/>
-        <p:cNvGrpSpPr/>
-        <p:nvPr/>
-      </p:nvGrpSpPr>
-      <p:grpSpPr>
-        <a:xfrm>
-          <a:off x="0" y="0"/>
-          <a:ext cx="0" cy="0"/>
-          <a:chOff x="0" y="0"/>
-          <a:chExt cx="0" cy="0"/>
-        </a:xfrm>
-      </p:grpSpPr>
-      <p:sp>
-        <p:nvSpPr>
-          <p:cNvPr id="4" name="正方形/長方形 3">
-            <a:extLst>
-              <a:ext uri="{FF2B5EF4-FFF2-40B4-BE49-F238E27FC236}">
-                <a16:creationId xmlns:a16="http://schemas.microsoft.com/office/drawing/2014/main" id="{BA86F706-38BB-2A41-8D6D-B9314415C4EA}"/>
-              </a:ext>
-            </a:extLst>
-          </p:cNvPr>
-          <p:cNvSpPr/>
-          <p:nvPr/>
-        </p:nvSpPr>
-        <p:spPr>
-          <a:xfrm>
-            <a:off x="0" y="556709"/>
-            <a:ext cx="5367724" cy="1333875"/>
-          </a:xfrm>
-          <a:prstGeom prst="rect">
-            <a:avLst/>
-          </a:prstGeom>
-          <a:solidFill>
-            <a:schemeClr val="accent4"/>
-          </a:solidFill>
-          <a:ln w="69850">
-            <a:noFill/>
-          </a:ln>
-        </p:spPr>
-        <p:style>
-          <a:lnRef idx="2">
-            <a:schemeClr val="accent1">
-              <a:shade val="50000"/>
-            </a:schemeClr>
-          </a:lnRef>
-          <a:fillRef idx="1">
-            <a:schemeClr val="accent1"/>
-          </a:fillRef>
-          <a:effectRef idx="0">
-            <a:schemeClr val="accent1"/>
-          </a:effectRef>
-          <a:fontRef idx="minor">
-            <a:schemeClr val="lt1"/>
-          </a:fontRef>
-        </p:style>
-        <p:txBody>
-          <a:bodyPr rtlCol="0" anchor="ctr"/>
-          <a:lstStyle/>
-          <a:p>
-            <a:pPr algn="ctr"/>
-            <a:endParaRPr kumimoji="1" lang="ja-JP" altLang="en-US"/>
-          </a:p>
-        </p:txBody>
-      </p:sp>
-      <p:sp>
-        <p:nvSpPr>
-          <p:cNvPr id="11" name="テキスト ボックス 10">
-            <a:extLst>
-              <a:ext uri="{FF2B5EF4-FFF2-40B4-BE49-F238E27FC236}">
-                <a16:creationId xmlns:a16="http://schemas.microsoft.com/office/drawing/2014/main" id="{27FB75E4-6622-604A-A059-D94153F6D547}"/>
-              </a:ext>
-            </a:extLst>
-          </p:cNvPr>
-          <p:cNvSpPr txBox="1"/>
-          <p:nvPr/>
-        </p:nvSpPr>
-        <p:spPr>
-          <a:xfrm>
-            <a:off x="279133" y="688481"/>
-            <a:ext cx="4714495" cy="1200329"/>
-          </a:xfrm>
-          <a:prstGeom prst="rect">
-            <a:avLst/>
-          </a:prstGeom>
-          <a:noFill/>
-        </p:spPr>
-        <p:txBody>
-          <a:bodyPr wrap="square" rtlCol="0">
-            <a:spAutoFit/>
-          </a:bodyPr>
-          <a:lstStyle/>
-          <a:p>
-            <a:r>
-              <a:rPr lang="en-US" altLang="ja-JP" sz="2400" dirty="0">
-                <a:solidFill>
-                  <a:schemeClr val="bg1"/>
-                </a:solidFill>
-                <a:latin typeface="Meiryo" panose="020B0604030504040204" pitchFamily="34" charset="-128"/>
-                <a:ea typeface="Meiryo" panose="020B0604030504040204" pitchFamily="34" charset="-128"/>
-              </a:rPr>
-              <a:t>The wonderful Ultimate Professional Business Power point Template</a:t>
-            </a:r>
-            <a:endParaRPr kumimoji="1" lang="ja-JP" altLang="en-US" sz="2400">
-              <a:solidFill>
-                <a:schemeClr val="bg1"/>
-              </a:solidFill>
-              <a:latin typeface="Meiryo" panose="020B0604030504040204" pitchFamily="34" charset="-128"/>
-              <a:ea typeface="Meiryo" panose="020B0604030504040204" pitchFamily="34" charset="-128"/>
-            </a:endParaRPr>
-          </a:p>
-        </p:txBody>
-      </p:sp>
-      <p:sp>
-        <p:nvSpPr>
-          <p:cNvPr id="3" name="円/楕円 2">
-            <a:extLst>
-              <a:ext uri="{FF2B5EF4-FFF2-40B4-BE49-F238E27FC236}">
-                <a16:creationId xmlns:a16="http://schemas.microsoft.com/office/drawing/2014/main" id="{F8286279-D43F-E147-B841-EF0B0CFE034A}"/>
-              </a:ext>
-            </a:extLst>
-          </p:cNvPr>
-          <p:cNvSpPr/>
-          <p:nvPr/>
-        </p:nvSpPr>
-        <p:spPr>
-          <a:xfrm>
-            <a:off x="4895550" y="283009"/>
-            <a:ext cx="1912995" cy="1912995"/>
-          </a:xfrm>
-          <a:prstGeom prst="ellipse">
-            <a:avLst/>
-          </a:prstGeom>
-          <a:solidFill>
-            <a:schemeClr val="accent6"/>
-          </a:solidFill>
-          <a:ln w="76200">
-            <a:noFill/>
-          </a:ln>
-          <a:effectLst/>
-        </p:spPr>
-        <p:style>
-          <a:lnRef idx="2">
-            <a:schemeClr val="accent1">
-              <a:shade val="50000"/>
-            </a:schemeClr>
-          </a:lnRef>
-          <a:fillRef idx="1">
-            <a:schemeClr val="accent1"/>
-          </a:fillRef>
-          <a:effectRef idx="0">
-            <a:schemeClr val="accent1"/>
-          </a:effectRef>
-          <a:fontRef idx="minor">
-            <a:schemeClr val="lt1"/>
-          </a:fontRef>
-        </p:style>
-        <p:txBody>
-          <a:bodyPr rot="0" spcFirstLastPara="0" vertOverflow="overflow" horzOverflow="overflow" vert="horz" wrap="square" lIns="91440" tIns="45720" rIns="91440" bIns="45720" numCol="1" spcCol="0" rtlCol="0" fromWordArt="0" anchor="ctr" anchorCtr="0" forceAA="0" compatLnSpc="1">
-            <a:prstTxWarp prst="textNoShape">
-              <a:avLst/>
-            </a:prstTxWarp>
-            <a:noAutofit/>
-          </a:bodyPr>
-          <a:lstStyle/>
-          <a:p>
-            <a:pPr algn="ctr"/>
-            <a:endParaRPr kumimoji="1" lang="ja-JP" altLang="en-US"/>
-          </a:p>
-        </p:txBody>
-      </p:sp>
-      <p:pic>
-        <p:nvPicPr>
-          <p:cNvPr id="9" name="グラフィックス 8" descr="インターネット">
-            <a:extLst>
-              <a:ext uri="{FF2B5EF4-FFF2-40B4-BE49-F238E27FC236}">
-                <a16:creationId xmlns:a16="http://schemas.microsoft.com/office/drawing/2014/main" id="{16599059-B97F-4043-8DED-BE24353233AC}"/>
-              </a:ext>
-            </a:extLst>
-          </p:cNvPr>
-          <p:cNvPicPr>
-            <a:picLocks noChangeAspect="1"/>
-          </p:cNvPicPr>
-          <p:nvPr/>
-        </p:nvPicPr>
-        <p:blipFill>
-          <a:blip r:embed="rId2">
-            <a:extLst>
-              <a:ext uri="{96DAC541-7B7A-43D3-8B79-37D633B846F1}">
-                <asvg:svgBlip xmlns:asvg="http://schemas.microsoft.com/office/drawing/2016/SVG/main" r:embed="rId3"/>
-              </a:ext>
-            </a:extLst>
-          </a:blip>
-          <a:stretch>
-            <a:fillRect/>
-          </a:stretch>
-        </p:blipFill>
-        <p:spPr>
-          <a:xfrm>
-            <a:off x="5147270" y="525274"/>
-            <a:ext cx="1409554" cy="1409554"/>
-          </a:xfrm>
-          <a:prstGeom prst="rect">
-            <a:avLst/>
-          </a:prstGeom>
-        </p:spPr>
-      </p:pic>
-      <p:sp>
-        <p:nvSpPr>
-          <p:cNvPr id="25" name="正方形/長方形 24">
-            <a:extLst>
-              <a:ext uri="{FF2B5EF4-FFF2-40B4-BE49-F238E27FC236}">
-                <a16:creationId xmlns:a16="http://schemas.microsoft.com/office/drawing/2014/main" id="{30011E89-636F-C749-8458-9DA35ECAE7E1}"/>
-              </a:ext>
-            </a:extLst>
-          </p:cNvPr>
-          <p:cNvSpPr/>
-          <p:nvPr/>
-        </p:nvSpPr>
-        <p:spPr>
-          <a:xfrm>
-            <a:off x="0" y="2770553"/>
-            <a:ext cx="5367724" cy="1333875"/>
-          </a:xfrm>
-          <a:prstGeom prst="rect">
-            <a:avLst/>
-          </a:prstGeom>
-          <a:solidFill>
-            <a:schemeClr val="accent4"/>
-          </a:solidFill>
-          <a:ln w="69850">
-            <a:noFill/>
-          </a:ln>
-        </p:spPr>
-        <p:style>
-          <a:lnRef idx="2">
-            <a:schemeClr val="accent1">
-              <a:shade val="50000"/>
-            </a:schemeClr>
-          </a:lnRef>
-          <a:fillRef idx="1">
-            <a:schemeClr val="accent1"/>
-          </a:fillRef>
-          <a:effectRef idx="0">
-            <a:schemeClr val="accent1"/>
-          </a:effectRef>
-          <a:fontRef idx="minor">
-            <a:schemeClr val="lt1"/>
-          </a:fontRef>
-        </p:style>
-        <p:txBody>
-          <a:bodyPr rtlCol="0" anchor="ctr"/>
-          <a:lstStyle/>
-          <a:p>
-            <a:pPr algn="ctr"/>
-            <a:endParaRPr kumimoji="1" lang="ja-JP" altLang="en-US"/>
-          </a:p>
-        </p:txBody>
-      </p:sp>
-      <p:sp>
-        <p:nvSpPr>
-          <p:cNvPr id="26" name="テキスト ボックス 25">
-            <a:extLst>
-              <a:ext uri="{FF2B5EF4-FFF2-40B4-BE49-F238E27FC236}">
-                <a16:creationId xmlns:a16="http://schemas.microsoft.com/office/drawing/2014/main" id="{FA357D95-EF3F-1645-8ED9-4C7DFAB74E80}"/>
-              </a:ext>
-            </a:extLst>
-          </p:cNvPr>
-          <p:cNvSpPr txBox="1"/>
-          <p:nvPr/>
-        </p:nvSpPr>
-        <p:spPr>
-          <a:xfrm>
-            <a:off x="279133" y="2902325"/>
-            <a:ext cx="4714495" cy="1200329"/>
-          </a:xfrm>
-          <a:prstGeom prst="rect">
-            <a:avLst/>
-          </a:prstGeom>
-          <a:noFill/>
-        </p:spPr>
-        <p:txBody>
-          <a:bodyPr wrap="square" rtlCol="0">
-            <a:spAutoFit/>
-          </a:bodyPr>
-          <a:lstStyle/>
-          <a:p>
-            <a:r>
-              <a:rPr lang="en-US" altLang="ja-JP" sz="2400" dirty="0">
-                <a:solidFill>
-                  <a:schemeClr val="bg1"/>
-                </a:solidFill>
-                <a:latin typeface="Meiryo" panose="020B0604030504040204" pitchFamily="34" charset="-128"/>
-                <a:ea typeface="Meiryo" panose="020B0604030504040204" pitchFamily="34" charset="-128"/>
-              </a:rPr>
-              <a:t>The wonderful Ultimate Professional Business Power point Template</a:t>
-            </a:r>
-            <a:endParaRPr kumimoji="1" lang="ja-JP" altLang="en-US" sz="2400">
-              <a:solidFill>
-                <a:schemeClr val="bg1"/>
-              </a:solidFill>
-              <a:latin typeface="Meiryo" panose="020B0604030504040204" pitchFamily="34" charset="-128"/>
-              <a:ea typeface="Meiryo" panose="020B0604030504040204" pitchFamily="34" charset="-128"/>
-            </a:endParaRPr>
-          </a:p>
-        </p:txBody>
-      </p:sp>
-      <p:sp>
-        <p:nvSpPr>
-          <p:cNvPr id="27" name="円/楕円 26">
-            <a:extLst>
-              <a:ext uri="{FF2B5EF4-FFF2-40B4-BE49-F238E27FC236}">
-                <a16:creationId xmlns:a16="http://schemas.microsoft.com/office/drawing/2014/main" id="{B34A816C-D660-4146-B00B-38C2E0D7CE4D}"/>
-              </a:ext>
-            </a:extLst>
-          </p:cNvPr>
-          <p:cNvSpPr/>
-          <p:nvPr/>
-        </p:nvSpPr>
-        <p:spPr>
-          <a:xfrm>
-            <a:off x="4895550" y="2496853"/>
-            <a:ext cx="1912995" cy="1912995"/>
-          </a:xfrm>
-          <a:prstGeom prst="ellipse">
-            <a:avLst/>
-          </a:prstGeom>
-          <a:solidFill>
-            <a:schemeClr val="accent6"/>
-          </a:solidFill>
-          <a:ln w="76200">
-            <a:noFill/>
-          </a:ln>
-          <a:effectLst/>
-        </p:spPr>
-        <p:style>
-          <a:lnRef idx="2">
-            <a:schemeClr val="accent1">
-              <a:shade val="50000"/>
-            </a:schemeClr>
-          </a:lnRef>
-          <a:fillRef idx="1">
-            <a:schemeClr val="accent1"/>
-          </a:fillRef>
-          <a:effectRef idx="0">
-            <a:schemeClr val="accent1"/>
-          </a:effectRef>
-          <a:fontRef idx="minor">
-            <a:schemeClr val="lt1"/>
-          </a:fontRef>
-        </p:style>
-        <p:txBody>
-          <a:bodyPr rot="0" spcFirstLastPara="0" vertOverflow="overflow" horzOverflow="overflow" vert="horz" wrap="square" lIns="91440" tIns="45720" rIns="91440" bIns="45720" numCol="1" spcCol="0" rtlCol="0" fromWordArt="0" anchor="ctr" anchorCtr="0" forceAA="0" compatLnSpc="1">
-            <a:prstTxWarp prst="textNoShape">
-              <a:avLst/>
-            </a:prstTxWarp>
-            <a:noAutofit/>
-          </a:bodyPr>
-          <a:lstStyle/>
-          <a:p>
-            <a:pPr algn="ctr"/>
-            <a:endParaRPr kumimoji="1" lang="ja-JP" altLang="en-US"/>
-          </a:p>
-        </p:txBody>
-      </p:sp>
-      <p:sp>
-        <p:nvSpPr>
-          <p:cNvPr id="33" name="正方形/長方形 32">
-            <a:extLst>
-              <a:ext uri="{FF2B5EF4-FFF2-40B4-BE49-F238E27FC236}">
-                <a16:creationId xmlns:a16="http://schemas.microsoft.com/office/drawing/2014/main" id="{A7B44D53-D6B2-8F4A-81B3-0FB1213CE7D5}"/>
-              </a:ext>
-            </a:extLst>
-          </p:cNvPr>
-          <p:cNvSpPr/>
-          <p:nvPr/>
-        </p:nvSpPr>
-        <p:spPr>
-          <a:xfrm>
-            <a:off x="0" y="4988968"/>
-            <a:ext cx="5367724" cy="1333875"/>
-          </a:xfrm>
-          <a:prstGeom prst="rect">
-            <a:avLst/>
-          </a:prstGeom>
-          <a:solidFill>
-            <a:schemeClr val="accent4"/>
-          </a:solidFill>
-          <a:ln w="69850">
-            <a:noFill/>
-          </a:ln>
-        </p:spPr>
-        <p:style>
-          <a:lnRef idx="2">
-            <a:schemeClr val="accent1">
-              <a:shade val="50000"/>
-            </a:schemeClr>
-          </a:lnRef>
-          <a:fillRef idx="1">
-            <a:schemeClr val="accent1"/>
-          </a:fillRef>
-          <a:effectRef idx="0">
-            <a:schemeClr val="accent1"/>
-          </a:effectRef>
-          <a:fontRef idx="minor">
-            <a:schemeClr val="lt1"/>
-          </a:fontRef>
-        </p:style>
-        <p:txBody>
-          <a:bodyPr rtlCol="0" anchor="ctr"/>
-          <a:lstStyle/>
-          <a:p>
-            <a:pPr algn="ctr"/>
-            <a:endParaRPr kumimoji="1" lang="ja-JP" altLang="en-US"/>
-          </a:p>
-        </p:txBody>
-      </p:sp>
-      <p:sp>
-        <p:nvSpPr>
-          <p:cNvPr id="34" name="テキスト ボックス 33">
-            <a:extLst>
-              <a:ext uri="{FF2B5EF4-FFF2-40B4-BE49-F238E27FC236}">
-                <a16:creationId xmlns:a16="http://schemas.microsoft.com/office/drawing/2014/main" id="{AE06A701-A66E-6F42-81DD-0EDB7BE41C53}"/>
-              </a:ext>
-            </a:extLst>
-          </p:cNvPr>
-          <p:cNvSpPr txBox="1"/>
-          <p:nvPr/>
-        </p:nvSpPr>
-        <p:spPr>
-          <a:xfrm>
-            <a:off x="279133" y="5120740"/>
-            <a:ext cx="4714495" cy="1200329"/>
-          </a:xfrm>
-          <a:prstGeom prst="rect">
-            <a:avLst/>
-          </a:prstGeom>
-          <a:noFill/>
-        </p:spPr>
-        <p:txBody>
-          <a:bodyPr wrap="square" rtlCol="0">
-            <a:spAutoFit/>
-          </a:bodyPr>
-          <a:lstStyle/>
-          <a:p>
-            <a:r>
-              <a:rPr lang="en-US" altLang="ja-JP" sz="2400" dirty="0">
-                <a:solidFill>
-                  <a:schemeClr val="bg1"/>
-                </a:solidFill>
-                <a:latin typeface="Meiryo" panose="020B0604030504040204" pitchFamily="34" charset="-128"/>
-                <a:ea typeface="Meiryo" panose="020B0604030504040204" pitchFamily="34" charset="-128"/>
-              </a:rPr>
-              <a:t>The wonderful Ultimate Professional Business Power point Template</a:t>
-            </a:r>
-            <a:endParaRPr kumimoji="1" lang="ja-JP" altLang="en-US" sz="2400">
-              <a:solidFill>
-                <a:schemeClr val="bg1"/>
-              </a:solidFill>
-              <a:latin typeface="Meiryo" panose="020B0604030504040204" pitchFamily="34" charset="-128"/>
-              <a:ea typeface="Meiryo" panose="020B0604030504040204" pitchFamily="34" charset="-128"/>
-            </a:endParaRPr>
-          </a:p>
-        </p:txBody>
-      </p:sp>
-      <p:sp>
-        <p:nvSpPr>
-          <p:cNvPr id="35" name="円/楕円 34">
-            <a:extLst>
-              <a:ext uri="{FF2B5EF4-FFF2-40B4-BE49-F238E27FC236}">
-                <a16:creationId xmlns:a16="http://schemas.microsoft.com/office/drawing/2014/main" id="{44504C18-454E-334F-B01D-276512798D27}"/>
-              </a:ext>
-            </a:extLst>
-          </p:cNvPr>
-          <p:cNvSpPr/>
-          <p:nvPr/>
-        </p:nvSpPr>
-        <p:spPr>
-          <a:xfrm>
-            <a:off x="4895550" y="4715268"/>
-            <a:ext cx="1912995" cy="1912995"/>
-          </a:xfrm>
-          <a:prstGeom prst="ellipse">
-            <a:avLst/>
-          </a:prstGeom>
-          <a:solidFill>
-            <a:schemeClr val="accent6"/>
-          </a:solidFill>
-          <a:ln w="76200">
-            <a:noFill/>
-          </a:ln>
-          <a:effectLst/>
-        </p:spPr>
-        <p:style>
-          <a:lnRef idx="2">
-            <a:schemeClr val="accent1">
-              <a:shade val="50000"/>
-            </a:schemeClr>
-          </a:lnRef>
-          <a:fillRef idx="1">
-            <a:schemeClr val="accent1"/>
-          </a:fillRef>
-          <a:effectRef idx="0">
-            <a:schemeClr val="accent1"/>
-          </a:effectRef>
-          <a:fontRef idx="minor">
-            <a:schemeClr val="lt1"/>
-          </a:fontRef>
-        </p:style>
-        <p:txBody>
-          <a:bodyPr rot="0" spcFirstLastPara="0" vertOverflow="overflow" horzOverflow="overflow" vert="horz" wrap="square" lIns="91440" tIns="45720" rIns="91440" bIns="45720" numCol="1" spcCol="0" rtlCol="0" fromWordArt="0" anchor="ctr" anchorCtr="0" forceAA="0" compatLnSpc="1">
-            <a:prstTxWarp prst="textNoShape">
-              <a:avLst/>
-            </a:prstTxWarp>
-            <a:noAutofit/>
-          </a:bodyPr>
-          <a:lstStyle/>
-          <a:p>
-            <a:pPr algn="ctr"/>
-            <a:endParaRPr kumimoji="1" lang="ja-JP" altLang="en-US"/>
-          </a:p>
-        </p:txBody>
-      </p:sp>
-      <p:pic>
-        <p:nvPicPr>
-          <p:cNvPr id="6" name="グラフィックス 5" descr="封筒">
-            <a:extLst>
-              <a:ext uri="{FF2B5EF4-FFF2-40B4-BE49-F238E27FC236}">
-                <a16:creationId xmlns:a16="http://schemas.microsoft.com/office/drawing/2014/main" id="{C489533A-7E12-BD41-B9AC-0C4CD8A32642}"/>
-              </a:ext>
-            </a:extLst>
-          </p:cNvPr>
-          <p:cNvPicPr>
-            <a:picLocks noChangeAspect="1"/>
-          </p:cNvPicPr>
-          <p:nvPr/>
-        </p:nvPicPr>
-        <p:blipFill>
-          <a:blip r:embed="rId4">
-            <a:extLst>
-              <a:ext uri="{96DAC541-7B7A-43D3-8B79-37D633B846F1}">
-                <asvg:svgBlip xmlns:asvg="http://schemas.microsoft.com/office/drawing/2016/SVG/main" r:embed="rId5"/>
-              </a:ext>
-            </a:extLst>
-          </a:blip>
-          <a:stretch>
-            <a:fillRect/>
-          </a:stretch>
-        </p:blipFill>
-        <p:spPr>
-          <a:xfrm>
-            <a:off x="5251883" y="5071601"/>
-            <a:ext cx="1200328" cy="1200328"/>
-          </a:xfrm>
-          <a:prstGeom prst="rect">
-            <a:avLst/>
-          </a:prstGeom>
-        </p:spPr>
-      </p:pic>
-      <p:pic>
-        <p:nvPicPr>
-          <p:cNvPr id="12" name="グラフィックス 11" descr="上昇基調">
-            <a:extLst>
-              <a:ext uri="{FF2B5EF4-FFF2-40B4-BE49-F238E27FC236}">
-                <a16:creationId xmlns:a16="http://schemas.microsoft.com/office/drawing/2014/main" id="{E4C2C6B0-501E-6C4A-9458-B93AF4A3EF95}"/>
-              </a:ext>
-            </a:extLst>
-          </p:cNvPr>
-          <p:cNvPicPr>
-            <a:picLocks noChangeAspect="1"/>
-          </p:cNvPicPr>
-          <p:nvPr/>
-        </p:nvPicPr>
-        <p:blipFill>
-          <a:blip r:embed="rId6">
-            <a:extLst>
-              <a:ext uri="{96DAC541-7B7A-43D3-8B79-37D633B846F1}">
-                <asvg:svgBlip xmlns:asvg="http://schemas.microsoft.com/office/drawing/2016/SVG/main" r:embed="rId7"/>
-              </a:ext>
-            </a:extLst>
-          </a:blip>
-          <a:stretch>
-            <a:fillRect/>
-          </a:stretch>
-        </p:blipFill>
-        <p:spPr>
-          <a:xfrm>
-            <a:off x="5272761" y="2820497"/>
-            <a:ext cx="1233832" cy="1233832"/>
-          </a:xfrm>
-          <a:prstGeom prst="rect">
-            <a:avLst/>
-          </a:prstGeom>
-        </p:spPr>
-      </p:pic>
-      <p:sp>
-        <p:nvSpPr>
-          <p:cNvPr id="37" name="正方形/長方形 36">
-            <a:extLst>
-              <a:ext uri="{FF2B5EF4-FFF2-40B4-BE49-F238E27FC236}">
-                <a16:creationId xmlns:a16="http://schemas.microsoft.com/office/drawing/2014/main" id="{C70600C3-21D5-7648-9166-C5BD191A87A6}"/>
-              </a:ext>
-            </a:extLst>
-          </p:cNvPr>
-          <p:cNvSpPr/>
-          <p:nvPr/>
-        </p:nvSpPr>
-        <p:spPr>
-          <a:xfrm>
-            <a:off x="8082116" y="1729248"/>
-            <a:ext cx="4109884" cy="3437604"/>
-          </a:xfrm>
-          <a:prstGeom prst="rect">
-            <a:avLst/>
-          </a:prstGeom>
-          <a:solidFill>
-            <a:schemeClr val="accent5"/>
-          </a:solidFill>
-          <a:ln w="69850">
-            <a:noFill/>
-          </a:ln>
-        </p:spPr>
-        <p:style>
-          <a:lnRef idx="2">
-            <a:schemeClr val="accent1">
-              <a:shade val="50000"/>
-            </a:schemeClr>
-          </a:lnRef>
-          <a:fillRef idx="1">
-            <a:schemeClr val="accent1"/>
-          </a:fillRef>
-          <a:effectRef idx="0">
-            <a:schemeClr val="accent1"/>
-          </a:effectRef>
-          <a:fontRef idx="minor">
-            <a:schemeClr val="lt1"/>
-          </a:fontRef>
-        </p:style>
-        <p:txBody>
-          <a:bodyPr rtlCol="0" anchor="ctr"/>
-          <a:lstStyle/>
-          <a:p>
-            <a:pPr algn="ctr"/>
-            <a:endParaRPr kumimoji="1" lang="ja-JP" altLang="en-US"/>
-          </a:p>
-        </p:txBody>
-      </p:sp>
-      <p:sp>
-        <p:nvSpPr>
-          <p:cNvPr id="38" name="テキスト ボックス 37">
-            <a:extLst>
-              <a:ext uri="{FF2B5EF4-FFF2-40B4-BE49-F238E27FC236}">
-                <a16:creationId xmlns:a16="http://schemas.microsoft.com/office/drawing/2014/main" id="{4A536280-66EC-7444-84C7-88FE10DE3A55}"/>
-              </a:ext>
-            </a:extLst>
-          </p:cNvPr>
-          <p:cNvSpPr txBox="1"/>
-          <p:nvPr/>
-        </p:nvSpPr>
-        <p:spPr>
-          <a:xfrm>
-            <a:off x="8281280" y="2771581"/>
-            <a:ext cx="3711556" cy="1386327"/>
-          </a:xfrm>
-          <a:prstGeom prst="rect">
-            <a:avLst/>
-          </a:prstGeom>
-          <a:noFill/>
-          <a:ln w="15875">
-            <a:solidFill>
-              <a:schemeClr val="accent4"/>
-            </a:solidFill>
-          </a:ln>
-        </p:spPr>
-        <p:txBody>
-          <a:bodyPr wrap="square" tIns="108000" rtlCol="0">
-            <a:spAutoFit/>
-          </a:bodyPr>
-          <a:lstStyle/>
-          <a:p>
-            <a:pPr algn="ctr"/>
-            <a:r>
-              <a:rPr lang="en-US" altLang="ja-JP" sz="4000" dirty="0">
-                <a:solidFill>
-                  <a:schemeClr val="accent4"/>
-                </a:solidFill>
-                <a:latin typeface="Meiryo" panose="020B0604030504040204" pitchFamily="34" charset="-128"/>
-                <a:ea typeface="Meiryo" panose="020B0604030504040204" pitchFamily="34" charset="-128"/>
-              </a:rPr>
-              <a:t>Presentation Design</a:t>
-            </a:r>
-            <a:endParaRPr kumimoji="1" lang="ja-JP" altLang="en-US" sz="4000">
-              <a:solidFill>
-                <a:schemeClr val="accent4"/>
-              </a:solidFill>
-              <a:latin typeface="Meiryo" panose="020B0604030504040204" pitchFamily="34" charset="-128"/>
-              <a:ea typeface="Meiryo" panose="020B0604030504040204" pitchFamily="34" charset="-128"/>
-            </a:endParaRPr>
-          </a:p>
-        </p:txBody>
-      </p:sp>
-      <p:sp>
-        <p:nvSpPr>
-          <p:cNvPr id="17" name="テキスト ボックス 16">
-            <a:extLst>
-              <a:ext uri="{FF2B5EF4-FFF2-40B4-BE49-F238E27FC236}">
-                <a16:creationId xmlns:a16="http://schemas.microsoft.com/office/drawing/2014/main" id="{9833E45A-14E3-BB43-BA9A-EEE1807D1F59}"/>
-              </a:ext>
-            </a:extLst>
-          </p:cNvPr>
-          <p:cNvSpPr txBox="1"/>
-          <p:nvPr/>
-        </p:nvSpPr>
-        <p:spPr>
-          <a:xfrm>
-            <a:off x="9152283" y="153537"/>
-            <a:ext cx="2794355" cy="523220"/>
-          </a:xfrm>
-          <a:prstGeom prst="rect">
-            <a:avLst/>
-          </a:prstGeom>
-          <a:noFill/>
-        </p:spPr>
-        <p:txBody>
-          <a:bodyPr wrap="none" rtlCol="0">
-            <a:spAutoFit/>
-          </a:bodyPr>
-          <a:lstStyle/>
-          <a:p>
-            <a:pPr algn="r"/>
-            <a:r>
-              <a:rPr lang="en-US" altLang="ja-JP" sz="2800" b="1" dirty="0">
-                <a:solidFill>
-                  <a:schemeClr val="accent5"/>
-                </a:solidFill>
-                <a:latin typeface="Meiryo" panose="020B0604030504040204" pitchFamily="34" charset="-128"/>
-                <a:ea typeface="Meiryo" panose="020B0604030504040204" pitchFamily="34" charset="-128"/>
-              </a:rPr>
-              <a:t>Cool </a:t>
-            </a:r>
-            <a:r>
-              <a:rPr lang="en-US" altLang="ja-JP" sz="2800" dirty="0">
-                <a:latin typeface="Meiryo" panose="020B0604030504040204" pitchFamily="34" charset="-128"/>
-                <a:ea typeface="Meiryo" panose="020B0604030504040204" pitchFamily="34" charset="-128"/>
-              </a:rPr>
-              <a:t> </a:t>
-            </a:r>
-            <a:r>
-              <a:rPr lang="en-US" altLang="ja-JP" sz="2800" dirty="0">
-                <a:solidFill>
-                  <a:schemeClr val="bg1">
-                    <a:lumMod val="65000"/>
-                  </a:schemeClr>
-                </a:solidFill>
-                <a:latin typeface="Meiryo" panose="020B0604030504040204" pitchFamily="34" charset="-128"/>
-                <a:ea typeface="Meiryo" panose="020B0604030504040204" pitchFamily="34" charset="-128"/>
-              </a:rPr>
-              <a:t>template</a:t>
-            </a:r>
-            <a:endParaRPr kumimoji="1" lang="ja-JP" altLang="en-US" sz="2800">
-              <a:solidFill>
-                <a:schemeClr val="bg1">
-                  <a:lumMod val="65000"/>
-                </a:schemeClr>
-              </a:solidFill>
-              <a:latin typeface="Meiryo" panose="020B0604030504040204" pitchFamily="34" charset="-128"/>
-              <a:ea typeface="Meiryo" panose="020B0604030504040204" pitchFamily="34" charset="-128"/>
-            </a:endParaRPr>
-          </a:p>
-        </p:txBody>
-      </p:sp>
-      <p:sp>
-        <p:nvSpPr>
-          <p:cNvPr id="18" name="正方形/長方形 17">
-            <a:extLst>
-              <a:ext uri="{FF2B5EF4-FFF2-40B4-BE49-F238E27FC236}">
-                <a16:creationId xmlns:a16="http://schemas.microsoft.com/office/drawing/2014/main" id="{B244409D-3954-C849-9461-0F7F4D31F37A}"/>
-              </a:ext>
-            </a:extLst>
-          </p:cNvPr>
-          <p:cNvSpPr/>
-          <p:nvPr/>
-        </p:nvSpPr>
-        <p:spPr>
-          <a:xfrm>
-            <a:off x="12028601" y="8090"/>
-            <a:ext cx="163399" cy="1440968"/>
-          </a:xfrm>
-          <a:prstGeom prst="rect">
-            <a:avLst/>
-          </a:prstGeom>
-          <a:solidFill>
-            <a:schemeClr val="accent5"/>
-          </a:solidFill>
-          <a:ln w="69850">
-            <a:noFill/>
-          </a:ln>
-        </p:spPr>
-        <p:style>
-          <a:lnRef idx="2">
-            <a:schemeClr val="accent1">
-              <a:shade val="50000"/>
-            </a:schemeClr>
-          </a:lnRef>
-          <a:fillRef idx="1">
-            <a:schemeClr val="accent1"/>
-          </a:fillRef>
-          <a:effectRef idx="0">
-            <a:schemeClr val="accent1"/>
-          </a:effectRef>
-          <a:fontRef idx="minor">
-            <a:schemeClr val="lt1"/>
-          </a:fontRef>
-        </p:style>
-        <p:txBody>
-          <a:bodyPr rtlCol="0" anchor="ctr"/>
-          <a:lstStyle/>
-          <a:p>
-            <a:pPr algn="ctr"/>
-            <a:endParaRPr kumimoji="1" lang="ja-JP" altLang="en-US"/>
-          </a:p>
-        </p:txBody>
-      </p:sp>
-    </p:spTree>
-    <p:extLst>
-      <p:ext uri="{BB962C8B-B14F-4D97-AF65-F5344CB8AC3E}">
-        <p14:creationId xmlns:p14="http://schemas.microsoft.com/office/powerpoint/2010/main" val="1493765389"/>
-      </p:ext>
-    </p:extLst>
-  </p:cSld>
-  <p:clrMapOvr>
-    <a:masterClrMapping/>
-  </p:clrMapOvr>
-  <mc:AlternateContent xmlns:mc="http://schemas.openxmlformats.org/markup-compatibility/2006" xmlns:p159="http://schemas.microsoft.com/office/powerpoint/2015/09/main">
-    <mc:Choice Requires="p159">
-      <p:transition xmlns:p14="http://schemas.microsoft.com/office/powerpoint/2010/main" spd="slow" p14:dur="2000">
-        <p159:morph option="byObject"/>
-      </p:transition>
-    </mc:Choice>
-    <mc:Fallback xmlns="">
-      <p:transition spd="slow">
-        <p:fade/>
-      </p:transition>
-    </mc:Fallback>
-  </mc:AlternateContent>
-</p:sld>
-</file>
-
 <file path=ppt/slides/slide2.xml><?xml version="1.0" encoding="utf-8"?>
 <p:sld xmlns:a="http://schemas.openxmlformats.org/drawingml/2006/main" xmlns:r="http://schemas.openxmlformats.org/officeDocument/2006/relationships" xmlns:p="http://schemas.openxmlformats.org/presentationml/2006/main">
   <p:cSld>
@@ -9958,13 +6845,13 @@
   <p:clrMapOvr>
     <a:masterClrMapping/>
   </p:clrMapOvr>
-  <mc:AlternateContent xmlns:mc="http://schemas.openxmlformats.org/markup-compatibility/2006">
-    <mc:Choice xmlns:p159="http://schemas.microsoft.com/office/powerpoint/2015/09/main" Requires="p159">
+  <mc:AlternateContent xmlns:mc="http://schemas.openxmlformats.org/markup-compatibility/2006" xmlns:p159="http://schemas.microsoft.com/office/powerpoint/2015/09/main">
+    <mc:Choice Requires="p159">
       <p:transition xmlns:p14="http://schemas.microsoft.com/office/powerpoint/2010/main" spd="slow" p14:dur="2000">
         <p159:morph option="byObject"/>
       </p:transition>
     </mc:Choice>
-    <mc:Fallback>
+    <mc:Fallback xmlns="">
       <p:transition spd="slow">
         <p:fade/>
       </p:transition>

--- a/線形計画法を用いた  講習期間におけるコマの割り振り自動化システムの提案  及び業務効率化,社内DX推進事業計画について .pptx
+++ b/線形計画法を用いた  講習期間におけるコマの割り振り自動化システムの提案  及び業務効率化,社内DX推進事業計画について .pptx
@@ -5,10 +5,10 @@
     <p:sldMasterId id="2147483648" r:id="rId1"/>
   </p:sldMasterIdLst>
   <p:notesMasterIdLst>
-    <p:notesMasterId r:id="rId11"/>
+    <p:notesMasterId r:id="rId12"/>
   </p:notesMasterIdLst>
   <p:handoutMasterIdLst>
-    <p:handoutMasterId r:id="rId12"/>
+    <p:handoutMasterId r:id="rId13"/>
   </p:handoutMasterIdLst>
   <p:sldIdLst>
     <p:sldId id="260" r:id="rId2"/>
@@ -20,6 +20,7 @@
     <p:sldId id="271" r:id="rId8"/>
     <p:sldId id="272" r:id="rId9"/>
     <p:sldId id="268" r:id="rId10"/>
+    <p:sldId id="274" r:id="rId11"/>
   </p:sldIdLst>
   <p:sldSz cx="12192000" cy="6858000"/>
   <p:notesSz cx="6858000" cy="9144000"/>
@@ -4771,6 +4772,4247 @@
       </p:transition>
     </mc:Fallback>
   </mc:AlternateContent>
+</p:sld>
+</file>
+
+<file path=ppt/slides/slide10.xml><?xml version="1.0" encoding="utf-8"?>
+<p:sld xmlns:a="http://schemas.openxmlformats.org/drawingml/2006/main" xmlns:r="http://schemas.openxmlformats.org/officeDocument/2006/relationships" xmlns:p="http://schemas.openxmlformats.org/presentationml/2006/main">
+  <p:cSld>
+    <p:spTree>
+      <p:nvGrpSpPr>
+        <p:cNvPr id="1" name=""/>
+        <p:cNvGrpSpPr/>
+        <p:nvPr/>
+      </p:nvGrpSpPr>
+      <p:grpSpPr>
+        <a:xfrm>
+          <a:off x="0" y="0"/>
+          <a:ext cx="0" cy="0"/>
+          <a:chOff x="0" y="0"/>
+          <a:chExt cx="0" cy="0"/>
+        </a:xfrm>
+      </p:grpSpPr>
+      <p:sp>
+        <p:nvSpPr>
+          <p:cNvPr id="5" name="正方形/長方形 4">
+            <a:extLst>
+              <a:ext uri="{FF2B5EF4-FFF2-40B4-BE49-F238E27FC236}">
+                <a16:creationId xmlns:a16="http://schemas.microsoft.com/office/drawing/2014/main" id="{E283978E-4DFA-5EAF-36A1-531BBCCE6FEE}"/>
+              </a:ext>
+            </a:extLst>
+          </p:cNvPr>
+          <p:cNvSpPr/>
+          <p:nvPr/>
+        </p:nvSpPr>
+        <p:spPr>
+          <a:xfrm>
+            <a:off x="0" y="1211283"/>
+            <a:ext cx="1409252" cy="5646717"/>
+          </a:xfrm>
+          <a:prstGeom prst="rect">
+            <a:avLst/>
+          </a:prstGeom>
+          <a:solidFill>
+            <a:schemeClr val="accent4">
+              <a:lumMod val="20000"/>
+              <a:lumOff val="80000"/>
+            </a:schemeClr>
+          </a:solidFill>
+          <a:ln>
+            <a:noFill/>
+          </a:ln>
+          <a:effectLst>
+            <a:outerShdw blurRad="139700" dist="38100" dir="8100000" sx="102000" sy="102000" algn="tr" rotWithShape="0">
+              <a:prstClr val="black">
+                <a:alpha val="0"/>
+              </a:prstClr>
+            </a:outerShdw>
+          </a:effectLst>
+        </p:spPr>
+        <p:style>
+          <a:lnRef idx="2">
+            <a:schemeClr val="accent1">
+              <a:shade val="50000"/>
+            </a:schemeClr>
+          </a:lnRef>
+          <a:fillRef idx="1">
+            <a:schemeClr val="accent1"/>
+          </a:fillRef>
+          <a:effectRef idx="0">
+            <a:schemeClr val="accent1"/>
+          </a:effectRef>
+          <a:fontRef idx="minor">
+            <a:schemeClr val="lt1"/>
+          </a:fontRef>
+        </p:style>
+        <p:txBody>
+          <a:bodyPr rot="0" spcFirstLastPara="0" vertOverflow="overflow" horzOverflow="overflow" vert="horz" wrap="square" lIns="91440" tIns="45720" rIns="91440" bIns="45720" numCol="1" spcCol="0" rtlCol="0" fromWordArt="0" anchor="t" anchorCtr="0" forceAA="0" compatLnSpc="1">
+            <a:prstTxWarp prst="textNoShape">
+              <a:avLst/>
+            </a:prstTxWarp>
+            <a:noAutofit/>
+          </a:bodyPr>
+          <a:lstStyle/>
+          <a:p>
+            <a:endParaRPr kumimoji="1" lang="en-US" altLang="ja-JP" sz="1000" b="1" dirty="0">
+              <a:solidFill>
+                <a:schemeClr val="tx1"/>
+              </a:solidFill>
+            </a:endParaRPr>
+          </a:p>
+          <a:p>
+            <a:r>
+              <a:rPr kumimoji="1" lang="ja-JP" altLang="en-US" sz="1000" b="1">
+                <a:solidFill>
+                  <a:schemeClr val="tx1"/>
+                </a:solidFill>
+              </a:rPr>
+              <a:t>個人情報の編集</a:t>
+            </a:r>
+            <a:endParaRPr kumimoji="1" lang="en-US" altLang="ja-JP" sz="1000" b="1" dirty="0">
+              <a:solidFill>
+                <a:schemeClr val="tx1"/>
+              </a:solidFill>
+            </a:endParaRPr>
+          </a:p>
+          <a:p>
+            <a:endParaRPr lang="en-US" altLang="ja-JP" sz="1000" b="1" dirty="0">
+              <a:solidFill>
+                <a:schemeClr val="tx1"/>
+              </a:solidFill>
+            </a:endParaRPr>
+          </a:p>
+          <a:p>
+            <a:r>
+              <a:rPr kumimoji="1" lang="ja-JP" altLang="en-US" sz="1000" b="1">
+                <a:solidFill>
+                  <a:schemeClr val="tx1"/>
+                </a:solidFill>
+              </a:rPr>
+              <a:t>シフトの提出</a:t>
+            </a:r>
+            <a:endParaRPr kumimoji="1" lang="en-US" altLang="ja-JP" sz="1000" b="1" dirty="0">
+              <a:solidFill>
+                <a:schemeClr val="tx1"/>
+              </a:solidFill>
+            </a:endParaRPr>
+          </a:p>
+          <a:p>
+            <a:endParaRPr lang="en-US" altLang="ja-JP" sz="1000" b="1" dirty="0">
+              <a:solidFill>
+                <a:schemeClr val="tx1"/>
+              </a:solidFill>
+            </a:endParaRPr>
+          </a:p>
+          <a:p>
+            <a:r>
+              <a:rPr kumimoji="1" lang="ja-JP" altLang="en-US" sz="1000" b="1">
+                <a:solidFill>
+                  <a:schemeClr val="tx1"/>
+                </a:solidFill>
+              </a:rPr>
+              <a:t>シフトの確認</a:t>
+            </a:r>
+            <a:endParaRPr kumimoji="1" lang="en-US" altLang="ja-JP" sz="1000" b="1" dirty="0">
+              <a:solidFill>
+                <a:schemeClr val="tx1"/>
+              </a:solidFill>
+            </a:endParaRPr>
+          </a:p>
+          <a:p>
+            <a:endParaRPr lang="en-US" altLang="ja-JP" sz="1000" b="1" dirty="0">
+              <a:solidFill>
+                <a:schemeClr val="tx1"/>
+              </a:solidFill>
+            </a:endParaRPr>
+          </a:p>
+          <a:p>
+            <a:r>
+              <a:rPr kumimoji="1" lang="ja-JP" altLang="en-US" sz="1000" b="1">
+                <a:solidFill>
+                  <a:schemeClr val="tx1"/>
+                </a:solidFill>
+              </a:rPr>
+              <a:t>生徒管理</a:t>
+            </a:r>
+            <a:endParaRPr kumimoji="1" lang="en-US" altLang="ja-JP" sz="1000" b="1" dirty="0">
+              <a:solidFill>
+                <a:schemeClr val="tx1"/>
+              </a:solidFill>
+            </a:endParaRPr>
+          </a:p>
+          <a:p>
+            <a:endParaRPr lang="en-US" altLang="ja-JP" sz="1000" b="1" dirty="0">
+              <a:solidFill>
+                <a:schemeClr val="tx1"/>
+              </a:solidFill>
+            </a:endParaRPr>
+          </a:p>
+          <a:p>
+            <a:r>
+              <a:rPr lang="en-US" altLang="ja-JP" sz="1000" b="1" dirty="0">
+                <a:solidFill>
+                  <a:schemeClr val="tx1"/>
+                </a:solidFill>
+              </a:rPr>
+              <a:t>AI</a:t>
+            </a:r>
+            <a:r>
+              <a:rPr lang="ja-JP" altLang="en-US" sz="1000" b="1">
+                <a:solidFill>
+                  <a:schemeClr val="tx1"/>
+                </a:solidFill>
+              </a:rPr>
+              <a:t>エージェント</a:t>
+            </a:r>
+            <a:endParaRPr lang="en-US" altLang="ja-JP" sz="1000" b="1" dirty="0">
+              <a:solidFill>
+                <a:schemeClr val="tx1"/>
+              </a:solidFill>
+            </a:endParaRPr>
+          </a:p>
+          <a:p>
+            <a:endParaRPr lang="en-US" altLang="ja-JP" sz="1000" b="1" dirty="0">
+              <a:solidFill>
+                <a:schemeClr val="tx1"/>
+              </a:solidFill>
+            </a:endParaRPr>
+          </a:p>
+          <a:p>
+            <a:r>
+              <a:rPr lang="en-US" altLang="ja-JP" sz="1000" b="1" dirty="0">
+                <a:solidFill>
+                  <a:schemeClr val="tx1"/>
+                </a:solidFill>
+              </a:rPr>
+              <a:t>LINE</a:t>
+            </a:r>
+            <a:r>
+              <a:rPr lang="ja-JP" altLang="en-US" sz="1000" b="1">
+                <a:solidFill>
+                  <a:schemeClr val="tx1"/>
+                </a:solidFill>
+              </a:rPr>
+              <a:t>連携</a:t>
+            </a:r>
+            <a:endParaRPr lang="en-US" altLang="ja-JP" sz="1000" b="1" dirty="0">
+              <a:solidFill>
+                <a:schemeClr val="tx1"/>
+              </a:solidFill>
+            </a:endParaRPr>
+          </a:p>
+          <a:p>
+            <a:endParaRPr lang="en-US" altLang="ja-JP" sz="1000" b="1" dirty="0">
+              <a:solidFill>
+                <a:schemeClr val="tx1"/>
+              </a:solidFill>
+            </a:endParaRPr>
+          </a:p>
+          <a:p>
+            <a:r>
+              <a:rPr lang="ja-JP" altLang="en-US" sz="1000" b="1">
+                <a:solidFill>
+                  <a:schemeClr val="tx1"/>
+                </a:solidFill>
+              </a:rPr>
+              <a:t>教室管理</a:t>
+            </a:r>
+            <a:endParaRPr lang="en-US" altLang="ja-JP" sz="1000" b="1" dirty="0">
+              <a:solidFill>
+                <a:schemeClr val="tx1"/>
+              </a:solidFill>
+            </a:endParaRPr>
+          </a:p>
+          <a:p>
+            <a:endParaRPr lang="en-US" altLang="ja-JP" sz="1000" b="1" dirty="0">
+              <a:solidFill>
+                <a:schemeClr val="tx1"/>
+              </a:solidFill>
+            </a:endParaRPr>
+          </a:p>
+          <a:p>
+            <a:endParaRPr lang="en-US" altLang="ja-JP" sz="1000" b="1" dirty="0">
+              <a:solidFill>
+                <a:schemeClr val="tx1"/>
+              </a:solidFill>
+            </a:endParaRPr>
+          </a:p>
+        </p:txBody>
+      </p:sp>
+      <p:sp>
+        <p:nvSpPr>
+          <p:cNvPr id="7" name="正方形/長方形 6">
+            <a:extLst>
+              <a:ext uri="{FF2B5EF4-FFF2-40B4-BE49-F238E27FC236}">
+                <a16:creationId xmlns:a16="http://schemas.microsoft.com/office/drawing/2014/main" id="{71EDFC29-161F-8DEC-A386-9D424303BDD2}"/>
+              </a:ext>
+            </a:extLst>
+          </p:cNvPr>
+          <p:cNvSpPr/>
+          <p:nvPr/>
+        </p:nvSpPr>
+        <p:spPr>
+          <a:xfrm>
+            <a:off x="10782748" y="1211282"/>
+            <a:ext cx="1409252" cy="5646717"/>
+          </a:xfrm>
+          <a:prstGeom prst="rect">
+            <a:avLst/>
+          </a:prstGeom>
+          <a:solidFill>
+            <a:schemeClr val="accent4">
+              <a:lumMod val="20000"/>
+              <a:lumOff val="80000"/>
+            </a:schemeClr>
+          </a:solidFill>
+          <a:ln>
+            <a:noFill/>
+          </a:ln>
+          <a:effectLst>
+            <a:outerShdw dist="38100" dir="8100000" sx="102000" sy="102000" algn="tr" rotWithShape="0">
+              <a:prstClr val="black">
+                <a:alpha val="0"/>
+              </a:prstClr>
+            </a:outerShdw>
+          </a:effectLst>
+        </p:spPr>
+        <p:style>
+          <a:lnRef idx="2">
+            <a:schemeClr val="accent1">
+              <a:shade val="50000"/>
+            </a:schemeClr>
+          </a:lnRef>
+          <a:fillRef idx="1">
+            <a:schemeClr val="accent1"/>
+          </a:fillRef>
+          <a:effectRef idx="0">
+            <a:schemeClr val="accent1"/>
+          </a:effectRef>
+          <a:fontRef idx="minor">
+            <a:schemeClr val="lt1"/>
+          </a:fontRef>
+        </p:style>
+        <p:txBody>
+          <a:bodyPr rot="0" spcFirstLastPara="0" vertOverflow="overflow" horzOverflow="overflow" vert="horz" wrap="square" lIns="91440" tIns="45720" rIns="91440" bIns="45720" numCol="1" spcCol="0" rtlCol="0" fromWordArt="0" anchor="b" anchorCtr="0" forceAA="0" compatLnSpc="1">
+            <a:prstTxWarp prst="textNoShape">
+              <a:avLst/>
+            </a:prstTxWarp>
+            <a:noAutofit/>
+          </a:bodyPr>
+          <a:lstStyle/>
+          <a:p>
+            <a:pPr algn="r"/>
+            <a:r>
+              <a:rPr lang="ja-JP" altLang="en-US" sz="1000" b="1">
+                <a:solidFill>
+                  <a:schemeClr val="tx1"/>
+                </a:solidFill>
+              </a:rPr>
+              <a:t>ログアウト</a:t>
+            </a:r>
+            <a:endParaRPr lang="en-US" altLang="ja-JP" sz="1000" b="1" dirty="0">
+              <a:solidFill>
+                <a:schemeClr val="tx1"/>
+              </a:solidFill>
+            </a:endParaRPr>
+          </a:p>
+        </p:txBody>
+      </p:sp>
+      <p:sp>
+        <p:nvSpPr>
+          <p:cNvPr id="8" name="正方形/長方形 7">
+            <a:extLst>
+              <a:ext uri="{FF2B5EF4-FFF2-40B4-BE49-F238E27FC236}">
+                <a16:creationId xmlns:a16="http://schemas.microsoft.com/office/drawing/2014/main" id="{AF79AE6B-9A8B-9545-0EFB-53DC2AA6E476}"/>
+              </a:ext>
+            </a:extLst>
+          </p:cNvPr>
+          <p:cNvSpPr/>
+          <p:nvPr/>
+        </p:nvSpPr>
+        <p:spPr>
+          <a:xfrm>
+            <a:off x="7803712" y="1211281"/>
+            <a:ext cx="2979035" cy="5646717"/>
+          </a:xfrm>
+          <a:prstGeom prst="rect">
+            <a:avLst/>
+          </a:prstGeom>
+          <a:solidFill>
+            <a:schemeClr val="bg1">
+              <a:lumMod val="95000"/>
+            </a:schemeClr>
+          </a:solidFill>
+          <a:ln>
+            <a:noFill/>
+          </a:ln>
+          <a:effectLst>
+            <a:outerShdw blurRad="139700" dist="38100" dir="8100000" sx="102000" sy="102000" algn="tr" rotWithShape="0">
+              <a:prstClr val="black">
+                <a:alpha val="0"/>
+              </a:prstClr>
+            </a:outerShdw>
+          </a:effectLst>
+        </p:spPr>
+        <p:style>
+          <a:lnRef idx="2">
+            <a:schemeClr val="accent1">
+              <a:shade val="50000"/>
+            </a:schemeClr>
+          </a:lnRef>
+          <a:fillRef idx="1">
+            <a:schemeClr val="accent1"/>
+          </a:fillRef>
+          <a:effectRef idx="0">
+            <a:schemeClr val="accent1"/>
+          </a:effectRef>
+          <a:fontRef idx="minor">
+            <a:schemeClr val="lt1"/>
+          </a:fontRef>
+        </p:style>
+        <p:txBody>
+          <a:bodyPr rot="0" spcFirstLastPara="0" vertOverflow="overflow" horzOverflow="overflow" vert="horz" wrap="square" lIns="91440" tIns="45720" rIns="91440" bIns="45720" numCol="1" spcCol="0" rtlCol="0" fromWordArt="0" anchor="t" anchorCtr="0" forceAA="0" compatLnSpc="1">
+            <a:prstTxWarp prst="textNoShape">
+              <a:avLst/>
+            </a:prstTxWarp>
+            <a:noAutofit/>
+          </a:bodyPr>
+          <a:lstStyle/>
+          <a:p>
+            <a:endParaRPr lang="en-US" altLang="ja-JP" sz="1000" b="1" dirty="0">
+              <a:solidFill>
+                <a:schemeClr val="tx1"/>
+              </a:solidFill>
+            </a:endParaRPr>
+          </a:p>
+        </p:txBody>
+      </p:sp>
+      <p:sp>
+        <p:nvSpPr>
+          <p:cNvPr id="10" name="正方形/長方形 9">
+            <a:extLst>
+              <a:ext uri="{FF2B5EF4-FFF2-40B4-BE49-F238E27FC236}">
+                <a16:creationId xmlns:a16="http://schemas.microsoft.com/office/drawing/2014/main" id="{949DAFEA-0D56-C478-F312-BF6E9E2616E9}"/>
+              </a:ext>
+            </a:extLst>
+          </p:cNvPr>
+          <p:cNvSpPr/>
+          <p:nvPr/>
+        </p:nvSpPr>
+        <p:spPr>
+          <a:xfrm>
+            <a:off x="1409251" y="1211283"/>
+            <a:ext cx="6394463" cy="5646717"/>
+          </a:xfrm>
+          <a:prstGeom prst="rect">
+            <a:avLst/>
+          </a:prstGeom>
+          <a:solidFill>
+            <a:schemeClr val="bg1">
+              <a:lumMod val="95000"/>
+            </a:schemeClr>
+          </a:solidFill>
+          <a:ln>
+            <a:noFill/>
+          </a:ln>
+          <a:effectLst>
+            <a:outerShdw blurRad="139700" dist="38100" dir="8100000" sx="102000" sy="102000" algn="tr" rotWithShape="0">
+              <a:prstClr val="black">
+                <a:alpha val="0"/>
+              </a:prstClr>
+            </a:outerShdw>
+          </a:effectLst>
+        </p:spPr>
+        <p:style>
+          <a:lnRef idx="2">
+            <a:schemeClr val="accent1">
+              <a:shade val="50000"/>
+            </a:schemeClr>
+          </a:lnRef>
+          <a:fillRef idx="1">
+            <a:schemeClr val="accent1"/>
+          </a:fillRef>
+          <a:effectRef idx="0">
+            <a:schemeClr val="accent1"/>
+          </a:effectRef>
+          <a:fontRef idx="minor">
+            <a:schemeClr val="lt1"/>
+          </a:fontRef>
+        </p:style>
+        <p:txBody>
+          <a:bodyPr rot="0" spcFirstLastPara="0" vertOverflow="overflow" horzOverflow="overflow" vert="horz" wrap="square" lIns="91440" tIns="45720" rIns="91440" bIns="45720" numCol="1" spcCol="0" rtlCol="0" fromWordArt="0" anchor="t" anchorCtr="0" forceAA="0" compatLnSpc="1">
+            <a:prstTxWarp prst="textNoShape">
+              <a:avLst/>
+            </a:prstTxWarp>
+            <a:noAutofit/>
+          </a:bodyPr>
+          <a:lstStyle/>
+          <a:p>
+            <a:endParaRPr lang="en-US" altLang="ja-JP" sz="1000" b="1" dirty="0">
+              <a:solidFill>
+                <a:schemeClr val="tx1"/>
+              </a:solidFill>
+            </a:endParaRPr>
+          </a:p>
+        </p:txBody>
+      </p:sp>
+      <p:sp>
+        <p:nvSpPr>
+          <p:cNvPr id="4" name="正方形/長方形 3">
+            <a:extLst>
+              <a:ext uri="{FF2B5EF4-FFF2-40B4-BE49-F238E27FC236}">
+                <a16:creationId xmlns:a16="http://schemas.microsoft.com/office/drawing/2014/main" id="{DDC23378-68D4-A8E3-3CD5-5C11109A5136}"/>
+              </a:ext>
+            </a:extLst>
+          </p:cNvPr>
+          <p:cNvSpPr/>
+          <p:nvPr/>
+        </p:nvSpPr>
+        <p:spPr>
+          <a:xfrm>
+            <a:off x="0" y="0"/>
+            <a:ext cx="12192000" cy="1211283"/>
+          </a:xfrm>
+          <a:prstGeom prst="rect">
+            <a:avLst/>
+          </a:prstGeom>
+          <a:solidFill>
+            <a:schemeClr val="accent6">
+              <a:lumMod val="60000"/>
+              <a:lumOff val="40000"/>
+            </a:schemeClr>
+          </a:solidFill>
+          <a:ln>
+            <a:noFill/>
+          </a:ln>
+          <a:effectLst>
+            <a:outerShdw blurRad="139700" dist="38100" dir="8100000" sx="102000" sy="102000" algn="tr" rotWithShape="0">
+              <a:prstClr val="black">
+                <a:alpha val="20000"/>
+              </a:prstClr>
+            </a:outerShdw>
+          </a:effectLst>
+        </p:spPr>
+        <p:style>
+          <a:lnRef idx="2">
+            <a:schemeClr val="accent1">
+              <a:shade val="50000"/>
+            </a:schemeClr>
+          </a:lnRef>
+          <a:fillRef idx="1">
+            <a:schemeClr val="accent1"/>
+          </a:fillRef>
+          <a:effectRef idx="0">
+            <a:schemeClr val="accent1"/>
+          </a:effectRef>
+          <a:fontRef idx="minor">
+            <a:schemeClr val="lt1"/>
+          </a:fontRef>
+        </p:style>
+        <p:txBody>
+          <a:bodyPr rot="0" spcFirstLastPara="0" vertOverflow="overflow" horzOverflow="overflow" vert="horz" wrap="square" lIns="91440" tIns="45720" rIns="91440" bIns="45720" numCol="1" spcCol="0" rtlCol="0" fromWordArt="0" anchor="ctr" anchorCtr="0" forceAA="0" compatLnSpc="1">
+            <a:prstTxWarp prst="textNoShape">
+              <a:avLst/>
+            </a:prstTxWarp>
+            <a:noAutofit/>
+          </a:bodyPr>
+          <a:lstStyle/>
+          <a:p>
+            <a:pPr algn="ctr"/>
+            <a:r>
+              <a:rPr kumimoji="1" lang="en-US" altLang="ja-JP" sz="4800" b="1" i="1" dirty="0">
+                <a:solidFill>
+                  <a:schemeClr val="tx1"/>
+                </a:solidFill>
+              </a:rPr>
+              <a:t>Dashboard</a:t>
+            </a:r>
+            <a:endParaRPr kumimoji="1" lang="ja-JP" altLang="en-US" sz="4800" b="1" i="1">
+              <a:solidFill>
+                <a:schemeClr val="tx1"/>
+              </a:solidFill>
+            </a:endParaRPr>
+          </a:p>
+        </p:txBody>
+      </p:sp>
+      <p:sp>
+        <p:nvSpPr>
+          <p:cNvPr id="9" name="テキスト ボックス 8">
+            <a:extLst>
+              <a:ext uri="{FF2B5EF4-FFF2-40B4-BE49-F238E27FC236}">
+                <a16:creationId xmlns:a16="http://schemas.microsoft.com/office/drawing/2014/main" id="{1A645BE1-7397-E6A7-DD69-C4237625868B}"/>
+              </a:ext>
+            </a:extLst>
+          </p:cNvPr>
+          <p:cNvSpPr txBox="1"/>
+          <p:nvPr/>
+        </p:nvSpPr>
+        <p:spPr>
+          <a:xfrm>
+            <a:off x="3787377" y="1220842"/>
+            <a:ext cx="1338828" cy="369332"/>
+          </a:xfrm>
+          <a:prstGeom prst="rect">
+            <a:avLst/>
+          </a:prstGeom>
+          <a:noFill/>
+        </p:spPr>
+        <p:txBody>
+          <a:bodyPr wrap="none" rtlCol="0">
+            <a:spAutoFit/>
+          </a:bodyPr>
+          <a:lstStyle/>
+          <a:p>
+            <a:r>
+              <a:rPr kumimoji="1" lang="ja-JP" altLang="en-US" b="1"/>
+              <a:t>本日の予定</a:t>
+            </a:r>
+          </a:p>
+        </p:txBody>
+      </p:sp>
+      <p:sp>
+        <p:nvSpPr>
+          <p:cNvPr id="11" name="正方形/長方形 10">
+            <a:extLst>
+              <a:ext uri="{FF2B5EF4-FFF2-40B4-BE49-F238E27FC236}">
+                <a16:creationId xmlns:a16="http://schemas.microsoft.com/office/drawing/2014/main" id="{55644267-23F4-4732-F7E1-530419D5A603}"/>
+              </a:ext>
+            </a:extLst>
+          </p:cNvPr>
+          <p:cNvSpPr/>
+          <p:nvPr/>
+        </p:nvSpPr>
+        <p:spPr>
+          <a:xfrm>
+            <a:off x="1713123" y="1590174"/>
+            <a:ext cx="5786718" cy="2628132"/>
+          </a:xfrm>
+          <a:prstGeom prst="rect">
+            <a:avLst/>
+          </a:prstGeom>
+          <a:solidFill>
+            <a:schemeClr val="bg2">
+              <a:lumMod val="90000"/>
+            </a:schemeClr>
+          </a:solidFill>
+          <a:ln>
+            <a:noFill/>
+          </a:ln>
+        </p:spPr>
+        <p:style>
+          <a:lnRef idx="0">
+            <a:scrgbClr r="0" g="0" b="0"/>
+          </a:lnRef>
+          <a:fillRef idx="0">
+            <a:scrgbClr r="0" g="0" b="0"/>
+          </a:fillRef>
+          <a:effectRef idx="0">
+            <a:scrgbClr r="0" g="0" b="0"/>
+          </a:effectRef>
+          <a:fontRef idx="minor">
+            <a:schemeClr val="lt1"/>
+          </a:fontRef>
+        </p:style>
+        <p:txBody>
+          <a:bodyPr rot="0" spcFirstLastPara="0" vertOverflow="overflow" horzOverflow="overflow" vert="horz" wrap="square" lIns="91440" tIns="45720" rIns="91440" bIns="45720" numCol="1" spcCol="0" rtlCol="0" fromWordArt="0" anchor="ctr" anchorCtr="0" forceAA="0" compatLnSpc="1">
+            <a:prstTxWarp prst="textNoShape">
+              <a:avLst/>
+            </a:prstTxWarp>
+            <a:noAutofit/>
+          </a:bodyPr>
+          <a:lstStyle/>
+          <a:p>
+            <a:pPr algn="ctr"/>
+            <a:endParaRPr kumimoji="1" lang="ja-JP" altLang="en-US"/>
+          </a:p>
+        </p:txBody>
+      </p:sp>
+      <p:sp>
+        <p:nvSpPr>
+          <p:cNvPr id="12" name="テキスト ボックス 11">
+            <a:extLst>
+              <a:ext uri="{FF2B5EF4-FFF2-40B4-BE49-F238E27FC236}">
+                <a16:creationId xmlns:a16="http://schemas.microsoft.com/office/drawing/2014/main" id="{0C526FE9-F3B4-747B-D583-13E0D869744B}"/>
+              </a:ext>
+            </a:extLst>
+          </p:cNvPr>
+          <p:cNvSpPr txBox="1"/>
+          <p:nvPr/>
+        </p:nvSpPr>
+        <p:spPr>
+          <a:xfrm>
+            <a:off x="4697270" y="1599735"/>
+            <a:ext cx="479618" cy="369332"/>
+          </a:xfrm>
+          <a:prstGeom prst="rect">
+            <a:avLst/>
+          </a:prstGeom>
+          <a:noFill/>
+        </p:spPr>
+        <p:txBody>
+          <a:bodyPr wrap="none" rtlCol="0">
+            <a:spAutoFit/>
+          </a:bodyPr>
+          <a:lstStyle/>
+          <a:p>
+            <a:pPr algn="ctr"/>
+            <a:r>
+              <a:rPr kumimoji="1" lang="en-US" altLang="ja-JP" b="1" dirty="0"/>
+              <a:t>EF</a:t>
+            </a:r>
+            <a:endParaRPr kumimoji="1" lang="ja-JP" altLang="en-US" b="1"/>
+          </a:p>
+        </p:txBody>
+      </p:sp>
+      <p:sp>
+        <p:nvSpPr>
+          <p:cNvPr id="13" name="テキスト ボックス 12">
+            <a:extLst>
+              <a:ext uri="{FF2B5EF4-FFF2-40B4-BE49-F238E27FC236}">
+                <a16:creationId xmlns:a16="http://schemas.microsoft.com/office/drawing/2014/main" id="{53900CC8-AF3E-7A72-4169-B3B33BD9D587}"/>
+              </a:ext>
+            </a:extLst>
+          </p:cNvPr>
+          <p:cNvSpPr txBox="1"/>
+          <p:nvPr/>
+        </p:nvSpPr>
+        <p:spPr>
+          <a:xfrm>
+            <a:off x="5687114" y="1599735"/>
+            <a:ext cx="540534" cy="369332"/>
+          </a:xfrm>
+          <a:prstGeom prst="rect">
+            <a:avLst/>
+          </a:prstGeom>
+          <a:noFill/>
+        </p:spPr>
+        <p:txBody>
+          <a:bodyPr wrap="none" rtlCol="0">
+            <a:spAutoFit/>
+          </a:bodyPr>
+          <a:lstStyle/>
+          <a:p>
+            <a:pPr algn="ctr"/>
+            <a:r>
+              <a:rPr kumimoji="1" lang="en-US" altLang="ja-JP" b="1" dirty="0"/>
+              <a:t>GH</a:t>
+            </a:r>
+            <a:endParaRPr kumimoji="1" lang="ja-JP" altLang="en-US" b="1"/>
+          </a:p>
+        </p:txBody>
+      </p:sp>
+      <p:sp>
+        <p:nvSpPr>
+          <p:cNvPr id="14" name="テキスト ボックス 13">
+            <a:extLst>
+              <a:ext uri="{FF2B5EF4-FFF2-40B4-BE49-F238E27FC236}">
+                <a16:creationId xmlns:a16="http://schemas.microsoft.com/office/drawing/2014/main" id="{A70893AE-6F15-30D0-C17B-110A79DD6096}"/>
+              </a:ext>
+            </a:extLst>
+          </p:cNvPr>
+          <p:cNvSpPr txBox="1"/>
+          <p:nvPr/>
+        </p:nvSpPr>
+        <p:spPr>
+          <a:xfrm>
+            <a:off x="6788464" y="1599735"/>
+            <a:ext cx="356188" cy="369332"/>
+          </a:xfrm>
+          <a:prstGeom prst="rect">
+            <a:avLst/>
+          </a:prstGeom>
+          <a:noFill/>
+        </p:spPr>
+        <p:txBody>
+          <a:bodyPr wrap="none" rtlCol="0">
+            <a:spAutoFit/>
+          </a:bodyPr>
+          <a:lstStyle/>
+          <a:p>
+            <a:pPr algn="ctr"/>
+            <a:r>
+              <a:rPr kumimoji="1" lang="en-US" altLang="ja-JP" b="1" dirty="0"/>
+              <a:t>IJ</a:t>
+            </a:r>
+            <a:endParaRPr kumimoji="1" lang="ja-JP" altLang="en-US" b="1"/>
+          </a:p>
+        </p:txBody>
+      </p:sp>
+      <p:sp>
+        <p:nvSpPr>
+          <p:cNvPr id="15" name="テキスト ボックス 14">
+            <a:extLst>
+              <a:ext uri="{FF2B5EF4-FFF2-40B4-BE49-F238E27FC236}">
+                <a16:creationId xmlns:a16="http://schemas.microsoft.com/office/drawing/2014/main" id="{F86DA66E-F7E5-91A2-C6F5-3AAB914EA68C}"/>
+              </a:ext>
+            </a:extLst>
+          </p:cNvPr>
+          <p:cNvSpPr txBox="1"/>
+          <p:nvPr/>
+        </p:nvSpPr>
+        <p:spPr>
+          <a:xfrm>
+            <a:off x="3657657" y="1602271"/>
+            <a:ext cx="527709" cy="369332"/>
+          </a:xfrm>
+          <a:prstGeom prst="rect">
+            <a:avLst/>
+          </a:prstGeom>
+          <a:noFill/>
+        </p:spPr>
+        <p:txBody>
+          <a:bodyPr wrap="none" rtlCol="0">
+            <a:spAutoFit/>
+          </a:bodyPr>
+          <a:lstStyle/>
+          <a:p>
+            <a:pPr algn="ctr"/>
+            <a:r>
+              <a:rPr kumimoji="1" lang="en-US" altLang="ja-JP" b="1" dirty="0"/>
+              <a:t>CD</a:t>
+            </a:r>
+            <a:endParaRPr kumimoji="1" lang="ja-JP" altLang="en-US" b="1"/>
+          </a:p>
+        </p:txBody>
+      </p:sp>
+      <p:sp>
+        <p:nvSpPr>
+          <p:cNvPr id="16" name="テキスト ボックス 15">
+            <a:extLst>
+              <a:ext uri="{FF2B5EF4-FFF2-40B4-BE49-F238E27FC236}">
+                <a16:creationId xmlns:a16="http://schemas.microsoft.com/office/drawing/2014/main" id="{42FA9377-F3DF-9A23-09C5-6415EC9E19DE}"/>
+              </a:ext>
+            </a:extLst>
+          </p:cNvPr>
+          <p:cNvSpPr txBox="1"/>
+          <p:nvPr/>
+        </p:nvSpPr>
+        <p:spPr>
+          <a:xfrm>
+            <a:off x="2662702" y="1599735"/>
+            <a:ext cx="506869" cy="369332"/>
+          </a:xfrm>
+          <a:prstGeom prst="rect">
+            <a:avLst/>
+          </a:prstGeom>
+          <a:noFill/>
+        </p:spPr>
+        <p:txBody>
+          <a:bodyPr wrap="none" rtlCol="0">
+            <a:spAutoFit/>
+          </a:bodyPr>
+          <a:lstStyle/>
+          <a:p>
+            <a:pPr algn="ctr"/>
+            <a:r>
+              <a:rPr kumimoji="1" lang="en-US" altLang="ja-JP" b="1" dirty="0"/>
+              <a:t>AB</a:t>
+            </a:r>
+            <a:endParaRPr kumimoji="1" lang="ja-JP" altLang="en-US" b="1"/>
+          </a:p>
+        </p:txBody>
+      </p:sp>
+      <p:sp>
+        <p:nvSpPr>
+          <p:cNvPr id="17" name="テキスト ボックス 16">
+            <a:extLst>
+              <a:ext uri="{FF2B5EF4-FFF2-40B4-BE49-F238E27FC236}">
+                <a16:creationId xmlns:a16="http://schemas.microsoft.com/office/drawing/2014/main" id="{685A1D5A-F15F-0692-8EDC-8EA17D616F27}"/>
+              </a:ext>
+            </a:extLst>
+          </p:cNvPr>
+          <p:cNvSpPr txBox="1"/>
+          <p:nvPr/>
+        </p:nvSpPr>
+        <p:spPr>
+          <a:xfrm>
+            <a:off x="1772696" y="1959504"/>
+            <a:ext cx="726481" cy="307777"/>
+          </a:xfrm>
+          <a:prstGeom prst="rect">
+            <a:avLst/>
+          </a:prstGeom>
+          <a:noFill/>
+        </p:spPr>
+        <p:txBody>
+          <a:bodyPr wrap="none" rtlCol="0">
+            <a:spAutoFit/>
+          </a:bodyPr>
+          <a:lstStyle/>
+          <a:p>
+            <a:pPr algn="ctr"/>
+            <a:r>
+              <a:rPr kumimoji="1" lang="en-US" altLang="ja-JP" sz="1400" b="1" dirty="0"/>
+              <a:t>10:50-</a:t>
+            </a:r>
+            <a:endParaRPr kumimoji="1" lang="ja-JP" altLang="en-US" sz="1400" b="1"/>
+          </a:p>
+        </p:txBody>
+      </p:sp>
+      <p:sp>
+        <p:nvSpPr>
+          <p:cNvPr id="18" name="テキスト ボックス 17">
+            <a:extLst>
+              <a:ext uri="{FF2B5EF4-FFF2-40B4-BE49-F238E27FC236}">
+                <a16:creationId xmlns:a16="http://schemas.microsoft.com/office/drawing/2014/main" id="{C4DD8118-4C49-BBAA-45A4-0795E4E6A296}"/>
+              </a:ext>
+            </a:extLst>
+          </p:cNvPr>
+          <p:cNvSpPr txBox="1"/>
+          <p:nvPr/>
+        </p:nvSpPr>
+        <p:spPr>
+          <a:xfrm>
+            <a:off x="1772696" y="2269697"/>
+            <a:ext cx="726481" cy="307777"/>
+          </a:xfrm>
+          <a:prstGeom prst="rect">
+            <a:avLst/>
+          </a:prstGeom>
+          <a:noFill/>
+        </p:spPr>
+        <p:txBody>
+          <a:bodyPr wrap="none" rtlCol="0">
+            <a:spAutoFit/>
+          </a:bodyPr>
+          <a:lstStyle/>
+          <a:p>
+            <a:pPr algn="ctr"/>
+            <a:r>
+              <a:rPr kumimoji="1" lang="en-US" altLang="ja-JP" sz="1400" b="1" dirty="0"/>
+              <a:t>12:50-</a:t>
+            </a:r>
+            <a:endParaRPr kumimoji="1" lang="ja-JP" altLang="en-US" sz="1400" b="1"/>
+          </a:p>
+        </p:txBody>
+      </p:sp>
+      <p:sp>
+        <p:nvSpPr>
+          <p:cNvPr id="19" name="テキスト ボックス 18">
+            <a:extLst>
+              <a:ext uri="{FF2B5EF4-FFF2-40B4-BE49-F238E27FC236}">
+                <a16:creationId xmlns:a16="http://schemas.microsoft.com/office/drawing/2014/main" id="{D25ECFEC-62C5-F58B-0E92-B810AFE5C683}"/>
+              </a:ext>
+            </a:extLst>
+          </p:cNvPr>
+          <p:cNvSpPr txBox="1"/>
+          <p:nvPr/>
+        </p:nvSpPr>
+        <p:spPr>
+          <a:xfrm>
+            <a:off x="1772696" y="2579890"/>
+            <a:ext cx="726481" cy="307777"/>
+          </a:xfrm>
+          <a:prstGeom prst="rect">
+            <a:avLst/>
+          </a:prstGeom>
+          <a:noFill/>
+        </p:spPr>
+        <p:txBody>
+          <a:bodyPr wrap="none" rtlCol="0">
+            <a:spAutoFit/>
+          </a:bodyPr>
+          <a:lstStyle/>
+          <a:p>
+            <a:pPr algn="ctr"/>
+            <a:r>
+              <a:rPr kumimoji="1" lang="en-US" altLang="ja-JP" sz="1400" b="1" dirty="0"/>
+              <a:t>14:20-</a:t>
+            </a:r>
+            <a:endParaRPr kumimoji="1" lang="ja-JP" altLang="en-US" sz="1400" b="1"/>
+          </a:p>
+        </p:txBody>
+      </p:sp>
+      <p:sp>
+        <p:nvSpPr>
+          <p:cNvPr id="20" name="テキスト ボックス 19">
+            <a:extLst>
+              <a:ext uri="{FF2B5EF4-FFF2-40B4-BE49-F238E27FC236}">
+                <a16:creationId xmlns:a16="http://schemas.microsoft.com/office/drawing/2014/main" id="{2F302B4B-8DFF-71A3-754B-AB7419901D0F}"/>
+              </a:ext>
+            </a:extLst>
+          </p:cNvPr>
+          <p:cNvSpPr txBox="1"/>
+          <p:nvPr/>
+        </p:nvSpPr>
+        <p:spPr>
+          <a:xfrm>
+            <a:off x="1772696" y="2890083"/>
+            <a:ext cx="726481" cy="307777"/>
+          </a:xfrm>
+          <a:prstGeom prst="rect">
+            <a:avLst/>
+          </a:prstGeom>
+          <a:noFill/>
+        </p:spPr>
+        <p:txBody>
+          <a:bodyPr wrap="none" rtlCol="0">
+            <a:spAutoFit/>
+          </a:bodyPr>
+          <a:lstStyle/>
+          <a:p>
+            <a:pPr algn="ctr"/>
+            <a:r>
+              <a:rPr kumimoji="1" lang="en-US" altLang="ja-JP" sz="1400" b="1" dirty="0"/>
+              <a:t>15:50-</a:t>
+            </a:r>
+            <a:endParaRPr kumimoji="1" lang="ja-JP" altLang="en-US" sz="1400" b="1"/>
+          </a:p>
+        </p:txBody>
+      </p:sp>
+      <p:sp>
+        <p:nvSpPr>
+          <p:cNvPr id="21" name="テキスト ボックス 20">
+            <a:extLst>
+              <a:ext uri="{FF2B5EF4-FFF2-40B4-BE49-F238E27FC236}">
+                <a16:creationId xmlns:a16="http://schemas.microsoft.com/office/drawing/2014/main" id="{CB967435-5CAD-81E3-3A53-50C6456A72AF}"/>
+              </a:ext>
+            </a:extLst>
+          </p:cNvPr>
+          <p:cNvSpPr txBox="1"/>
+          <p:nvPr/>
+        </p:nvSpPr>
+        <p:spPr>
+          <a:xfrm>
+            <a:off x="1772696" y="3200276"/>
+            <a:ext cx="726481" cy="307777"/>
+          </a:xfrm>
+          <a:prstGeom prst="rect">
+            <a:avLst/>
+          </a:prstGeom>
+          <a:noFill/>
+        </p:spPr>
+        <p:txBody>
+          <a:bodyPr wrap="none" rtlCol="0">
+            <a:spAutoFit/>
+          </a:bodyPr>
+          <a:lstStyle/>
+          <a:p>
+            <a:pPr algn="ctr"/>
+            <a:r>
+              <a:rPr kumimoji="1" lang="en-US" altLang="ja-JP" sz="1400" b="1" dirty="0"/>
+              <a:t>17:20-</a:t>
+            </a:r>
+            <a:endParaRPr kumimoji="1" lang="ja-JP" altLang="en-US" sz="1400" b="1"/>
+          </a:p>
+        </p:txBody>
+      </p:sp>
+      <p:sp>
+        <p:nvSpPr>
+          <p:cNvPr id="22" name="テキスト ボックス 21">
+            <a:extLst>
+              <a:ext uri="{FF2B5EF4-FFF2-40B4-BE49-F238E27FC236}">
+                <a16:creationId xmlns:a16="http://schemas.microsoft.com/office/drawing/2014/main" id="{575EBDA2-7BA7-CCB9-1160-2CE331D007BC}"/>
+              </a:ext>
+            </a:extLst>
+          </p:cNvPr>
+          <p:cNvSpPr txBox="1"/>
+          <p:nvPr/>
+        </p:nvSpPr>
+        <p:spPr>
+          <a:xfrm>
+            <a:off x="1772696" y="3510469"/>
+            <a:ext cx="726481" cy="307777"/>
+          </a:xfrm>
+          <a:prstGeom prst="rect">
+            <a:avLst/>
+          </a:prstGeom>
+          <a:noFill/>
+        </p:spPr>
+        <p:txBody>
+          <a:bodyPr wrap="none" rtlCol="0">
+            <a:spAutoFit/>
+          </a:bodyPr>
+          <a:lstStyle/>
+          <a:p>
+            <a:pPr algn="ctr"/>
+            <a:r>
+              <a:rPr kumimoji="1" lang="en-US" altLang="ja-JP" sz="1400" b="1" dirty="0"/>
+              <a:t>18:50-</a:t>
+            </a:r>
+            <a:endParaRPr kumimoji="1" lang="ja-JP" altLang="en-US" sz="1400" b="1"/>
+          </a:p>
+        </p:txBody>
+      </p:sp>
+      <p:sp>
+        <p:nvSpPr>
+          <p:cNvPr id="23" name="テキスト ボックス 22">
+            <a:extLst>
+              <a:ext uri="{FF2B5EF4-FFF2-40B4-BE49-F238E27FC236}">
+                <a16:creationId xmlns:a16="http://schemas.microsoft.com/office/drawing/2014/main" id="{25CFEC46-2EEB-3B8C-3115-4E871E9BDA39}"/>
+              </a:ext>
+            </a:extLst>
+          </p:cNvPr>
+          <p:cNvSpPr txBox="1"/>
+          <p:nvPr/>
+        </p:nvSpPr>
+        <p:spPr>
+          <a:xfrm>
+            <a:off x="1772696" y="3820663"/>
+            <a:ext cx="726481" cy="307777"/>
+          </a:xfrm>
+          <a:prstGeom prst="rect">
+            <a:avLst/>
+          </a:prstGeom>
+          <a:noFill/>
+        </p:spPr>
+        <p:txBody>
+          <a:bodyPr wrap="none" rtlCol="0">
+            <a:spAutoFit/>
+          </a:bodyPr>
+          <a:lstStyle/>
+          <a:p>
+            <a:pPr algn="ctr"/>
+            <a:r>
+              <a:rPr lang="en-US" altLang="ja-JP" sz="1400" b="1" dirty="0"/>
+              <a:t>20:20-</a:t>
+            </a:r>
+            <a:endParaRPr kumimoji="1" lang="ja-JP" altLang="en-US" sz="1400" b="1"/>
+          </a:p>
+        </p:txBody>
+      </p:sp>
+      <p:sp>
+        <p:nvSpPr>
+          <p:cNvPr id="25" name="正方形/長方形 24">
+            <a:extLst>
+              <a:ext uri="{FF2B5EF4-FFF2-40B4-BE49-F238E27FC236}">
+                <a16:creationId xmlns:a16="http://schemas.microsoft.com/office/drawing/2014/main" id="{8AC0B129-8C97-D10D-0A00-50B0F3D4300F}"/>
+              </a:ext>
+            </a:extLst>
+          </p:cNvPr>
+          <p:cNvSpPr/>
+          <p:nvPr/>
+        </p:nvSpPr>
+        <p:spPr>
+          <a:xfrm>
+            <a:off x="2538382" y="1982059"/>
+            <a:ext cx="746029" cy="262665"/>
+          </a:xfrm>
+          <a:prstGeom prst="rect">
+            <a:avLst/>
+          </a:prstGeom>
+          <a:solidFill>
+            <a:schemeClr val="bg1">
+              <a:lumMod val="65000"/>
+            </a:schemeClr>
+          </a:solidFill>
+          <a:ln>
+            <a:noFill/>
+          </a:ln>
+          <a:effectLst>
+            <a:outerShdw blurRad="139700" dist="38100" dir="8100000" sx="102000" sy="102000" algn="tr" rotWithShape="0">
+              <a:prstClr val="black">
+                <a:alpha val="20000"/>
+              </a:prstClr>
+            </a:outerShdw>
+          </a:effectLst>
+        </p:spPr>
+        <p:style>
+          <a:lnRef idx="2">
+            <a:schemeClr val="accent1">
+              <a:shade val="50000"/>
+            </a:schemeClr>
+          </a:lnRef>
+          <a:fillRef idx="1">
+            <a:schemeClr val="accent1"/>
+          </a:fillRef>
+          <a:effectRef idx="0">
+            <a:schemeClr val="accent1"/>
+          </a:effectRef>
+          <a:fontRef idx="minor">
+            <a:schemeClr val="lt1"/>
+          </a:fontRef>
+        </p:style>
+        <p:txBody>
+          <a:bodyPr rot="0" spcFirstLastPara="0" vertOverflow="overflow" horzOverflow="overflow" vert="horz" wrap="square" lIns="91440" tIns="45720" rIns="91440" bIns="45720" numCol="1" spcCol="0" rtlCol="0" fromWordArt="0" anchor="ctr" anchorCtr="0" forceAA="0" compatLnSpc="1">
+            <a:prstTxWarp prst="textNoShape">
+              <a:avLst/>
+            </a:prstTxWarp>
+            <a:noAutofit/>
+          </a:bodyPr>
+          <a:lstStyle/>
+          <a:p>
+            <a:pPr algn="ctr"/>
+            <a:endParaRPr kumimoji="1" lang="ja-JP" altLang="en-US"/>
+          </a:p>
+        </p:txBody>
+      </p:sp>
+      <p:sp>
+        <p:nvSpPr>
+          <p:cNvPr id="26" name="正方形/長方形 25">
+            <a:extLst>
+              <a:ext uri="{FF2B5EF4-FFF2-40B4-BE49-F238E27FC236}">
+                <a16:creationId xmlns:a16="http://schemas.microsoft.com/office/drawing/2014/main" id="{EAD3B980-6CCC-F646-DDEC-F24D81E9B851}"/>
+              </a:ext>
+            </a:extLst>
+          </p:cNvPr>
+          <p:cNvSpPr/>
+          <p:nvPr/>
+        </p:nvSpPr>
+        <p:spPr>
+          <a:xfrm>
+            <a:off x="2546919" y="2290536"/>
+            <a:ext cx="746029" cy="262665"/>
+          </a:xfrm>
+          <a:prstGeom prst="rect">
+            <a:avLst/>
+          </a:prstGeom>
+          <a:solidFill>
+            <a:schemeClr val="bg1">
+              <a:lumMod val="65000"/>
+            </a:schemeClr>
+          </a:solidFill>
+          <a:ln>
+            <a:noFill/>
+          </a:ln>
+          <a:effectLst>
+            <a:outerShdw blurRad="139700" dist="38100" dir="8100000" sx="102000" sy="102000" algn="tr" rotWithShape="0">
+              <a:prstClr val="black">
+                <a:alpha val="20000"/>
+              </a:prstClr>
+            </a:outerShdw>
+          </a:effectLst>
+        </p:spPr>
+        <p:style>
+          <a:lnRef idx="2">
+            <a:schemeClr val="accent1">
+              <a:shade val="50000"/>
+            </a:schemeClr>
+          </a:lnRef>
+          <a:fillRef idx="1">
+            <a:schemeClr val="accent1"/>
+          </a:fillRef>
+          <a:effectRef idx="0">
+            <a:schemeClr val="accent1"/>
+          </a:effectRef>
+          <a:fontRef idx="minor">
+            <a:schemeClr val="lt1"/>
+          </a:fontRef>
+        </p:style>
+        <p:txBody>
+          <a:bodyPr rot="0" spcFirstLastPara="0" vertOverflow="overflow" horzOverflow="overflow" vert="horz" wrap="square" lIns="91440" tIns="45720" rIns="91440" bIns="45720" numCol="1" spcCol="0" rtlCol="0" fromWordArt="0" anchor="ctr" anchorCtr="0" forceAA="0" compatLnSpc="1">
+            <a:prstTxWarp prst="textNoShape">
+              <a:avLst/>
+            </a:prstTxWarp>
+            <a:noAutofit/>
+          </a:bodyPr>
+          <a:lstStyle/>
+          <a:p>
+            <a:pPr algn="ctr"/>
+            <a:endParaRPr kumimoji="1" lang="ja-JP" altLang="en-US"/>
+          </a:p>
+        </p:txBody>
+      </p:sp>
+      <p:sp>
+        <p:nvSpPr>
+          <p:cNvPr id="27" name="正方形/長方形 26">
+            <a:extLst>
+              <a:ext uri="{FF2B5EF4-FFF2-40B4-BE49-F238E27FC236}">
+                <a16:creationId xmlns:a16="http://schemas.microsoft.com/office/drawing/2014/main" id="{DBC62B37-ACD6-506E-2CE0-DCCF176F43C6}"/>
+              </a:ext>
+            </a:extLst>
+          </p:cNvPr>
+          <p:cNvSpPr/>
+          <p:nvPr/>
+        </p:nvSpPr>
+        <p:spPr>
+          <a:xfrm>
+            <a:off x="2538381" y="2602445"/>
+            <a:ext cx="746029" cy="262665"/>
+          </a:xfrm>
+          <a:prstGeom prst="rect">
+            <a:avLst/>
+          </a:prstGeom>
+          <a:solidFill>
+            <a:schemeClr val="bg1">
+              <a:lumMod val="65000"/>
+            </a:schemeClr>
+          </a:solidFill>
+          <a:ln>
+            <a:noFill/>
+          </a:ln>
+          <a:effectLst>
+            <a:outerShdw blurRad="139700" dist="38100" dir="8100000" sx="102000" sy="102000" algn="tr" rotWithShape="0">
+              <a:prstClr val="black">
+                <a:alpha val="20000"/>
+              </a:prstClr>
+            </a:outerShdw>
+          </a:effectLst>
+        </p:spPr>
+        <p:style>
+          <a:lnRef idx="2">
+            <a:schemeClr val="accent1">
+              <a:shade val="50000"/>
+            </a:schemeClr>
+          </a:lnRef>
+          <a:fillRef idx="1">
+            <a:schemeClr val="accent1"/>
+          </a:fillRef>
+          <a:effectRef idx="0">
+            <a:schemeClr val="accent1"/>
+          </a:effectRef>
+          <a:fontRef idx="minor">
+            <a:schemeClr val="lt1"/>
+          </a:fontRef>
+        </p:style>
+        <p:txBody>
+          <a:bodyPr rot="0" spcFirstLastPara="0" vertOverflow="overflow" horzOverflow="overflow" vert="horz" wrap="square" lIns="91440" tIns="45720" rIns="91440" bIns="45720" numCol="1" spcCol="0" rtlCol="0" fromWordArt="0" anchor="ctr" anchorCtr="0" forceAA="0" compatLnSpc="1">
+            <a:prstTxWarp prst="textNoShape">
+              <a:avLst/>
+            </a:prstTxWarp>
+            <a:noAutofit/>
+          </a:bodyPr>
+          <a:lstStyle/>
+          <a:p>
+            <a:pPr algn="ctr"/>
+            <a:endParaRPr kumimoji="1" lang="ja-JP" altLang="en-US"/>
+          </a:p>
+        </p:txBody>
+      </p:sp>
+      <p:sp>
+        <p:nvSpPr>
+          <p:cNvPr id="28" name="正方形/長方形 27">
+            <a:extLst>
+              <a:ext uri="{FF2B5EF4-FFF2-40B4-BE49-F238E27FC236}">
+                <a16:creationId xmlns:a16="http://schemas.microsoft.com/office/drawing/2014/main" id="{51F1BA27-3D31-CF28-BDF9-A7191D34FAF5}"/>
+              </a:ext>
+            </a:extLst>
+          </p:cNvPr>
+          <p:cNvSpPr/>
+          <p:nvPr/>
+        </p:nvSpPr>
+        <p:spPr>
+          <a:xfrm>
+            <a:off x="2538380" y="2912638"/>
+            <a:ext cx="746029" cy="262665"/>
+          </a:xfrm>
+          <a:prstGeom prst="rect">
+            <a:avLst/>
+          </a:prstGeom>
+          <a:solidFill>
+            <a:schemeClr val="bg1">
+              <a:lumMod val="65000"/>
+            </a:schemeClr>
+          </a:solidFill>
+          <a:ln>
+            <a:noFill/>
+          </a:ln>
+          <a:effectLst>
+            <a:outerShdw blurRad="139700" dist="38100" dir="8100000" sx="102000" sy="102000" algn="tr" rotWithShape="0">
+              <a:prstClr val="black">
+                <a:alpha val="20000"/>
+              </a:prstClr>
+            </a:outerShdw>
+          </a:effectLst>
+        </p:spPr>
+        <p:style>
+          <a:lnRef idx="2">
+            <a:schemeClr val="accent1">
+              <a:shade val="50000"/>
+            </a:schemeClr>
+          </a:lnRef>
+          <a:fillRef idx="1">
+            <a:schemeClr val="accent1"/>
+          </a:fillRef>
+          <a:effectRef idx="0">
+            <a:schemeClr val="accent1"/>
+          </a:effectRef>
+          <a:fontRef idx="minor">
+            <a:schemeClr val="lt1"/>
+          </a:fontRef>
+        </p:style>
+        <p:txBody>
+          <a:bodyPr rot="0" spcFirstLastPara="0" vertOverflow="overflow" horzOverflow="overflow" vert="horz" wrap="square" lIns="91440" tIns="45720" rIns="91440" bIns="45720" numCol="1" spcCol="0" rtlCol="0" fromWordArt="0" anchor="ctr" anchorCtr="0" forceAA="0" compatLnSpc="1">
+            <a:prstTxWarp prst="textNoShape">
+              <a:avLst/>
+            </a:prstTxWarp>
+            <a:noAutofit/>
+          </a:bodyPr>
+          <a:lstStyle/>
+          <a:p>
+            <a:pPr algn="ctr"/>
+            <a:endParaRPr kumimoji="1" lang="ja-JP" altLang="en-US"/>
+          </a:p>
+        </p:txBody>
+      </p:sp>
+      <p:sp>
+        <p:nvSpPr>
+          <p:cNvPr id="29" name="正方形/長方形 28">
+            <a:extLst>
+              <a:ext uri="{FF2B5EF4-FFF2-40B4-BE49-F238E27FC236}">
+                <a16:creationId xmlns:a16="http://schemas.microsoft.com/office/drawing/2014/main" id="{1F792AF1-77C9-AC4F-3334-F1C39D9EE33B}"/>
+              </a:ext>
+            </a:extLst>
+          </p:cNvPr>
+          <p:cNvSpPr/>
+          <p:nvPr/>
+        </p:nvSpPr>
+        <p:spPr>
+          <a:xfrm>
+            <a:off x="2543123" y="3222831"/>
+            <a:ext cx="746029" cy="262665"/>
+          </a:xfrm>
+          <a:prstGeom prst="rect">
+            <a:avLst/>
+          </a:prstGeom>
+          <a:solidFill>
+            <a:schemeClr val="bg1">
+              <a:lumMod val="65000"/>
+            </a:schemeClr>
+          </a:solidFill>
+          <a:ln>
+            <a:noFill/>
+          </a:ln>
+          <a:effectLst>
+            <a:outerShdw blurRad="139700" dist="38100" dir="8100000" sx="102000" sy="102000" algn="tr" rotWithShape="0">
+              <a:prstClr val="black">
+                <a:alpha val="20000"/>
+              </a:prstClr>
+            </a:outerShdw>
+          </a:effectLst>
+        </p:spPr>
+        <p:style>
+          <a:lnRef idx="2">
+            <a:schemeClr val="accent1">
+              <a:shade val="50000"/>
+            </a:schemeClr>
+          </a:lnRef>
+          <a:fillRef idx="1">
+            <a:schemeClr val="accent1"/>
+          </a:fillRef>
+          <a:effectRef idx="0">
+            <a:schemeClr val="accent1"/>
+          </a:effectRef>
+          <a:fontRef idx="minor">
+            <a:schemeClr val="lt1"/>
+          </a:fontRef>
+        </p:style>
+        <p:txBody>
+          <a:bodyPr rot="0" spcFirstLastPara="0" vertOverflow="overflow" horzOverflow="overflow" vert="horz" wrap="square" lIns="91440" tIns="45720" rIns="91440" bIns="45720" numCol="1" spcCol="0" rtlCol="0" fromWordArt="0" anchor="ctr" anchorCtr="0" forceAA="0" compatLnSpc="1">
+            <a:prstTxWarp prst="textNoShape">
+              <a:avLst/>
+            </a:prstTxWarp>
+            <a:noAutofit/>
+          </a:bodyPr>
+          <a:lstStyle/>
+          <a:p>
+            <a:pPr algn="ctr"/>
+            <a:endParaRPr kumimoji="1" lang="ja-JP" altLang="en-US"/>
+          </a:p>
+        </p:txBody>
+      </p:sp>
+      <p:sp>
+        <p:nvSpPr>
+          <p:cNvPr id="30" name="正方形/長方形 29">
+            <a:extLst>
+              <a:ext uri="{FF2B5EF4-FFF2-40B4-BE49-F238E27FC236}">
+                <a16:creationId xmlns:a16="http://schemas.microsoft.com/office/drawing/2014/main" id="{A6081E2E-050A-302B-DC7B-8F02E81A5820}"/>
+              </a:ext>
+            </a:extLst>
+          </p:cNvPr>
+          <p:cNvSpPr/>
+          <p:nvPr/>
+        </p:nvSpPr>
+        <p:spPr>
+          <a:xfrm>
+            <a:off x="2536729" y="3534623"/>
+            <a:ext cx="746029" cy="262665"/>
+          </a:xfrm>
+          <a:prstGeom prst="rect">
+            <a:avLst/>
+          </a:prstGeom>
+          <a:solidFill>
+            <a:schemeClr val="bg1">
+              <a:lumMod val="65000"/>
+            </a:schemeClr>
+          </a:solidFill>
+          <a:ln>
+            <a:noFill/>
+          </a:ln>
+          <a:effectLst>
+            <a:outerShdw blurRad="139700" dist="38100" dir="8100000" sx="102000" sy="102000" algn="tr" rotWithShape="0">
+              <a:prstClr val="black">
+                <a:alpha val="20000"/>
+              </a:prstClr>
+            </a:outerShdw>
+          </a:effectLst>
+        </p:spPr>
+        <p:style>
+          <a:lnRef idx="2">
+            <a:schemeClr val="accent1">
+              <a:shade val="50000"/>
+            </a:schemeClr>
+          </a:lnRef>
+          <a:fillRef idx="1">
+            <a:schemeClr val="accent1"/>
+          </a:fillRef>
+          <a:effectRef idx="0">
+            <a:schemeClr val="accent1"/>
+          </a:effectRef>
+          <a:fontRef idx="minor">
+            <a:schemeClr val="lt1"/>
+          </a:fontRef>
+        </p:style>
+        <p:txBody>
+          <a:bodyPr rot="0" spcFirstLastPara="0" vertOverflow="overflow" horzOverflow="overflow" vert="horz" wrap="square" lIns="91440" tIns="45720" rIns="91440" bIns="45720" numCol="1" spcCol="0" rtlCol="0" fromWordArt="0" anchor="ctr" anchorCtr="0" forceAA="0" compatLnSpc="1">
+            <a:prstTxWarp prst="textNoShape">
+              <a:avLst/>
+            </a:prstTxWarp>
+            <a:noAutofit/>
+          </a:bodyPr>
+          <a:lstStyle/>
+          <a:p>
+            <a:pPr algn="ctr"/>
+            <a:endParaRPr kumimoji="1" lang="ja-JP" altLang="en-US"/>
+          </a:p>
+        </p:txBody>
+      </p:sp>
+      <p:sp>
+        <p:nvSpPr>
+          <p:cNvPr id="31" name="正方形/長方形 30">
+            <a:extLst>
+              <a:ext uri="{FF2B5EF4-FFF2-40B4-BE49-F238E27FC236}">
+                <a16:creationId xmlns:a16="http://schemas.microsoft.com/office/drawing/2014/main" id="{F582059B-85BE-DC9A-F1D4-80C79F8AC638}"/>
+              </a:ext>
+            </a:extLst>
+          </p:cNvPr>
+          <p:cNvSpPr/>
+          <p:nvPr/>
+        </p:nvSpPr>
+        <p:spPr>
+          <a:xfrm>
+            <a:off x="2536728" y="3837020"/>
+            <a:ext cx="746029" cy="262665"/>
+          </a:xfrm>
+          <a:prstGeom prst="rect">
+            <a:avLst/>
+          </a:prstGeom>
+          <a:solidFill>
+            <a:schemeClr val="bg1">
+              <a:lumMod val="65000"/>
+            </a:schemeClr>
+          </a:solidFill>
+          <a:ln>
+            <a:noFill/>
+          </a:ln>
+          <a:effectLst>
+            <a:outerShdw blurRad="139700" dist="38100" dir="8100000" sx="102000" sy="102000" algn="tr" rotWithShape="0">
+              <a:prstClr val="black">
+                <a:alpha val="20000"/>
+              </a:prstClr>
+            </a:outerShdw>
+          </a:effectLst>
+        </p:spPr>
+        <p:style>
+          <a:lnRef idx="2">
+            <a:schemeClr val="accent1">
+              <a:shade val="50000"/>
+            </a:schemeClr>
+          </a:lnRef>
+          <a:fillRef idx="1">
+            <a:schemeClr val="accent1"/>
+          </a:fillRef>
+          <a:effectRef idx="0">
+            <a:schemeClr val="accent1"/>
+          </a:effectRef>
+          <a:fontRef idx="minor">
+            <a:schemeClr val="lt1"/>
+          </a:fontRef>
+        </p:style>
+        <p:txBody>
+          <a:bodyPr rot="0" spcFirstLastPara="0" vertOverflow="overflow" horzOverflow="overflow" vert="horz" wrap="square" lIns="91440" tIns="45720" rIns="91440" bIns="45720" numCol="1" spcCol="0" rtlCol="0" fromWordArt="0" anchor="ctr" anchorCtr="0" forceAA="0" compatLnSpc="1">
+            <a:prstTxWarp prst="textNoShape">
+              <a:avLst/>
+            </a:prstTxWarp>
+            <a:noAutofit/>
+          </a:bodyPr>
+          <a:lstStyle/>
+          <a:p>
+            <a:pPr algn="ctr"/>
+            <a:endParaRPr kumimoji="1" lang="ja-JP" altLang="en-US"/>
+          </a:p>
+        </p:txBody>
+      </p:sp>
+      <p:sp>
+        <p:nvSpPr>
+          <p:cNvPr id="32" name="正方形/長方形 31">
+            <a:extLst>
+              <a:ext uri="{FF2B5EF4-FFF2-40B4-BE49-F238E27FC236}">
+                <a16:creationId xmlns:a16="http://schemas.microsoft.com/office/drawing/2014/main" id="{A339C641-BF2B-0656-57AF-66F86D766A93}"/>
+              </a:ext>
+            </a:extLst>
+          </p:cNvPr>
+          <p:cNvSpPr/>
+          <p:nvPr/>
+        </p:nvSpPr>
+        <p:spPr>
+          <a:xfrm>
+            <a:off x="3543757" y="1982059"/>
+            <a:ext cx="746029" cy="262665"/>
+          </a:xfrm>
+          <a:prstGeom prst="rect">
+            <a:avLst/>
+          </a:prstGeom>
+          <a:solidFill>
+            <a:schemeClr val="bg1">
+              <a:lumMod val="65000"/>
+            </a:schemeClr>
+          </a:solidFill>
+          <a:ln>
+            <a:noFill/>
+          </a:ln>
+          <a:effectLst>
+            <a:outerShdw blurRad="139700" dist="38100" dir="8100000" sx="102000" sy="102000" algn="tr" rotWithShape="0">
+              <a:prstClr val="black">
+                <a:alpha val="20000"/>
+              </a:prstClr>
+            </a:outerShdw>
+          </a:effectLst>
+        </p:spPr>
+        <p:style>
+          <a:lnRef idx="2">
+            <a:schemeClr val="accent1">
+              <a:shade val="50000"/>
+            </a:schemeClr>
+          </a:lnRef>
+          <a:fillRef idx="1">
+            <a:schemeClr val="accent1"/>
+          </a:fillRef>
+          <a:effectRef idx="0">
+            <a:schemeClr val="accent1"/>
+          </a:effectRef>
+          <a:fontRef idx="minor">
+            <a:schemeClr val="lt1"/>
+          </a:fontRef>
+        </p:style>
+        <p:txBody>
+          <a:bodyPr rot="0" spcFirstLastPara="0" vertOverflow="overflow" horzOverflow="overflow" vert="horz" wrap="square" lIns="91440" tIns="45720" rIns="91440" bIns="45720" numCol="1" spcCol="0" rtlCol="0" fromWordArt="0" anchor="ctr" anchorCtr="0" forceAA="0" compatLnSpc="1">
+            <a:prstTxWarp prst="textNoShape">
+              <a:avLst/>
+            </a:prstTxWarp>
+            <a:noAutofit/>
+          </a:bodyPr>
+          <a:lstStyle/>
+          <a:p>
+            <a:pPr algn="ctr"/>
+            <a:endParaRPr kumimoji="1" lang="ja-JP" altLang="en-US"/>
+          </a:p>
+        </p:txBody>
+      </p:sp>
+      <p:sp>
+        <p:nvSpPr>
+          <p:cNvPr id="33" name="正方形/長方形 32">
+            <a:extLst>
+              <a:ext uri="{FF2B5EF4-FFF2-40B4-BE49-F238E27FC236}">
+                <a16:creationId xmlns:a16="http://schemas.microsoft.com/office/drawing/2014/main" id="{55F47B05-E0EA-2FB0-185E-8D8C876F34CC}"/>
+              </a:ext>
+            </a:extLst>
+          </p:cNvPr>
+          <p:cNvSpPr/>
+          <p:nvPr/>
+        </p:nvSpPr>
+        <p:spPr>
+          <a:xfrm>
+            <a:off x="3552294" y="2290536"/>
+            <a:ext cx="746029" cy="262665"/>
+          </a:xfrm>
+          <a:prstGeom prst="rect">
+            <a:avLst/>
+          </a:prstGeom>
+          <a:solidFill>
+            <a:schemeClr val="bg1">
+              <a:lumMod val="65000"/>
+            </a:schemeClr>
+          </a:solidFill>
+          <a:ln>
+            <a:noFill/>
+          </a:ln>
+          <a:effectLst>
+            <a:outerShdw blurRad="139700" dist="38100" dir="8100000" sx="102000" sy="102000" algn="tr" rotWithShape="0">
+              <a:prstClr val="black">
+                <a:alpha val="20000"/>
+              </a:prstClr>
+            </a:outerShdw>
+          </a:effectLst>
+        </p:spPr>
+        <p:style>
+          <a:lnRef idx="2">
+            <a:schemeClr val="accent1">
+              <a:shade val="50000"/>
+            </a:schemeClr>
+          </a:lnRef>
+          <a:fillRef idx="1">
+            <a:schemeClr val="accent1"/>
+          </a:fillRef>
+          <a:effectRef idx="0">
+            <a:schemeClr val="accent1"/>
+          </a:effectRef>
+          <a:fontRef idx="minor">
+            <a:schemeClr val="lt1"/>
+          </a:fontRef>
+        </p:style>
+        <p:txBody>
+          <a:bodyPr rot="0" spcFirstLastPara="0" vertOverflow="overflow" horzOverflow="overflow" vert="horz" wrap="square" lIns="91440" tIns="45720" rIns="91440" bIns="45720" numCol="1" spcCol="0" rtlCol="0" fromWordArt="0" anchor="ctr" anchorCtr="0" forceAA="0" compatLnSpc="1">
+            <a:prstTxWarp prst="textNoShape">
+              <a:avLst/>
+            </a:prstTxWarp>
+            <a:noAutofit/>
+          </a:bodyPr>
+          <a:lstStyle/>
+          <a:p>
+            <a:pPr algn="ctr"/>
+            <a:endParaRPr kumimoji="1" lang="ja-JP" altLang="en-US"/>
+          </a:p>
+        </p:txBody>
+      </p:sp>
+      <p:sp>
+        <p:nvSpPr>
+          <p:cNvPr id="34" name="正方形/長方形 33">
+            <a:extLst>
+              <a:ext uri="{FF2B5EF4-FFF2-40B4-BE49-F238E27FC236}">
+                <a16:creationId xmlns:a16="http://schemas.microsoft.com/office/drawing/2014/main" id="{4EAD0E1F-DBD1-B267-2C87-CFD325404EE1}"/>
+              </a:ext>
+            </a:extLst>
+          </p:cNvPr>
+          <p:cNvSpPr/>
+          <p:nvPr/>
+        </p:nvSpPr>
+        <p:spPr>
+          <a:xfrm>
+            <a:off x="3543756" y="2602445"/>
+            <a:ext cx="746029" cy="262665"/>
+          </a:xfrm>
+          <a:prstGeom prst="rect">
+            <a:avLst/>
+          </a:prstGeom>
+          <a:solidFill>
+            <a:schemeClr val="bg1">
+              <a:lumMod val="65000"/>
+            </a:schemeClr>
+          </a:solidFill>
+          <a:ln>
+            <a:noFill/>
+          </a:ln>
+          <a:effectLst>
+            <a:outerShdw blurRad="139700" dist="38100" dir="8100000" sx="102000" sy="102000" algn="tr" rotWithShape="0">
+              <a:prstClr val="black">
+                <a:alpha val="20000"/>
+              </a:prstClr>
+            </a:outerShdw>
+          </a:effectLst>
+        </p:spPr>
+        <p:style>
+          <a:lnRef idx="2">
+            <a:schemeClr val="accent1">
+              <a:shade val="50000"/>
+            </a:schemeClr>
+          </a:lnRef>
+          <a:fillRef idx="1">
+            <a:schemeClr val="accent1"/>
+          </a:fillRef>
+          <a:effectRef idx="0">
+            <a:schemeClr val="accent1"/>
+          </a:effectRef>
+          <a:fontRef idx="minor">
+            <a:schemeClr val="lt1"/>
+          </a:fontRef>
+        </p:style>
+        <p:txBody>
+          <a:bodyPr rot="0" spcFirstLastPara="0" vertOverflow="overflow" horzOverflow="overflow" vert="horz" wrap="square" lIns="91440" tIns="45720" rIns="91440" bIns="45720" numCol="1" spcCol="0" rtlCol="0" fromWordArt="0" anchor="ctr" anchorCtr="0" forceAA="0" compatLnSpc="1">
+            <a:prstTxWarp prst="textNoShape">
+              <a:avLst/>
+            </a:prstTxWarp>
+            <a:noAutofit/>
+          </a:bodyPr>
+          <a:lstStyle/>
+          <a:p>
+            <a:pPr algn="ctr"/>
+            <a:endParaRPr kumimoji="1" lang="ja-JP" altLang="en-US"/>
+          </a:p>
+        </p:txBody>
+      </p:sp>
+      <p:sp>
+        <p:nvSpPr>
+          <p:cNvPr id="35" name="正方形/長方形 34">
+            <a:extLst>
+              <a:ext uri="{FF2B5EF4-FFF2-40B4-BE49-F238E27FC236}">
+                <a16:creationId xmlns:a16="http://schemas.microsoft.com/office/drawing/2014/main" id="{9F3A6D7F-5E78-FF49-0723-0BECB593E23A}"/>
+              </a:ext>
+            </a:extLst>
+          </p:cNvPr>
+          <p:cNvSpPr/>
+          <p:nvPr/>
+        </p:nvSpPr>
+        <p:spPr>
+          <a:xfrm>
+            <a:off x="3543755" y="2912638"/>
+            <a:ext cx="746029" cy="262665"/>
+          </a:xfrm>
+          <a:prstGeom prst="rect">
+            <a:avLst/>
+          </a:prstGeom>
+          <a:solidFill>
+            <a:schemeClr val="bg1">
+              <a:lumMod val="65000"/>
+            </a:schemeClr>
+          </a:solidFill>
+          <a:ln>
+            <a:noFill/>
+          </a:ln>
+          <a:effectLst>
+            <a:outerShdw blurRad="139700" dist="38100" dir="8100000" sx="102000" sy="102000" algn="tr" rotWithShape="0">
+              <a:prstClr val="black">
+                <a:alpha val="20000"/>
+              </a:prstClr>
+            </a:outerShdw>
+          </a:effectLst>
+        </p:spPr>
+        <p:style>
+          <a:lnRef idx="2">
+            <a:schemeClr val="accent1">
+              <a:shade val="50000"/>
+            </a:schemeClr>
+          </a:lnRef>
+          <a:fillRef idx="1">
+            <a:schemeClr val="accent1"/>
+          </a:fillRef>
+          <a:effectRef idx="0">
+            <a:schemeClr val="accent1"/>
+          </a:effectRef>
+          <a:fontRef idx="minor">
+            <a:schemeClr val="lt1"/>
+          </a:fontRef>
+        </p:style>
+        <p:txBody>
+          <a:bodyPr rot="0" spcFirstLastPara="0" vertOverflow="overflow" horzOverflow="overflow" vert="horz" wrap="square" lIns="91440" tIns="45720" rIns="91440" bIns="45720" numCol="1" spcCol="0" rtlCol="0" fromWordArt="0" anchor="ctr" anchorCtr="0" forceAA="0" compatLnSpc="1">
+            <a:prstTxWarp prst="textNoShape">
+              <a:avLst/>
+            </a:prstTxWarp>
+            <a:noAutofit/>
+          </a:bodyPr>
+          <a:lstStyle/>
+          <a:p>
+            <a:pPr algn="ctr"/>
+            <a:endParaRPr kumimoji="1" lang="ja-JP" altLang="en-US"/>
+          </a:p>
+        </p:txBody>
+      </p:sp>
+      <p:sp>
+        <p:nvSpPr>
+          <p:cNvPr id="36" name="正方形/長方形 35">
+            <a:extLst>
+              <a:ext uri="{FF2B5EF4-FFF2-40B4-BE49-F238E27FC236}">
+                <a16:creationId xmlns:a16="http://schemas.microsoft.com/office/drawing/2014/main" id="{C94383EB-64AE-4A6E-BD2F-09B6D26577FD}"/>
+              </a:ext>
+            </a:extLst>
+          </p:cNvPr>
+          <p:cNvSpPr/>
+          <p:nvPr/>
+        </p:nvSpPr>
+        <p:spPr>
+          <a:xfrm>
+            <a:off x="3548498" y="3222831"/>
+            <a:ext cx="746029" cy="262665"/>
+          </a:xfrm>
+          <a:prstGeom prst="rect">
+            <a:avLst/>
+          </a:prstGeom>
+          <a:solidFill>
+            <a:schemeClr val="bg1">
+              <a:lumMod val="65000"/>
+            </a:schemeClr>
+          </a:solidFill>
+          <a:ln>
+            <a:noFill/>
+          </a:ln>
+          <a:effectLst>
+            <a:outerShdw blurRad="139700" dist="38100" dir="8100000" sx="102000" sy="102000" algn="tr" rotWithShape="0">
+              <a:prstClr val="black">
+                <a:alpha val="20000"/>
+              </a:prstClr>
+            </a:outerShdw>
+          </a:effectLst>
+        </p:spPr>
+        <p:style>
+          <a:lnRef idx="2">
+            <a:schemeClr val="accent1">
+              <a:shade val="50000"/>
+            </a:schemeClr>
+          </a:lnRef>
+          <a:fillRef idx="1">
+            <a:schemeClr val="accent1"/>
+          </a:fillRef>
+          <a:effectRef idx="0">
+            <a:schemeClr val="accent1"/>
+          </a:effectRef>
+          <a:fontRef idx="minor">
+            <a:schemeClr val="lt1"/>
+          </a:fontRef>
+        </p:style>
+        <p:txBody>
+          <a:bodyPr rot="0" spcFirstLastPara="0" vertOverflow="overflow" horzOverflow="overflow" vert="horz" wrap="square" lIns="91440" tIns="45720" rIns="91440" bIns="45720" numCol="1" spcCol="0" rtlCol="0" fromWordArt="0" anchor="ctr" anchorCtr="0" forceAA="0" compatLnSpc="1">
+            <a:prstTxWarp prst="textNoShape">
+              <a:avLst/>
+            </a:prstTxWarp>
+            <a:noAutofit/>
+          </a:bodyPr>
+          <a:lstStyle/>
+          <a:p>
+            <a:pPr algn="ctr"/>
+            <a:endParaRPr kumimoji="1" lang="ja-JP" altLang="en-US"/>
+          </a:p>
+        </p:txBody>
+      </p:sp>
+      <p:sp>
+        <p:nvSpPr>
+          <p:cNvPr id="37" name="正方形/長方形 36">
+            <a:extLst>
+              <a:ext uri="{FF2B5EF4-FFF2-40B4-BE49-F238E27FC236}">
+                <a16:creationId xmlns:a16="http://schemas.microsoft.com/office/drawing/2014/main" id="{858780A4-8A58-63B6-7FB5-2AF708A0491F}"/>
+              </a:ext>
+            </a:extLst>
+          </p:cNvPr>
+          <p:cNvSpPr/>
+          <p:nvPr/>
+        </p:nvSpPr>
+        <p:spPr>
+          <a:xfrm>
+            <a:off x="3542104" y="3534623"/>
+            <a:ext cx="746029" cy="262665"/>
+          </a:xfrm>
+          <a:prstGeom prst="rect">
+            <a:avLst/>
+          </a:prstGeom>
+          <a:solidFill>
+            <a:schemeClr val="bg1">
+              <a:lumMod val="65000"/>
+            </a:schemeClr>
+          </a:solidFill>
+          <a:ln>
+            <a:noFill/>
+          </a:ln>
+          <a:effectLst>
+            <a:outerShdw blurRad="139700" dist="38100" dir="8100000" sx="102000" sy="102000" algn="tr" rotWithShape="0">
+              <a:prstClr val="black">
+                <a:alpha val="20000"/>
+              </a:prstClr>
+            </a:outerShdw>
+          </a:effectLst>
+        </p:spPr>
+        <p:style>
+          <a:lnRef idx="2">
+            <a:schemeClr val="accent1">
+              <a:shade val="50000"/>
+            </a:schemeClr>
+          </a:lnRef>
+          <a:fillRef idx="1">
+            <a:schemeClr val="accent1"/>
+          </a:fillRef>
+          <a:effectRef idx="0">
+            <a:schemeClr val="accent1"/>
+          </a:effectRef>
+          <a:fontRef idx="minor">
+            <a:schemeClr val="lt1"/>
+          </a:fontRef>
+        </p:style>
+        <p:txBody>
+          <a:bodyPr rot="0" spcFirstLastPara="0" vertOverflow="overflow" horzOverflow="overflow" vert="horz" wrap="square" lIns="91440" tIns="45720" rIns="91440" bIns="45720" numCol="1" spcCol="0" rtlCol="0" fromWordArt="0" anchor="ctr" anchorCtr="0" forceAA="0" compatLnSpc="1">
+            <a:prstTxWarp prst="textNoShape">
+              <a:avLst/>
+            </a:prstTxWarp>
+            <a:noAutofit/>
+          </a:bodyPr>
+          <a:lstStyle/>
+          <a:p>
+            <a:pPr algn="ctr"/>
+            <a:endParaRPr kumimoji="1" lang="ja-JP" altLang="en-US"/>
+          </a:p>
+        </p:txBody>
+      </p:sp>
+      <p:sp>
+        <p:nvSpPr>
+          <p:cNvPr id="38" name="正方形/長方形 37">
+            <a:extLst>
+              <a:ext uri="{FF2B5EF4-FFF2-40B4-BE49-F238E27FC236}">
+                <a16:creationId xmlns:a16="http://schemas.microsoft.com/office/drawing/2014/main" id="{76408FFD-418C-84CE-6890-56592CEA6FC9}"/>
+              </a:ext>
+            </a:extLst>
+          </p:cNvPr>
+          <p:cNvSpPr/>
+          <p:nvPr/>
+        </p:nvSpPr>
+        <p:spPr>
+          <a:xfrm>
+            <a:off x="3542103" y="3837020"/>
+            <a:ext cx="746029" cy="262665"/>
+          </a:xfrm>
+          <a:prstGeom prst="rect">
+            <a:avLst/>
+          </a:prstGeom>
+          <a:solidFill>
+            <a:schemeClr val="bg1">
+              <a:lumMod val="65000"/>
+            </a:schemeClr>
+          </a:solidFill>
+          <a:ln>
+            <a:noFill/>
+          </a:ln>
+          <a:effectLst>
+            <a:outerShdw blurRad="139700" dist="38100" dir="8100000" sx="102000" sy="102000" algn="tr" rotWithShape="0">
+              <a:prstClr val="black">
+                <a:alpha val="20000"/>
+              </a:prstClr>
+            </a:outerShdw>
+          </a:effectLst>
+        </p:spPr>
+        <p:style>
+          <a:lnRef idx="2">
+            <a:schemeClr val="accent1">
+              <a:shade val="50000"/>
+            </a:schemeClr>
+          </a:lnRef>
+          <a:fillRef idx="1">
+            <a:schemeClr val="accent1"/>
+          </a:fillRef>
+          <a:effectRef idx="0">
+            <a:schemeClr val="accent1"/>
+          </a:effectRef>
+          <a:fontRef idx="minor">
+            <a:schemeClr val="lt1"/>
+          </a:fontRef>
+        </p:style>
+        <p:txBody>
+          <a:bodyPr rot="0" spcFirstLastPara="0" vertOverflow="overflow" horzOverflow="overflow" vert="horz" wrap="square" lIns="91440" tIns="45720" rIns="91440" bIns="45720" numCol="1" spcCol="0" rtlCol="0" fromWordArt="0" anchor="ctr" anchorCtr="0" forceAA="0" compatLnSpc="1">
+            <a:prstTxWarp prst="textNoShape">
+              <a:avLst/>
+            </a:prstTxWarp>
+            <a:noAutofit/>
+          </a:bodyPr>
+          <a:lstStyle/>
+          <a:p>
+            <a:pPr algn="ctr"/>
+            <a:endParaRPr kumimoji="1" lang="ja-JP" altLang="en-US"/>
+          </a:p>
+        </p:txBody>
+      </p:sp>
+      <p:sp>
+        <p:nvSpPr>
+          <p:cNvPr id="39" name="正方形/長方形 38">
+            <a:extLst>
+              <a:ext uri="{FF2B5EF4-FFF2-40B4-BE49-F238E27FC236}">
+                <a16:creationId xmlns:a16="http://schemas.microsoft.com/office/drawing/2014/main" id="{2F3D3181-A5D6-14A5-FBDA-87BA55CD3E86}"/>
+              </a:ext>
+            </a:extLst>
+          </p:cNvPr>
+          <p:cNvSpPr/>
+          <p:nvPr/>
+        </p:nvSpPr>
+        <p:spPr>
+          <a:xfrm>
+            <a:off x="4559324" y="1982059"/>
+            <a:ext cx="746029" cy="262665"/>
+          </a:xfrm>
+          <a:prstGeom prst="rect">
+            <a:avLst/>
+          </a:prstGeom>
+          <a:solidFill>
+            <a:schemeClr val="bg1">
+              <a:lumMod val="65000"/>
+            </a:schemeClr>
+          </a:solidFill>
+          <a:ln>
+            <a:noFill/>
+          </a:ln>
+          <a:effectLst>
+            <a:outerShdw blurRad="139700" dist="38100" dir="8100000" sx="102000" sy="102000" algn="tr" rotWithShape="0">
+              <a:prstClr val="black">
+                <a:alpha val="20000"/>
+              </a:prstClr>
+            </a:outerShdw>
+          </a:effectLst>
+        </p:spPr>
+        <p:style>
+          <a:lnRef idx="2">
+            <a:schemeClr val="accent1">
+              <a:shade val="50000"/>
+            </a:schemeClr>
+          </a:lnRef>
+          <a:fillRef idx="1">
+            <a:schemeClr val="accent1"/>
+          </a:fillRef>
+          <a:effectRef idx="0">
+            <a:schemeClr val="accent1"/>
+          </a:effectRef>
+          <a:fontRef idx="minor">
+            <a:schemeClr val="lt1"/>
+          </a:fontRef>
+        </p:style>
+        <p:txBody>
+          <a:bodyPr rot="0" spcFirstLastPara="0" vertOverflow="overflow" horzOverflow="overflow" vert="horz" wrap="square" lIns="91440" tIns="45720" rIns="91440" bIns="45720" numCol="1" spcCol="0" rtlCol="0" fromWordArt="0" anchor="ctr" anchorCtr="0" forceAA="0" compatLnSpc="1">
+            <a:prstTxWarp prst="textNoShape">
+              <a:avLst/>
+            </a:prstTxWarp>
+            <a:noAutofit/>
+          </a:bodyPr>
+          <a:lstStyle/>
+          <a:p>
+            <a:pPr algn="ctr"/>
+            <a:endParaRPr kumimoji="1" lang="ja-JP" altLang="en-US"/>
+          </a:p>
+        </p:txBody>
+      </p:sp>
+      <p:sp>
+        <p:nvSpPr>
+          <p:cNvPr id="40" name="正方形/長方形 39">
+            <a:extLst>
+              <a:ext uri="{FF2B5EF4-FFF2-40B4-BE49-F238E27FC236}">
+                <a16:creationId xmlns:a16="http://schemas.microsoft.com/office/drawing/2014/main" id="{69DBE02C-74F3-CB52-DBB5-EE731F3A503A}"/>
+              </a:ext>
+            </a:extLst>
+          </p:cNvPr>
+          <p:cNvSpPr/>
+          <p:nvPr/>
+        </p:nvSpPr>
+        <p:spPr>
+          <a:xfrm>
+            <a:off x="4567861" y="2290536"/>
+            <a:ext cx="746029" cy="262665"/>
+          </a:xfrm>
+          <a:prstGeom prst="rect">
+            <a:avLst/>
+          </a:prstGeom>
+          <a:solidFill>
+            <a:schemeClr val="bg1">
+              <a:lumMod val="65000"/>
+            </a:schemeClr>
+          </a:solidFill>
+          <a:ln>
+            <a:noFill/>
+          </a:ln>
+          <a:effectLst>
+            <a:outerShdw blurRad="139700" dist="38100" dir="8100000" sx="102000" sy="102000" algn="tr" rotWithShape="0">
+              <a:prstClr val="black">
+                <a:alpha val="20000"/>
+              </a:prstClr>
+            </a:outerShdw>
+          </a:effectLst>
+        </p:spPr>
+        <p:style>
+          <a:lnRef idx="2">
+            <a:schemeClr val="accent1">
+              <a:shade val="50000"/>
+            </a:schemeClr>
+          </a:lnRef>
+          <a:fillRef idx="1">
+            <a:schemeClr val="accent1"/>
+          </a:fillRef>
+          <a:effectRef idx="0">
+            <a:schemeClr val="accent1"/>
+          </a:effectRef>
+          <a:fontRef idx="minor">
+            <a:schemeClr val="lt1"/>
+          </a:fontRef>
+        </p:style>
+        <p:txBody>
+          <a:bodyPr rot="0" spcFirstLastPara="0" vertOverflow="overflow" horzOverflow="overflow" vert="horz" wrap="square" lIns="91440" tIns="45720" rIns="91440" bIns="45720" numCol="1" spcCol="0" rtlCol="0" fromWordArt="0" anchor="ctr" anchorCtr="0" forceAA="0" compatLnSpc="1">
+            <a:prstTxWarp prst="textNoShape">
+              <a:avLst/>
+            </a:prstTxWarp>
+            <a:noAutofit/>
+          </a:bodyPr>
+          <a:lstStyle/>
+          <a:p>
+            <a:pPr algn="ctr"/>
+            <a:endParaRPr kumimoji="1" lang="ja-JP" altLang="en-US"/>
+          </a:p>
+        </p:txBody>
+      </p:sp>
+      <p:sp>
+        <p:nvSpPr>
+          <p:cNvPr id="41" name="正方形/長方形 40">
+            <a:extLst>
+              <a:ext uri="{FF2B5EF4-FFF2-40B4-BE49-F238E27FC236}">
+                <a16:creationId xmlns:a16="http://schemas.microsoft.com/office/drawing/2014/main" id="{8FD4D32F-624A-D45E-D775-BF7C8C53A326}"/>
+              </a:ext>
+            </a:extLst>
+          </p:cNvPr>
+          <p:cNvSpPr/>
+          <p:nvPr/>
+        </p:nvSpPr>
+        <p:spPr>
+          <a:xfrm>
+            <a:off x="4559323" y="2602445"/>
+            <a:ext cx="746029" cy="262665"/>
+          </a:xfrm>
+          <a:prstGeom prst="rect">
+            <a:avLst/>
+          </a:prstGeom>
+          <a:solidFill>
+            <a:schemeClr val="bg1">
+              <a:lumMod val="65000"/>
+            </a:schemeClr>
+          </a:solidFill>
+          <a:ln>
+            <a:noFill/>
+          </a:ln>
+          <a:effectLst>
+            <a:outerShdw blurRad="139700" dist="38100" dir="8100000" sx="102000" sy="102000" algn="tr" rotWithShape="0">
+              <a:prstClr val="black">
+                <a:alpha val="20000"/>
+              </a:prstClr>
+            </a:outerShdw>
+          </a:effectLst>
+        </p:spPr>
+        <p:style>
+          <a:lnRef idx="2">
+            <a:schemeClr val="accent1">
+              <a:shade val="50000"/>
+            </a:schemeClr>
+          </a:lnRef>
+          <a:fillRef idx="1">
+            <a:schemeClr val="accent1"/>
+          </a:fillRef>
+          <a:effectRef idx="0">
+            <a:schemeClr val="accent1"/>
+          </a:effectRef>
+          <a:fontRef idx="minor">
+            <a:schemeClr val="lt1"/>
+          </a:fontRef>
+        </p:style>
+        <p:txBody>
+          <a:bodyPr rot="0" spcFirstLastPara="0" vertOverflow="overflow" horzOverflow="overflow" vert="horz" wrap="square" lIns="91440" tIns="45720" rIns="91440" bIns="45720" numCol="1" spcCol="0" rtlCol="0" fromWordArt="0" anchor="ctr" anchorCtr="0" forceAA="0" compatLnSpc="1">
+            <a:prstTxWarp prst="textNoShape">
+              <a:avLst/>
+            </a:prstTxWarp>
+            <a:noAutofit/>
+          </a:bodyPr>
+          <a:lstStyle/>
+          <a:p>
+            <a:pPr algn="ctr"/>
+            <a:endParaRPr kumimoji="1" lang="ja-JP" altLang="en-US"/>
+          </a:p>
+        </p:txBody>
+      </p:sp>
+      <p:sp>
+        <p:nvSpPr>
+          <p:cNvPr id="42" name="正方形/長方形 41">
+            <a:extLst>
+              <a:ext uri="{FF2B5EF4-FFF2-40B4-BE49-F238E27FC236}">
+                <a16:creationId xmlns:a16="http://schemas.microsoft.com/office/drawing/2014/main" id="{F8377599-4E81-8BDF-9AAD-9DFCBF955F97}"/>
+              </a:ext>
+            </a:extLst>
+          </p:cNvPr>
+          <p:cNvSpPr/>
+          <p:nvPr/>
+        </p:nvSpPr>
+        <p:spPr>
+          <a:xfrm>
+            <a:off x="4559322" y="2912638"/>
+            <a:ext cx="746029" cy="262665"/>
+          </a:xfrm>
+          <a:prstGeom prst="rect">
+            <a:avLst/>
+          </a:prstGeom>
+          <a:solidFill>
+            <a:schemeClr val="bg1">
+              <a:lumMod val="65000"/>
+            </a:schemeClr>
+          </a:solidFill>
+          <a:ln>
+            <a:noFill/>
+          </a:ln>
+          <a:effectLst>
+            <a:outerShdw blurRad="139700" dist="38100" dir="8100000" sx="102000" sy="102000" algn="tr" rotWithShape="0">
+              <a:prstClr val="black">
+                <a:alpha val="20000"/>
+              </a:prstClr>
+            </a:outerShdw>
+          </a:effectLst>
+        </p:spPr>
+        <p:style>
+          <a:lnRef idx="2">
+            <a:schemeClr val="accent1">
+              <a:shade val="50000"/>
+            </a:schemeClr>
+          </a:lnRef>
+          <a:fillRef idx="1">
+            <a:schemeClr val="accent1"/>
+          </a:fillRef>
+          <a:effectRef idx="0">
+            <a:schemeClr val="accent1"/>
+          </a:effectRef>
+          <a:fontRef idx="minor">
+            <a:schemeClr val="lt1"/>
+          </a:fontRef>
+        </p:style>
+        <p:txBody>
+          <a:bodyPr rot="0" spcFirstLastPara="0" vertOverflow="overflow" horzOverflow="overflow" vert="horz" wrap="square" lIns="91440" tIns="45720" rIns="91440" bIns="45720" numCol="1" spcCol="0" rtlCol="0" fromWordArt="0" anchor="ctr" anchorCtr="0" forceAA="0" compatLnSpc="1">
+            <a:prstTxWarp prst="textNoShape">
+              <a:avLst/>
+            </a:prstTxWarp>
+            <a:noAutofit/>
+          </a:bodyPr>
+          <a:lstStyle/>
+          <a:p>
+            <a:pPr algn="ctr"/>
+            <a:endParaRPr kumimoji="1" lang="ja-JP" altLang="en-US"/>
+          </a:p>
+        </p:txBody>
+      </p:sp>
+      <p:sp>
+        <p:nvSpPr>
+          <p:cNvPr id="43" name="正方形/長方形 42">
+            <a:extLst>
+              <a:ext uri="{FF2B5EF4-FFF2-40B4-BE49-F238E27FC236}">
+                <a16:creationId xmlns:a16="http://schemas.microsoft.com/office/drawing/2014/main" id="{DB67ECB5-479B-DBBA-9B57-BCFB675F0ECA}"/>
+              </a:ext>
+            </a:extLst>
+          </p:cNvPr>
+          <p:cNvSpPr/>
+          <p:nvPr/>
+        </p:nvSpPr>
+        <p:spPr>
+          <a:xfrm>
+            <a:off x="4564065" y="3222831"/>
+            <a:ext cx="746029" cy="262665"/>
+          </a:xfrm>
+          <a:prstGeom prst="rect">
+            <a:avLst/>
+          </a:prstGeom>
+          <a:solidFill>
+            <a:schemeClr val="bg1">
+              <a:lumMod val="65000"/>
+            </a:schemeClr>
+          </a:solidFill>
+          <a:ln>
+            <a:noFill/>
+          </a:ln>
+          <a:effectLst>
+            <a:outerShdw blurRad="139700" dist="38100" dir="8100000" sx="102000" sy="102000" algn="tr" rotWithShape="0">
+              <a:prstClr val="black">
+                <a:alpha val="20000"/>
+              </a:prstClr>
+            </a:outerShdw>
+          </a:effectLst>
+        </p:spPr>
+        <p:style>
+          <a:lnRef idx="2">
+            <a:schemeClr val="accent1">
+              <a:shade val="50000"/>
+            </a:schemeClr>
+          </a:lnRef>
+          <a:fillRef idx="1">
+            <a:schemeClr val="accent1"/>
+          </a:fillRef>
+          <a:effectRef idx="0">
+            <a:schemeClr val="accent1"/>
+          </a:effectRef>
+          <a:fontRef idx="minor">
+            <a:schemeClr val="lt1"/>
+          </a:fontRef>
+        </p:style>
+        <p:txBody>
+          <a:bodyPr rot="0" spcFirstLastPara="0" vertOverflow="overflow" horzOverflow="overflow" vert="horz" wrap="square" lIns="91440" tIns="45720" rIns="91440" bIns="45720" numCol="1" spcCol="0" rtlCol="0" fromWordArt="0" anchor="ctr" anchorCtr="0" forceAA="0" compatLnSpc="1">
+            <a:prstTxWarp prst="textNoShape">
+              <a:avLst/>
+            </a:prstTxWarp>
+            <a:noAutofit/>
+          </a:bodyPr>
+          <a:lstStyle/>
+          <a:p>
+            <a:pPr algn="ctr"/>
+            <a:endParaRPr kumimoji="1" lang="ja-JP" altLang="en-US"/>
+          </a:p>
+        </p:txBody>
+      </p:sp>
+      <p:sp>
+        <p:nvSpPr>
+          <p:cNvPr id="44" name="正方形/長方形 43">
+            <a:extLst>
+              <a:ext uri="{FF2B5EF4-FFF2-40B4-BE49-F238E27FC236}">
+                <a16:creationId xmlns:a16="http://schemas.microsoft.com/office/drawing/2014/main" id="{0683E0D3-2409-4B20-FBC7-D21B261A4910}"/>
+              </a:ext>
+            </a:extLst>
+          </p:cNvPr>
+          <p:cNvSpPr/>
+          <p:nvPr/>
+        </p:nvSpPr>
+        <p:spPr>
+          <a:xfrm>
+            <a:off x="4557671" y="3534623"/>
+            <a:ext cx="746029" cy="262665"/>
+          </a:xfrm>
+          <a:prstGeom prst="rect">
+            <a:avLst/>
+          </a:prstGeom>
+          <a:solidFill>
+            <a:schemeClr val="bg1">
+              <a:lumMod val="65000"/>
+            </a:schemeClr>
+          </a:solidFill>
+          <a:ln>
+            <a:noFill/>
+          </a:ln>
+          <a:effectLst>
+            <a:outerShdw blurRad="139700" dist="38100" dir="8100000" sx="102000" sy="102000" algn="tr" rotWithShape="0">
+              <a:prstClr val="black">
+                <a:alpha val="20000"/>
+              </a:prstClr>
+            </a:outerShdw>
+          </a:effectLst>
+        </p:spPr>
+        <p:style>
+          <a:lnRef idx="2">
+            <a:schemeClr val="accent1">
+              <a:shade val="50000"/>
+            </a:schemeClr>
+          </a:lnRef>
+          <a:fillRef idx="1">
+            <a:schemeClr val="accent1"/>
+          </a:fillRef>
+          <a:effectRef idx="0">
+            <a:schemeClr val="accent1"/>
+          </a:effectRef>
+          <a:fontRef idx="minor">
+            <a:schemeClr val="lt1"/>
+          </a:fontRef>
+        </p:style>
+        <p:txBody>
+          <a:bodyPr rot="0" spcFirstLastPara="0" vertOverflow="overflow" horzOverflow="overflow" vert="horz" wrap="square" lIns="91440" tIns="45720" rIns="91440" bIns="45720" numCol="1" spcCol="0" rtlCol="0" fromWordArt="0" anchor="ctr" anchorCtr="0" forceAA="0" compatLnSpc="1">
+            <a:prstTxWarp prst="textNoShape">
+              <a:avLst/>
+            </a:prstTxWarp>
+            <a:noAutofit/>
+          </a:bodyPr>
+          <a:lstStyle/>
+          <a:p>
+            <a:pPr algn="ctr"/>
+            <a:endParaRPr kumimoji="1" lang="ja-JP" altLang="en-US"/>
+          </a:p>
+        </p:txBody>
+      </p:sp>
+      <p:sp>
+        <p:nvSpPr>
+          <p:cNvPr id="45" name="正方形/長方形 44">
+            <a:extLst>
+              <a:ext uri="{FF2B5EF4-FFF2-40B4-BE49-F238E27FC236}">
+                <a16:creationId xmlns:a16="http://schemas.microsoft.com/office/drawing/2014/main" id="{964613F3-EAB0-3627-75EC-6EA964626731}"/>
+              </a:ext>
+            </a:extLst>
+          </p:cNvPr>
+          <p:cNvSpPr/>
+          <p:nvPr/>
+        </p:nvSpPr>
+        <p:spPr>
+          <a:xfrm>
+            <a:off x="4557670" y="3837020"/>
+            <a:ext cx="746029" cy="262665"/>
+          </a:xfrm>
+          <a:prstGeom prst="rect">
+            <a:avLst/>
+          </a:prstGeom>
+          <a:solidFill>
+            <a:schemeClr val="bg1">
+              <a:lumMod val="65000"/>
+            </a:schemeClr>
+          </a:solidFill>
+          <a:ln>
+            <a:noFill/>
+          </a:ln>
+          <a:effectLst>
+            <a:outerShdw blurRad="139700" dist="38100" dir="8100000" sx="102000" sy="102000" algn="tr" rotWithShape="0">
+              <a:prstClr val="black">
+                <a:alpha val="20000"/>
+              </a:prstClr>
+            </a:outerShdw>
+          </a:effectLst>
+        </p:spPr>
+        <p:style>
+          <a:lnRef idx="2">
+            <a:schemeClr val="accent1">
+              <a:shade val="50000"/>
+            </a:schemeClr>
+          </a:lnRef>
+          <a:fillRef idx="1">
+            <a:schemeClr val="accent1"/>
+          </a:fillRef>
+          <a:effectRef idx="0">
+            <a:schemeClr val="accent1"/>
+          </a:effectRef>
+          <a:fontRef idx="minor">
+            <a:schemeClr val="lt1"/>
+          </a:fontRef>
+        </p:style>
+        <p:txBody>
+          <a:bodyPr rot="0" spcFirstLastPara="0" vertOverflow="overflow" horzOverflow="overflow" vert="horz" wrap="square" lIns="91440" tIns="45720" rIns="91440" bIns="45720" numCol="1" spcCol="0" rtlCol="0" fromWordArt="0" anchor="ctr" anchorCtr="0" forceAA="0" compatLnSpc="1">
+            <a:prstTxWarp prst="textNoShape">
+              <a:avLst/>
+            </a:prstTxWarp>
+            <a:noAutofit/>
+          </a:bodyPr>
+          <a:lstStyle/>
+          <a:p>
+            <a:pPr algn="ctr"/>
+            <a:endParaRPr kumimoji="1" lang="ja-JP" altLang="en-US"/>
+          </a:p>
+        </p:txBody>
+      </p:sp>
+      <p:sp>
+        <p:nvSpPr>
+          <p:cNvPr id="46" name="正方形/長方形 45">
+            <a:extLst>
+              <a:ext uri="{FF2B5EF4-FFF2-40B4-BE49-F238E27FC236}">
+                <a16:creationId xmlns:a16="http://schemas.microsoft.com/office/drawing/2014/main" id="{566B275A-4600-FCB2-7BE2-0F4944FC7D7E}"/>
+              </a:ext>
+            </a:extLst>
+          </p:cNvPr>
+          <p:cNvSpPr/>
+          <p:nvPr/>
+        </p:nvSpPr>
+        <p:spPr>
+          <a:xfrm>
+            <a:off x="5571693" y="1982059"/>
+            <a:ext cx="746029" cy="262665"/>
+          </a:xfrm>
+          <a:prstGeom prst="rect">
+            <a:avLst/>
+          </a:prstGeom>
+          <a:solidFill>
+            <a:schemeClr val="bg1">
+              <a:lumMod val="65000"/>
+            </a:schemeClr>
+          </a:solidFill>
+          <a:ln>
+            <a:noFill/>
+          </a:ln>
+          <a:effectLst>
+            <a:outerShdw blurRad="139700" dist="38100" dir="8100000" sx="102000" sy="102000" algn="tr" rotWithShape="0">
+              <a:prstClr val="black">
+                <a:alpha val="20000"/>
+              </a:prstClr>
+            </a:outerShdw>
+          </a:effectLst>
+        </p:spPr>
+        <p:style>
+          <a:lnRef idx="2">
+            <a:schemeClr val="accent1">
+              <a:shade val="50000"/>
+            </a:schemeClr>
+          </a:lnRef>
+          <a:fillRef idx="1">
+            <a:schemeClr val="accent1"/>
+          </a:fillRef>
+          <a:effectRef idx="0">
+            <a:schemeClr val="accent1"/>
+          </a:effectRef>
+          <a:fontRef idx="minor">
+            <a:schemeClr val="lt1"/>
+          </a:fontRef>
+        </p:style>
+        <p:txBody>
+          <a:bodyPr rot="0" spcFirstLastPara="0" vertOverflow="overflow" horzOverflow="overflow" vert="horz" wrap="square" lIns="91440" tIns="45720" rIns="91440" bIns="45720" numCol="1" spcCol="0" rtlCol="0" fromWordArt="0" anchor="ctr" anchorCtr="0" forceAA="0" compatLnSpc="1">
+            <a:prstTxWarp prst="textNoShape">
+              <a:avLst/>
+            </a:prstTxWarp>
+            <a:noAutofit/>
+          </a:bodyPr>
+          <a:lstStyle/>
+          <a:p>
+            <a:pPr algn="ctr"/>
+            <a:endParaRPr kumimoji="1" lang="ja-JP" altLang="en-US"/>
+          </a:p>
+        </p:txBody>
+      </p:sp>
+      <p:sp>
+        <p:nvSpPr>
+          <p:cNvPr id="47" name="正方形/長方形 46">
+            <a:extLst>
+              <a:ext uri="{FF2B5EF4-FFF2-40B4-BE49-F238E27FC236}">
+                <a16:creationId xmlns:a16="http://schemas.microsoft.com/office/drawing/2014/main" id="{C5EB1CA9-A40F-3535-C889-370653C076D7}"/>
+              </a:ext>
+            </a:extLst>
+          </p:cNvPr>
+          <p:cNvSpPr/>
+          <p:nvPr/>
+        </p:nvSpPr>
+        <p:spPr>
+          <a:xfrm>
+            <a:off x="5580230" y="2290536"/>
+            <a:ext cx="746029" cy="262665"/>
+          </a:xfrm>
+          <a:prstGeom prst="rect">
+            <a:avLst/>
+          </a:prstGeom>
+          <a:solidFill>
+            <a:schemeClr val="bg1">
+              <a:lumMod val="65000"/>
+            </a:schemeClr>
+          </a:solidFill>
+          <a:ln>
+            <a:noFill/>
+          </a:ln>
+          <a:effectLst>
+            <a:outerShdw blurRad="139700" dist="38100" dir="8100000" sx="102000" sy="102000" algn="tr" rotWithShape="0">
+              <a:prstClr val="black">
+                <a:alpha val="20000"/>
+              </a:prstClr>
+            </a:outerShdw>
+          </a:effectLst>
+        </p:spPr>
+        <p:style>
+          <a:lnRef idx="2">
+            <a:schemeClr val="accent1">
+              <a:shade val="50000"/>
+            </a:schemeClr>
+          </a:lnRef>
+          <a:fillRef idx="1">
+            <a:schemeClr val="accent1"/>
+          </a:fillRef>
+          <a:effectRef idx="0">
+            <a:schemeClr val="accent1"/>
+          </a:effectRef>
+          <a:fontRef idx="minor">
+            <a:schemeClr val="lt1"/>
+          </a:fontRef>
+        </p:style>
+        <p:txBody>
+          <a:bodyPr rot="0" spcFirstLastPara="0" vertOverflow="overflow" horzOverflow="overflow" vert="horz" wrap="square" lIns="91440" tIns="45720" rIns="91440" bIns="45720" numCol="1" spcCol="0" rtlCol="0" fromWordArt="0" anchor="ctr" anchorCtr="0" forceAA="0" compatLnSpc="1">
+            <a:prstTxWarp prst="textNoShape">
+              <a:avLst/>
+            </a:prstTxWarp>
+            <a:noAutofit/>
+          </a:bodyPr>
+          <a:lstStyle/>
+          <a:p>
+            <a:pPr algn="ctr"/>
+            <a:endParaRPr kumimoji="1" lang="ja-JP" altLang="en-US"/>
+          </a:p>
+        </p:txBody>
+      </p:sp>
+      <p:sp>
+        <p:nvSpPr>
+          <p:cNvPr id="48" name="正方形/長方形 47">
+            <a:extLst>
+              <a:ext uri="{FF2B5EF4-FFF2-40B4-BE49-F238E27FC236}">
+                <a16:creationId xmlns:a16="http://schemas.microsoft.com/office/drawing/2014/main" id="{C950D6A7-D04A-DCD3-1B81-DAAA40A360E5}"/>
+              </a:ext>
+            </a:extLst>
+          </p:cNvPr>
+          <p:cNvSpPr/>
+          <p:nvPr/>
+        </p:nvSpPr>
+        <p:spPr>
+          <a:xfrm>
+            <a:off x="5571692" y="2602445"/>
+            <a:ext cx="746029" cy="262665"/>
+          </a:xfrm>
+          <a:prstGeom prst="rect">
+            <a:avLst/>
+          </a:prstGeom>
+          <a:solidFill>
+            <a:schemeClr val="bg1">
+              <a:lumMod val="65000"/>
+            </a:schemeClr>
+          </a:solidFill>
+          <a:ln>
+            <a:noFill/>
+          </a:ln>
+          <a:effectLst>
+            <a:outerShdw blurRad="139700" dist="38100" dir="8100000" sx="102000" sy="102000" algn="tr" rotWithShape="0">
+              <a:prstClr val="black">
+                <a:alpha val="20000"/>
+              </a:prstClr>
+            </a:outerShdw>
+          </a:effectLst>
+        </p:spPr>
+        <p:style>
+          <a:lnRef idx="2">
+            <a:schemeClr val="accent1">
+              <a:shade val="50000"/>
+            </a:schemeClr>
+          </a:lnRef>
+          <a:fillRef idx="1">
+            <a:schemeClr val="accent1"/>
+          </a:fillRef>
+          <a:effectRef idx="0">
+            <a:schemeClr val="accent1"/>
+          </a:effectRef>
+          <a:fontRef idx="minor">
+            <a:schemeClr val="lt1"/>
+          </a:fontRef>
+        </p:style>
+        <p:txBody>
+          <a:bodyPr rot="0" spcFirstLastPara="0" vertOverflow="overflow" horzOverflow="overflow" vert="horz" wrap="square" lIns="91440" tIns="45720" rIns="91440" bIns="45720" numCol="1" spcCol="0" rtlCol="0" fromWordArt="0" anchor="ctr" anchorCtr="0" forceAA="0" compatLnSpc="1">
+            <a:prstTxWarp prst="textNoShape">
+              <a:avLst/>
+            </a:prstTxWarp>
+            <a:noAutofit/>
+          </a:bodyPr>
+          <a:lstStyle/>
+          <a:p>
+            <a:pPr algn="ctr"/>
+            <a:endParaRPr kumimoji="1" lang="ja-JP" altLang="en-US"/>
+          </a:p>
+        </p:txBody>
+      </p:sp>
+      <p:sp>
+        <p:nvSpPr>
+          <p:cNvPr id="49" name="正方形/長方形 48">
+            <a:extLst>
+              <a:ext uri="{FF2B5EF4-FFF2-40B4-BE49-F238E27FC236}">
+                <a16:creationId xmlns:a16="http://schemas.microsoft.com/office/drawing/2014/main" id="{B7651B7D-C996-12FD-6754-95877AE7A94E}"/>
+              </a:ext>
+            </a:extLst>
+          </p:cNvPr>
+          <p:cNvSpPr/>
+          <p:nvPr/>
+        </p:nvSpPr>
+        <p:spPr>
+          <a:xfrm>
+            <a:off x="5571691" y="2912638"/>
+            <a:ext cx="746029" cy="262665"/>
+          </a:xfrm>
+          <a:prstGeom prst="rect">
+            <a:avLst/>
+          </a:prstGeom>
+          <a:solidFill>
+            <a:schemeClr val="bg1">
+              <a:lumMod val="65000"/>
+            </a:schemeClr>
+          </a:solidFill>
+          <a:ln>
+            <a:noFill/>
+          </a:ln>
+          <a:effectLst>
+            <a:outerShdw blurRad="139700" dist="38100" dir="8100000" sx="102000" sy="102000" algn="tr" rotWithShape="0">
+              <a:prstClr val="black">
+                <a:alpha val="20000"/>
+              </a:prstClr>
+            </a:outerShdw>
+          </a:effectLst>
+        </p:spPr>
+        <p:style>
+          <a:lnRef idx="2">
+            <a:schemeClr val="accent1">
+              <a:shade val="50000"/>
+            </a:schemeClr>
+          </a:lnRef>
+          <a:fillRef idx="1">
+            <a:schemeClr val="accent1"/>
+          </a:fillRef>
+          <a:effectRef idx="0">
+            <a:schemeClr val="accent1"/>
+          </a:effectRef>
+          <a:fontRef idx="minor">
+            <a:schemeClr val="lt1"/>
+          </a:fontRef>
+        </p:style>
+        <p:txBody>
+          <a:bodyPr rot="0" spcFirstLastPara="0" vertOverflow="overflow" horzOverflow="overflow" vert="horz" wrap="square" lIns="91440" tIns="45720" rIns="91440" bIns="45720" numCol="1" spcCol="0" rtlCol="0" fromWordArt="0" anchor="ctr" anchorCtr="0" forceAA="0" compatLnSpc="1">
+            <a:prstTxWarp prst="textNoShape">
+              <a:avLst/>
+            </a:prstTxWarp>
+            <a:noAutofit/>
+          </a:bodyPr>
+          <a:lstStyle/>
+          <a:p>
+            <a:pPr algn="ctr"/>
+            <a:endParaRPr kumimoji="1" lang="ja-JP" altLang="en-US"/>
+          </a:p>
+        </p:txBody>
+      </p:sp>
+      <p:sp>
+        <p:nvSpPr>
+          <p:cNvPr id="50" name="正方形/長方形 49">
+            <a:extLst>
+              <a:ext uri="{FF2B5EF4-FFF2-40B4-BE49-F238E27FC236}">
+                <a16:creationId xmlns:a16="http://schemas.microsoft.com/office/drawing/2014/main" id="{5CC9BD64-5037-EBE2-B341-7F143D22B235}"/>
+              </a:ext>
+            </a:extLst>
+          </p:cNvPr>
+          <p:cNvSpPr/>
+          <p:nvPr/>
+        </p:nvSpPr>
+        <p:spPr>
+          <a:xfrm>
+            <a:off x="5576434" y="3222831"/>
+            <a:ext cx="746029" cy="262665"/>
+          </a:xfrm>
+          <a:prstGeom prst="rect">
+            <a:avLst/>
+          </a:prstGeom>
+          <a:solidFill>
+            <a:schemeClr val="bg1">
+              <a:lumMod val="65000"/>
+            </a:schemeClr>
+          </a:solidFill>
+          <a:ln>
+            <a:noFill/>
+          </a:ln>
+          <a:effectLst>
+            <a:outerShdw blurRad="139700" dist="38100" dir="8100000" sx="102000" sy="102000" algn="tr" rotWithShape="0">
+              <a:prstClr val="black">
+                <a:alpha val="20000"/>
+              </a:prstClr>
+            </a:outerShdw>
+          </a:effectLst>
+        </p:spPr>
+        <p:style>
+          <a:lnRef idx="2">
+            <a:schemeClr val="accent1">
+              <a:shade val="50000"/>
+            </a:schemeClr>
+          </a:lnRef>
+          <a:fillRef idx="1">
+            <a:schemeClr val="accent1"/>
+          </a:fillRef>
+          <a:effectRef idx="0">
+            <a:schemeClr val="accent1"/>
+          </a:effectRef>
+          <a:fontRef idx="minor">
+            <a:schemeClr val="lt1"/>
+          </a:fontRef>
+        </p:style>
+        <p:txBody>
+          <a:bodyPr rot="0" spcFirstLastPara="0" vertOverflow="overflow" horzOverflow="overflow" vert="horz" wrap="square" lIns="91440" tIns="45720" rIns="91440" bIns="45720" numCol="1" spcCol="0" rtlCol="0" fromWordArt="0" anchor="ctr" anchorCtr="0" forceAA="0" compatLnSpc="1">
+            <a:prstTxWarp prst="textNoShape">
+              <a:avLst/>
+            </a:prstTxWarp>
+            <a:noAutofit/>
+          </a:bodyPr>
+          <a:lstStyle/>
+          <a:p>
+            <a:pPr algn="ctr"/>
+            <a:endParaRPr kumimoji="1" lang="ja-JP" altLang="en-US"/>
+          </a:p>
+        </p:txBody>
+      </p:sp>
+      <p:sp>
+        <p:nvSpPr>
+          <p:cNvPr id="51" name="正方形/長方形 50">
+            <a:extLst>
+              <a:ext uri="{FF2B5EF4-FFF2-40B4-BE49-F238E27FC236}">
+                <a16:creationId xmlns:a16="http://schemas.microsoft.com/office/drawing/2014/main" id="{FDCB4468-8A70-D944-74EF-07635490B981}"/>
+              </a:ext>
+            </a:extLst>
+          </p:cNvPr>
+          <p:cNvSpPr/>
+          <p:nvPr/>
+        </p:nvSpPr>
+        <p:spPr>
+          <a:xfrm>
+            <a:off x="5570040" y="3534623"/>
+            <a:ext cx="746029" cy="262665"/>
+          </a:xfrm>
+          <a:prstGeom prst="rect">
+            <a:avLst/>
+          </a:prstGeom>
+          <a:solidFill>
+            <a:schemeClr val="bg1">
+              <a:lumMod val="65000"/>
+            </a:schemeClr>
+          </a:solidFill>
+          <a:ln>
+            <a:noFill/>
+          </a:ln>
+          <a:effectLst>
+            <a:outerShdw blurRad="139700" dist="38100" dir="8100000" sx="102000" sy="102000" algn="tr" rotWithShape="0">
+              <a:prstClr val="black">
+                <a:alpha val="20000"/>
+              </a:prstClr>
+            </a:outerShdw>
+          </a:effectLst>
+        </p:spPr>
+        <p:style>
+          <a:lnRef idx="2">
+            <a:schemeClr val="accent1">
+              <a:shade val="50000"/>
+            </a:schemeClr>
+          </a:lnRef>
+          <a:fillRef idx="1">
+            <a:schemeClr val="accent1"/>
+          </a:fillRef>
+          <a:effectRef idx="0">
+            <a:schemeClr val="accent1"/>
+          </a:effectRef>
+          <a:fontRef idx="minor">
+            <a:schemeClr val="lt1"/>
+          </a:fontRef>
+        </p:style>
+        <p:txBody>
+          <a:bodyPr rot="0" spcFirstLastPara="0" vertOverflow="overflow" horzOverflow="overflow" vert="horz" wrap="square" lIns="91440" tIns="45720" rIns="91440" bIns="45720" numCol="1" spcCol="0" rtlCol="0" fromWordArt="0" anchor="ctr" anchorCtr="0" forceAA="0" compatLnSpc="1">
+            <a:prstTxWarp prst="textNoShape">
+              <a:avLst/>
+            </a:prstTxWarp>
+            <a:noAutofit/>
+          </a:bodyPr>
+          <a:lstStyle/>
+          <a:p>
+            <a:pPr algn="ctr"/>
+            <a:endParaRPr kumimoji="1" lang="ja-JP" altLang="en-US"/>
+          </a:p>
+        </p:txBody>
+      </p:sp>
+      <p:sp>
+        <p:nvSpPr>
+          <p:cNvPr id="52" name="正方形/長方形 51">
+            <a:extLst>
+              <a:ext uri="{FF2B5EF4-FFF2-40B4-BE49-F238E27FC236}">
+                <a16:creationId xmlns:a16="http://schemas.microsoft.com/office/drawing/2014/main" id="{C1B4650F-3529-4BB0-577D-0BE808146FC9}"/>
+              </a:ext>
+            </a:extLst>
+          </p:cNvPr>
+          <p:cNvSpPr/>
+          <p:nvPr/>
+        </p:nvSpPr>
+        <p:spPr>
+          <a:xfrm>
+            <a:off x="5570039" y="3837020"/>
+            <a:ext cx="746029" cy="262665"/>
+          </a:xfrm>
+          <a:prstGeom prst="rect">
+            <a:avLst/>
+          </a:prstGeom>
+          <a:solidFill>
+            <a:schemeClr val="bg1">
+              <a:lumMod val="65000"/>
+            </a:schemeClr>
+          </a:solidFill>
+          <a:ln>
+            <a:noFill/>
+          </a:ln>
+          <a:effectLst>
+            <a:outerShdw blurRad="139700" dist="38100" dir="8100000" sx="102000" sy="102000" algn="tr" rotWithShape="0">
+              <a:prstClr val="black">
+                <a:alpha val="20000"/>
+              </a:prstClr>
+            </a:outerShdw>
+          </a:effectLst>
+        </p:spPr>
+        <p:style>
+          <a:lnRef idx="2">
+            <a:schemeClr val="accent1">
+              <a:shade val="50000"/>
+            </a:schemeClr>
+          </a:lnRef>
+          <a:fillRef idx="1">
+            <a:schemeClr val="accent1"/>
+          </a:fillRef>
+          <a:effectRef idx="0">
+            <a:schemeClr val="accent1"/>
+          </a:effectRef>
+          <a:fontRef idx="minor">
+            <a:schemeClr val="lt1"/>
+          </a:fontRef>
+        </p:style>
+        <p:txBody>
+          <a:bodyPr rot="0" spcFirstLastPara="0" vertOverflow="overflow" horzOverflow="overflow" vert="horz" wrap="square" lIns="91440" tIns="45720" rIns="91440" bIns="45720" numCol="1" spcCol="0" rtlCol="0" fromWordArt="0" anchor="ctr" anchorCtr="0" forceAA="0" compatLnSpc="1">
+            <a:prstTxWarp prst="textNoShape">
+              <a:avLst/>
+            </a:prstTxWarp>
+            <a:noAutofit/>
+          </a:bodyPr>
+          <a:lstStyle/>
+          <a:p>
+            <a:pPr algn="ctr"/>
+            <a:endParaRPr kumimoji="1" lang="ja-JP" altLang="en-US"/>
+          </a:p>
+        </p:txBody>
+      </p:sp>
+      <p:sp>
+        <p:nvSpPr>
+          <p:cNvPr id="53" name="正方形/長方形 52">
+            <a:extLst>
+              <a:ext uri="{FF2B5EF4-FFF2-40B4-BE49-F238E27FC236}">
+                <a16:creationId xmlns:a16="http://schemas.microsoft.com/office/drawing/2014/main" id="{1D48A3E8-7C90-3D54-209B-9008CE0F5120}"/>
+              </a:ext>
+            </a:extLst>
+          </p:cNvPr>
+          <p:cNvSpPr/>
+          <p:nvPr/>
+        </p:nvSpPr>
+        <p:spPr>
+          <a:xfrm>
+            <a:off x="6588803" y="1982059"/>
+            <a:ext cx="746029" cy="262665"/>
+          </a:xfrm>
+          <a:prstGeom prst="rect">
+            <a:avLst/>
+          </a:prstGeom>
+          <a:solidFill>
+            <a:schemeClr val="bg1">
+              <a:lumMod val="65000"/>
+            </a:schemeClr>
+          </a:solidFill>
+          <a:ln>
+            <a:noFill/>
+          </a:ln>
+          <a:effectLst>
+            <a:outerShdw blurRad="139700" dist="38100" dir="8100000" sx="102000" sy="102000" algn="tr" rotWithShape="0">
+              <a:prstClr val="black">
+                <a:alpha val="20000"/>
+              </a:prstClr>
+            </a:outerShdw>
+          </a:effectLst>
+        </p:spPr>
+        <p:style>
+          <a:lnRef idx="2">
+            <a:schemeClr val="accent1">
+              <a:shade val="50000"/>
+            </a:schemeClr>
+          </a:lnRef>
+          <a:fillRef idx="1">
+            <a:schemeClr val="accent1"/>
+          </a:fillRef>
+          <a:effectRef idx="0">
+            <a:schemeClr val="accent1"/>
+          </a:effectRef>
+          <a:fontRef idx="minor">
+            <a:schemeClr val="lt1"/>
+          </a:fontRef>
+        </p:style>
+        <p:txBody>
+          <a:bodyPr rot="0" spcFirstLastPara="0" vertOverflow="overflow" horzOverflow="overflow" vert="horz" wrap="square" lIns="91440" tIns="45720" rIns="91440" bIns="45720" numCol="1" spcCol="0" rtlCol="0" fromWordArt="0" anchor="ctr" anchorCtr="0" forceAA="0" compatLnSpc="1">
+            <a:prstTxWarp prst="textNoShape">
+              <a:avLst/>
+            </a:prstTxWarp>
+            <a:noAutofit/>
+          </a:bodyPr>
+          <a:lstStyle/>
+          <a:p>
+            <a:pPr algn="ctr"/>
+            <a:endParaRPr kumimoji="1" lang="ja-JP" altLang="en-US"/>
+          </a:p>
+        </p:txBody>
+      </p:sp>
+      <p:sp>
+        <p:nvSpPr>
+          <p:cNvPr id="54" name="正方形/長方形 53">
+            <a:extLst>
+              <a:ext uri="{FF2B5EF4-FFF2-40B4-BE49-F238E27FC236}">
+                <a16:creationId xmlns:a16="http://schemas.microsoft.com/office/drawing/2014/main" id="{36E23B9C-6459-4F3E-4BE6-35C3D735AB92}"/>
+              </a:ext>
+            </a:extLst>
+          </p:cNvPr>
+          <p:cNvSpPr/>
+          <p:nvPr/>
+        </p:nvSpPr>
+        <p:spPr>
+          <a:xfrm>
+            <a:off x="6597340" y="2290536"/>
+            <a:ext cx="746029" cy="262665"/>
+          </a:xfrm>
+          <a:prstGeom prst="rect">
+            <a:avLst/>
+          </a:prstGeom>
+          <a:solidFill>
+            <a:schemeClr val="bg1">
+              <a:lumMod val="65000"/>
+            </a:schemeClr>
+          </a:solidFill>
+          <a:ln>
+            <a:noFill/>
+          </a:ln>
+          <a:effectLst>
+            <a:outerShdw blurRad="139700" dist="38100" dir="8100000" sx="102000" sy="102000" algn="tr" rotWithShape="0">
+              <a:prstClr val="black">
+                <a:alpha val="20000"/>
+              </a:prstClr>
+            </a:outerShdw>
+          </a:effectLst>
+        </p:spPr>
+        <p:style>
+          <a:lnRef idx="2">
+            <a:schemeClr val="accent1">
+              <a:shade val="50000"/>
+            </a:schemeClr>
+          </a:lnRef>
+          <a:fillRef idx="1">
+            <a:schemeClr val="accent1"/>
+          </a:fillRef>
+          <a:effectRef idx="0">
+            <a:schemeClr val="accent1"/>
+          </a:effectRef>
+          <a:fontRef idx="minor">
+            <a:schemeClr val="lt1"/>
+          </a:fontRef>
+        </p:style>
+        <p:txBody>
+          <a:bodyPr rot="0" spcFirstLastPara="0" vertOverflow="overflow" horzOverflow="overflow" vert="horz" wrap="square" lIns="91440" tIns="45720" rIns="91440" bIns="45720" numCol="1" spcCol="0" rtlCol="0" fromWordArt="0" anchor="ctr" anchorCtr="0" forceAA="0" compatLnSpc="1">
+            <a:prstTxWarp prst="textNoShape">
+              <a:avLst/>
+            </a:prstTxWarp>
+            <a:noAutofit/>
+          </a:bodyPr>
+          <a:lstStyle/>
+          <a:p>
+            <a:pPr algn="ctr"/>
+            <a:endParaRPr kumimoji="1" lang="ja-JP" altLang="en-US"/>
+          </a:p>
+        </p:txBody>
+      </p:sp>
+      <p:sp>
+        <p:nvSpPr>
+          <p:cNvPr id="55" name="正方形/長方形 54">
+            <a:extLst>
+              <a:ext uri="{FF2B5EF4-FFF2-40B4-BE49-F238E27FC236}">
+                <a16:creationId xmlns:a16="http://schemas.microsoft.com/office/drawing/2014/main" id="{D3EE55A3-F776-7FFC-A5FE-B5C61B31C4F4}"/>
+              </a:ext>
+            </a:extLst>
+          </p:cNvPr>
+          <p:cNvSpPr/>
+          <p:nvPr/>
+        </p:nvSpPr>
+        <p:spPr>
+          <a:xfrm>
+            <a:off x="6588802" y="2602445"/>
+            <a:ext cx="746029" cy="262665"/>
+          </a:xfrm>
+          <a:prstGeom prst="rect">
+            <a:avLst/>
+          </a:prstGeom>
+          <a:solidFill>
+            <a:schemeClr val="bg1">
+              <a:lumMod val="65000"/>
+            </a:schemeClr>
+          </a:solidFill>
+          <a:ln>
+            <a:noFill/>
+          </a:ln>
+          <a:effectLst>
+            <a:outerShdw blurRad="139700" dist="38100" dir="8100000" sx="102000" sy="102000" algn="tr" rotWithShape="0">
+              <a:prstClr val="black">
+                <a:alpha val="20000"/>
+              </a:prstClr>
+            </a:outerShdw>
+          </a:effectLst>
+        </p:spPr>
+        <p:style>
+          <a:lnRef idx="2">
+            <a:schemeClr val="accent1">
+              <a:shade val="50000"/>
+            </a:schemeClr>
+          </a:lnRef>
+          <a:fillRef idx="1">
+            <a:schemeClr val="accent1"/>
+          </a:fillRef>
+          <a:effectRef idx="0">
+            <a:schemeClr val="accent1"/>
+          </a:effectRef>
+          <a:fontRef idx="minor">
+            <a:schemeClr val="lt1"/>
+          </a:fontRef>
+        </p:style>
+        <p:txBody>
+          <a:bodyPr rot="0" spcFirstLastPara="0" vertOverflow="overflow" horzOverflow="overflow" vert="horz" wrap="square" lIns="91440" tIns="45720" rIns="91440" bIns="45720" numCol="1" spcCol="0" rtlCol="0" fromWordArt="0" anchor="ctr" anchorCtr="0" forceAA="0" compatLnSpc="1">
+            <a:prstTxWarp prst="textNoShape">
+              <a:avLst/>
+            </a:prstTxWarp>
+            <a:noAutofit/>
+          </a:bodyPr>
+          <a:lstStyle/>
+          <a:p>
+            <a:pPr algn="ctr"/>
+            <a:endParaRPr kumimoji="1" lang="ja-JP" altLang="en-US"/>
+          </a:p>
+        </p:txBody>
+      </p:sp>
+      <p:sp>
+        <p:nvSpPr>
+          <p:cNvPr id="56" name="正方形/長方形 55">
+            <a:extLst>
+              <a:ext uri="{FF2B5EF4-FFF2-40B4-BE49-F238E27FC236}">
+                <a16:creationId xmlns:a16="http://schemas.microsoft.com/office/drawing/2014/main" id="{D8D89592-91E8-0FFF-792E-C7FB328A2EF2}"/>
+              </a:ext>
+            </a:extLst>
+          </p:cNvPr>
+          <p:cNvSpPr/>
+          <p:nvPr/>
+        </p:nvSpPr>
+        <p:spPr>
+          <a:xfrm>
+            <a:off x="6588801" y="2912638"/>
+            <a:ext cx="746029" cy="262665"/>
+          </a:xfrm>
+          <a:prstGeom prst="rect">
+            <a:avLst/>
+          </a:prstGeom>
+          <a:solidFill>
+            <a:schemeClr val="bg1">
+              <a:lumMod val="65000"/>
+            </a:schemeClr>
+          </a:solidFill>
+          <a:ln>
+            <a:noFill/>
+          </a:ln>
+          <a:effectLst>
+            <a:outerShdw blurRad="139700" dist="38100" dir="8100000" sx="102000" sy="102000" algn="tr" rotWithShape="0">
+              <a:prstClr val="black">
+                <a:alpha val="20000"/>
+              </a:prstClr>
+            </a:outerShdw>
+          </a:effectLst>
+        </p:spPr>
+        <p:style>
+          <a:lnRef idx="2">
+            <a:schemeClr val="accent1">
+              <a:shade val="50000"/>
+            </a:schemeClr>
+          </a:lnRef>
+          <a:fillRef idx="1">
+            <a:schemeClr val="accent1"/>
+          </a:fillRef>
+          <a:effectRef idx="0">
+            <a:schemeClr val="accent1"/>
+          </a:effectRef>
+          <a:fontRef idx="minor">
+            <a:schemeClr val="lt1"/>
+          </a:fontRef>
+        </p:style>
+        <p:txBody>
+          <a:bodyPr rot="0" spcFirstLastPara="0" vertOverflow="overflow" horzOverflow="overflow" vert="horz" wrap="square" lIns="91440" tIns="45720" rIns="91440" bIns="45720" numCol="1" spcCol="0" rtlCol="0" fromWordArt="0" anchor="ctr" anchorCtr="0" forceAA="0" compatLnSpc="1">
+            <a:prstTxWarp prst="textNoShape">
+              <a:avLst/>
+            </a:prstTxWarp>
+            <a:noAutofit/>
+          </a:bodyPr>
+          <a:lstStyle/>
+          <a:p>
+            <a:pPr algn="ctr"/>
+            <a:endParaRPr kumimoji="1" lang="ja-JP" altLang="en-US"/>
+          </a:p>
+        </p:txBody>
+      </p:sp>
+      <p:sp>
+        <p:nvSpPr>
+          <p:cNvPr id="57" name="正方形/長方形 56">
+            <a:extLst>
+              <a:ext uri="{FF2B5EF4-FFF2-40B4-BE49-F238E27FC236}">
+                <a16:creationId xmlns:a16="http://schemas.microsoft.com/office/drawing/2014/main" id="{38DA1CC0-5001-ECAC-6930-52381725FAE6}"/>
+              </a:ext>
+            </a:extLst>
+          </p:cNvPr>
+          <p:cNvSpPr/>
+          <p:nvPr/>
+        </p:nvSpPr>
+        <p:spPr>
+          <a:xfrm>
+            <a:off x="6593544" y="3222831"/>
+            <a:ext cx="746029" cy="262665"/>
+          </a:xfrm>
+          <a:prstGeom prst="rect">
+            <a:avLst/>
+          </a:prstGeom>
+          <a:solidFill>
+            <a:schemeClr val="bg1">
+              <a:lumMod val="65000"/>
+            </a:schemeClr>
+          </a:solidFill>
+          <a:ln>
+            <a:noFill/>
+          </a:ln>
+          <a:effectLst>
+            <a:outerShdw blurRad="139700" dist="38100" dir="8100000" sx="102000" sy="102000" algn="tr" rotWithShape="0">
+              <a:prstClr val="black">
+                <a:alpha val="20000"/>
+              </a:prstClr>
+            </a:outerShdw>
+          </a:effectLst>
+        </p:spPr>
+        <p:style>
+          <a:lnRef idx="2">
+            <a:schemeClr val="accent1">
+              <a:shade val="50000"/>
+            </a:schemeClr>
+          </a:lnRef>
+          <a:fillRef idx="1">
+            <a:schemeClr val="accent1"/>
+          </a:fillRef>
+          <a:effectRef idx="0">
+            <a:schemeClr val="accent1"/>
+          </a:effectRef>
+          <a:fontRef idx="minor">
+            <a:schemeClr val="lt1"/>
+          </a:fontRef>
+        </p:style>
+        <p:txBody>
+          <a:bodyPr rot="0" spcFirstLastPara="0" vertOverflow="overflow" horzOverflow="overflow" vert="horz" wrap="square" lIns="91440" tIns="45720" rIns="91440" bIns="45720" numCol="1" spcCol="0" rtlCol="0" fromWordArt="0" anchor="ctr" anchorCtr="0" forceAA="0" compatLnSpc="1">
+            <a:prstTxWarp prst="textNoShape">
+              <a:avLst/>
+            </a:prstTxWarp>
+            <a:noAutofit/>
+          </a:bodyPr>
+          <a:lstStyle/>
+          <a:p>
+            <a:pPr algn="ctr"/>
+            <a:endParaRPr kumimoji="1" lang="ja-JP" altLang="en-US"/>
+          </a:p>
+        </p:txBody>
+      </p:sp>
+      <p:sp>
+        <p:nvSpPr>
+          <p:cNvPr id="58" name="正方形/長方形 57">
+            <a:extLst>
+              <a:ext uri="{FF2B5EF4-FFF2-40B4-BE49-F238E27FC236}">
+                <a16:creationId xmlns:a16="http://schemas.microsoft.com/office/drawing/2014/main" id="{568AEBE9-E0C5-9850-845D-DC3A6E095493}"/>
+              </a:ext>
+            </a:extLst>
+          </p:cNvPr>
+          <p:cNvSpPr/>
+          <p:nvPr/>
+        </p:nvSpPr>
+        <p:spPr>
+          <a:xfrm>
+            <a:off x="6587150" y="3534623"/>
+            <a:ext cx="746029" cy="262665"/>
+          </a:xfrm>
+          <a:prstGeom prst="rect">
+            <a:avLst/>
+          </a:prstGeom>
+          <a:solidFill>
+            <a:schemeClr val="bg1">
+              <a:lumMod val="65000"/>
+            </a:schemeClr>
+          </a:solidFill>
+          <a:ln>
+            <a:noFill/>
+          </a:ln>
+          <a:effectLst>
+            <a:outerShdw blurRad="139700" dist="38100" dir="8100000" sx="102000" sy="102000" algn="tr" rotWithShape="0">
+              <a:prstClr val="black">
+                <a:alpha val="20000"/>
+              </a:prstClr>
+            </a:outerShdw>
+          </a:effectLst>
+        </p:spPr>
+        <p:style>
+          <a:lnRef idx="2">
+            <a:schemeClr val="accent1">
+              <a:shade val="50000"/>
+            </a:schemeClr>
+          </a:lnRef>
+          <a:fillRef idx="1">
+            <a:schemeClr val="accent1"/>
+          </a:fillRef>
+          <a:effectRef idx="0">
+            <a:schemeClr val="accent1"/>
+          </a:effectRef>
+          <a:fontRef idx="minor">
+            <a:schemeClr val="lt1"/>
+          </a:fontRef>
+        </p:style>
+        <p:txBody>
+          <a:bodyPr rot="0" spcFirstLastPara="0" vertOverflow="overflow" horzOverflow="overflow" vert="horz" wrap="square" lIns="91440" tIns="45720" rIns="91440" bIns="45720" numCol="1" spcCol="0" rtlCol="0" fromWordArt="0" anchor="ctr" anchorCtr="0" forceAA="0" compatLnSpc="1">
+            <a:prstTxWarp prst="textNoShape">
+              <a:avLst/>
+            </a:prstTxWarp>
+            <a:noAutofit/>
+          </a:bodyPr>
+          <a:lstStyle/>
+          <a:p>
+            <a:pPr algn="ctr"/>
+            <a:endParaRPr kumimoji="1" lang="ja-JP" altLang="en-US"/>
+          </a:p>
+        </p:txBody>
+      </p:sp>
+      <p:sp>
+        <p:nvSpPr>
+          <p:cNvPr id="59" name="正方形/長方形 58">
+            <a:extLst>
+              <a:ext uri="{FF2B5EF4-FFF2-40B4-BE49-F238E27FC236}">
+                <a16:creationId xmlns:a16="http://schemas.microsoft.com/office/drawing/2014/main" id="{227A8E19-39B4-9123-BC47-80481A402BAB}"/>
+              </a:ext>
+            </a:extLst>
+          </p:cNvPr>
+          <p:cNvSpPr/>
+          <p:nvPr/>
+        </p:nvSpPr>
+        <p:spPr>
+          <a:xfrm>
+            <a:off x="6587149" y="3837020"/>
+            <a:ext cx="746029" cy="262665"/>
+          </a:xfrm>
+          <a:prstGeom prst="rect">
+            <a:avLst/>
+          </a:prstGeom>
+          <a:solidFill>
+            <a:schemeClr val="bg1">
+              <a:lumMod val="65000"/>
+            </a:schemeClr>
+          </a:solidFill>
+          <a:ln>
+            <a:noFill/>
+          </a:ln>
+          <a:effectLst>
+            <a:outerShdw blurRad="139700" dist="38100" dir="8100000" sx="102000" sy="102000" algn="tr" rotWithShape="0">
+              <a:prstClr val="black">
+                <a:alpha val="20000"/>
+              </a:prstClr>
+            </a:outerShdw>
+          </a:effectLst>
+        </p:spPr>
+        <p:style>
+          <a:lnRef idx="2">
+            <a:schemeClr val="accent1">
+              <a:shade val="50000"/>
+            </a:schemeClr>
+          </a:lnRef>
+          <a:fillRef idx="1">
+            <a:schemeClr val="accent1"/>
+          </a:fillRef>
+          <a:effectRef idx="0">
+            <a:schemeClr val="accent1"/>
+          </a:effectRef>
+          <a:fontRef idx="minor">
+            <a:schemeClr val="lt1"/>
+          </a:fontRef>
+        </p:style>
+        <p:txBody>
+          <a:bodyPr rot="0" spcFirstLastPara="0" vertOverflow="overflow" horzOverflow="overflow" vert="horz" wrap="square" lIns="91440" tIns="45720" rIns="91440" bIns="45720" numCol="1" spcCol="0" rtlCol="0" fromWordArt="0" anchor="ctr" anchorCtr="0" forceAA="0" compatLnSpc="1">
+            <a:prstTxWarp prst="textNoShape">
+              <a:avLst/>
+            </a:prstTxWarp>
+            <a:noAutofit/>
+          </a:bodyPr>
+          <a:lstStyle/>
+          <a:p>
+            <a:pPr algn="ctr"/>
+            <a:endParaRPr kumimoji="1" lang="ja-JP" altLang="en-US"/>
+          </a:p>
+        </p:txBody>
+      </p:sp>
+      <p:sp>
+        <p:nvSpPr>
+          <p:cNvPr id="60" name="テキスト ボックス 59">
+            <a:extLst>
+              <a:ext uri="{FF2B5EF4-FFF2-40B4-BE49-F238E27FC236}">
+                <a16:creationId xmlns:a16="http://schemas.microsoft.com/office/drawing/2014/main" id="{B20A7496-D4EE-A52A-AA1F-DF89E0674027}"/>
+              </a:ext>
+            </a:extLst>
+          </p:cNvPr>
+          <p:cNvSpPr txBox="1"/>
+          <p:nvPr/>
+        </p:nvSpPr>
+        <p:spPr>
+          <a:xfrm>
+            <a:off x="8473053" y="1230403"/>
+            <a:ext cx="1338828" cy="369332"/>
+          </a:xfrm>
+          <a:prstGeom prst="rect">
+            <a:avLst/>
+          </a:prstGeom>
+          <a:noFill/>
+        </p:spPr>
+        <p:txBody>
+          <a:bodyPr wrap="none" rtlCol="0">
+            <a:spAutoFit/>
+          </a:bodyPr>
+          <a:lstStyle/>
+          <a:p>
+            <a:r>
+              <a:rPr lang="ja-JP" altLang="en-US" b="1"/>
+              <a:t>今後</a:t>
+            </a:r>
+            <a:r>
+              <a:rPr kumimoji="1" lang="ja-JP" altLang="en-US" b="1"/>
+              <a:t>の予定</a:t>
+            </a:r>
+          </a:p>
+        </p:txBody>
+      </p:sp>
+      <p:sp>
+        <p:nvSpPr>
+          <p:cNvPr id="62" name="正方形/長方形 61">
+            <a:extLst>
+              <a:ext uri="{FF2B5EF4-FFF2-40B4-BE49-F238E27FC236}">
+                <a16:creationId xmlns:a16="http://schemas.microsoft.com/office/drawing/2014/main" id="{4BBEB325-22B9-0B69-8B50-183BF7859EED}"/>
+              </a:ext>
+            </a:extLst>
+          </p:cNvPr>
+          <p:cNvSpPr/>
+          <p:nvPr/>
+        </p:nvSpPr>
+        <p:spPr>
+          <a:xfrm>
+            <a:off x="7746713" y="1590174"/>
+            <a:ext cx="2790648" cy="2628132"/>
+          </a:xfrm>
+          <a:prstGeom prst="rect">
+            <a:avLst/>
+          </a:prstGeom>
+          <a:solidFill>
+            <a:schemeClr val="bg2">
+              <a:lumMod val="90000"/>
+            </a:schemeClr>
+          </a:solidFill>
+          <a:ln>
+            <a:noFill/>
+          </a:ln>
+        </p:spPr>
+        <p:style>
+          <a:lnRef idx="0">
+            <a:scrgbClr r="0" g="0" b="0"/>
+          </a:lnRef>
+          <a:fillRef idx="0">
+            <a:scrgbClr r="0" g="0" b="0"/>
+          </a:fillRef>
+          <a:effectRef idx="0">
+            <a:scrgbClr r="0" g="0" b="0"/>
+          </a:effectRef>
+          <a:fontRef idx="minor">
+            <a:schemeClr val="lt1"/>
+          </a:fontRef>
+        </p:style>
+        <p:txBody>
+          <a:bodyPr rot="0" spcFirstLastPara="0" vertOverflow="overflow" horzOverflow="overflow" vert="horz" wrap="square" lIns="91440" tIns="45720" rIns="91440" bIns="45720" numCol="1" spcCol="0" rtlCol="0" fromWordArt="0" anchor="ctr" anchorCtr="0" forceAA="0" compatLnSpc="1">
+            <a:prstTxWarp prst="textNoShape">
+              <a:avLst/>
+            </a:prstTxWarp>
+            <a:noAutofit/>
+          </a:bodyPr>
+          <a:lstStyle/>
+          <a:p>
+            <a:pPr algn="ctr"/>
+            <a:endParaRPr kumimoji="1" lang="ja-JP" altLang="en-US"/>
+          </a:p>
+        </p:txBody>
+      </p:sp>
+      <p:sp>
+        <p:nvSpPr>
+          <p:cNvPr id="63" name="テキスト ボックス 62">
+            <a:extLst>
+              <a:ext uri="{FF2B5EF4-FFF2-40B4-BE49-F238E27FC236}">
+                <a16:creationId xmlns:a16="http://schemas.microsoft.com/office/drawing/2014/main" id="{8C58D36C-62BB-8C07-F926-B3FEFBC1AE65}"/>
+              </a:ext>
+            </a:extLst>
+          </p:cNvPr>
+          <p:cNvSpPr txBox="1"/>
+          <p:nvPr/>
+        </p:nvSpPr>
+        <p:spPr>
+          <a:xfrm>
+            <a:off x="7745084" y="1626554"/>
+            <a:ext cx="1569660" cy="369332"/>
+          </a:xfrm>
+          <a:prstGeom prst="rect">
+            <a:avLst/>
+          </a:prstGeom>
+          <a:noFill/>
+        </p:spPr>
+        <p:txBody>
+          <a:bodyPr wrap="none" rtlCol="0">
+            <a:spAutoFit/>
+          </a:bodyPr>
+          <a:lstStyle/>
+          <a:p>
+            <a:r>
+              <a:rPr kumimoji="1" lang="ja-JP" altLang="en-US" b="1"/>
+              <a:t>次の出勤日は</a:t>
+            </a:r>
+          </a:p>
+        </p:txBody>
+      </p:sp>
+      <p:sp>
+        <p:nvSpPr>
+          <p:cNvPr id="64" name="テキスト ボックス 63">
+            <a:extLst>
+              <a:ext uri="{FF2B5EF4-FFF2-40B4-BE49-F238E27FC236}">
+                <a16:creationId xmlns:a16="http://schemas.microsoft.com/office/drawing/2014/main" id="{CD875352-F46C-C602-9BD2-7087D8DC30E4}"/>
+              </a:ext>
+            </a:extLst>
+          </p:cNvPr>
+          <p:cNvSpPr txBox="1"/>
+          <p:nvPr/>
+        </p:nvSpPr>
+        <p:spPr>
+          <a:xfrm>
+            <a:off x="7759187" y="2518628"/>
+            <a:ext cx="2779928" cy="584775"/>
+          </a:xfrm>
+          <a:prstGeom prst="rect">
+            <a:avLst/>
+          </a:prstGeom>
+          <a:noFill/>
+        </p:spPr>
+        <p:txBody>
+          <a:bodyPr wrap="none" rtlCol="0">
+            <a:spAutoFit/>
+          </a:bodyPr>
+          <a:lstStyle/>
+          <a:p>
+            <a:r>
+              <a:rPr lang="en-US" altLang="ja-JP" sz="3200" b="1" dirty="0"/>
+              <a:t>3</a:t>
+            </a:r>
+            <a:r>
+              <a:rPr lang="ja-JP" altLang="en-US" sz="3200" b="1"/>
+              <a:t>月</a:t>
+            </a:r>
+            <a:r>
+              <a:rPr lang="en-US" altLang="ja-JP" sz="3200" b="1" dirty="0"/>
+              <a:t>12</a:t>
+            </a:r>
+            <a:r>
+              <a:rPr lang="ja-JP" altLang="en-US" sz="3200" b="1"/>
+              <a:t>日</a:t>
+            </a:r>
+            <a:r>
+              <a:rPr lang="en-US" altLang="ja-JP" sz="3200" b="1" dirty="0"/>
+              <a:t>14:20</a:t>
+            </a:r>
+            <a:endParaRPr kumimoji="1" lang="ja-JP" altLang="en-US" sz="3200" b="1"/>
+          </a:p>
+        </p:txBody>
+      </p:sp>
+      <p:sp>
+        <p:nvSpPr>
+          <p:cNvPr id="66" name="テキスト ボックス 65">
+            <a:extLst>
+              <a:ext uri="{FF2B5EF4-FFF2-40B4-BE49-F238E27FC236}">
+                <a16:creationId xmlns:a16="http://schemas.microsoft.com/office/drawing/2014/main" id="{4E8930E7-B71B-F18E-8237-5B1AA008D697}"/>
+              </a:ext>
+            </a:extLst>
+          </p:cNvPr>
+          <p:cNvSpPr txBox="1"/>
+          <p:nvPr/>
+        </p:nvSpPr>
+        <p:spPr>
+          <a:xfrm>
+            <a:off x="1713123" y="4412531"/>
+            <a:ext cx="1107996" cy="369332"/>
+          </a:xfrm>
+          <a:prstGeom prst="rect">
+            <a:avLst/>
+          </a:prstGeom>
+          <a:noFill/>
+        </p:spPr>
+        <p:txBody>
+          <a:bodyPr wrap="none" rtlCol="0">
+            <a:spAutoFit/>
+          </a:bodyPr>
+          <a:lstStyle/>
+          <a:p>
+            <a:r>
+              <a:rPr kumimoji="1" lang="ja-JP" altLang="en-US" b="1"/>
+              <a:t>代行検索</a:t>
+            </a:r>
+          </a:p>
+        </p:txBody>
+      </p:sp>
+      <p:sp>
+        <p:nvSpPr>
+          <p:cNvPr id="67" name="正方形/長方形 66">
+            <a:extLst>
+              <a:ext uri="{FF2B5EF4-FFF2-40B4-BE49-F238E27FC236}">
+                <a16:creationId xmlns:a16="http://schemas.microsoft.com/office/drawing/2014/main" id="{AED728FB-CDB7-CD2F-DA40-B53E0AFA839B}"/>
+              </a:ext>
+            </a:extLst>
+          </p:cNvPr>
+          <p:cNvSpPr/>
+          <p:nvPr/>
+        </p:nvSpPr>
+        <p:spPr>
+          <a:xfrm>
+            <a:off x="1713122" y="4769198"/>
+            <a:ext cx="8765755" cy="1941091"/>
+          </a:xfrm>
+          <a:prstGeom prst="rect">
+            <a:avLst/>
+          </a:prstGeom>
+          <a:solidFill>
+            <a:schemeClr val="bg2">
+              <a:lumMod val="90000"/>
+            </a:schemeClr>
+          </a:solidFill>
+          <a:ln>
+            <a:noFill/>
+          </a:ln>
+        </p:spPr>
+        <p:style>
+          <a:lnRef idx="0">
+            <a:scrgbClr r="0" g="0" b="0"/>
+          </a:lnRef>
+          <a:fillRef idx="0">
+            <a:scrgbClr r="0" g="0" b="0"/>
+          </a:fillRef>
+          <a:effectRef idx="0">
+            <a:scrgbClr r="0" g="0" b="0"/>
+          </a:effectRef>
+          <a:fontRef idx="minor">
+            <a:schemeClr val="lt1"/>
+          </a:fontRef>
+        </p:style>
+        <p:txBody>
+          <a:bodyPr rot="0" spcFirstLastPara="0" vertOverflow="overflow" horzOverflow="overflow" vert="horz" wrap="square" lIns="91440" tIns="45720" rIns="91440" bIns="45720" numCol="1" spcCol="0" rtlCol="0" fromWordArt="0" anchor="ctr" anchorCtr="0" forceAA="0" compatLnSpc="1">
+            <a:prstTxWarp prst="textNoShape">
+              <a:avLst/>
+            </a:prstTxWarp>
+            <a:noAutofit/>
+          </a:bodyPr>
+          <a:lstStyle/>
+          <a:p>
+            <a:pPr algn="ctr"/>
+            <a:endParaRPr kumimoji="1" lang="ja-JP" altLang="en-US"/>
+          </a:p>
+        </p:txBody>
+      </p:sp>
+      <p:sp>
+        <p:nvSpPr>
+          <p:cNvPr id="68" name="テキスト ボックス 67">
+            <a:extLst>
+              <a:ext uri="{FF2B5EF4-FFF2-40B4-BE49-F238E27FC236}">
+                <a16:creationId xmlns:a16="http://schemas.microsoft.com/office/drawing/2014/main" id="{9238022D-1454-65AB-DDD8-8C11A48E32F6}"/>
+              </a:ext>
+            </a:extLst>
+          </p:cNvPr>
+          <p:cNvSpPr txBox="1"/>
+          <p:nvPr/>
+        </p:nvSpPr>
+        <p:spPr>
+          <a:xfrm>
+            <a:off x="1713122" y="4858098"/>
+            <a:ext cx="1409360" cy="369332"/>
+          </a:xfrm>
+          <a:prstGeom prst="rect">
+            <a:avLst/>
+          </a:prstGeom>
+          <a:noFill/>
+        </p:spPr>
+        <p:txBody>
+          <a:bodyPr wrap="none" rtlCol="0">
+            <a:spAutoFit/>
+          </a:bodyPr>
+          <a:lstStyle/>
+          <a:p>
+            <a:pPr algn="ctr"/>
+            <a:r>
+              <a:rPr lang="ja-JP" altLang="en-US" b="1"/>
+              <a:t>学年と科目</a:t>
+            </a:r>
+            <a:r>
+              <a:rPr lang="en-US" altLang="ja-JP" b="1" dirty="0"/>
+              <a:t>:</a:t>
+            </a:r>
+            <a:endParaRPr kumimoji="1" lang="ja-JP" altLang="en-US" b="1"/>
+          </a:p>
+        </p:txBody>
+      </p:sp>
+      <p:sp>
+        <p:nvSpPr>
+          <p:cNvPr id="69" name="テキスト ボックス 68">
+            <a:extLst>
+              <a:ext uri="{FF2B5EF4-FFF2-40B4-BE49-F238E27FC236}">
+                <a16:creationId xmlns:a16="http://schemas.microsoft.com/office/drawing/2014/main" id="{1CF4E191-EDB1-6804-40E4-A24B47ED4E05}"/>
+              </a:ext>
+            </a:extLst>
+          </p:cNvPr>
+          <p:cNvSpPr txBox="1"/>
+          <p:nvPr/>
+        </p:nvSpPr>
+        <p:spPr>
+          <a:xfrm>
+            <a:off x="4393108" y="4858098"/>
+            <a:ext cx="1640193" cy="369332"/>
+          </a:xfrm>
+          <a:prstGeom prst="rect">
+            <a:avLst/>
+          </a:prstGeom>
+          <a:noFill/>
+        </p:spPr>
+        <p:txBody>
+          <a:bodyPr wrap="none" rtlCol="0">
+            <a:spAutoFit/>
+          </a:bodyPr>
+          <a:lstStyle/>
+          <a:p>
+            <a:pPr algn="ctr"/>
+            <a:r>
+              <a:rPr lang="ja-JP" altLang="en-US" b="1"/>
+              <a:t>検索対象期間</a:t>
+            </a:r>
+            <a:r>
+              <a:rPr lang="en-US" altLang="ja-JP" b="1" dirty="0"/>
+              <a:t>:</a:t>
+            </a:r>
+            <a:endParaRPr kumimoji="1" lang="ja-JP" altLang="en-US" b="1"/>
+          </a:p>
+        </p:txBody>
+      </p:sp>
+      <p:sp>
+        <p:nvSpPr>
+          <p:cNvPr id="70" name="角丸四角形 69">
+            <a:extLst>
+              <a:ext uri="{FF2B5EF4-FFF2-40B4-BE49-F238E27FC236}">
+                <a16:creationId xmlns:a16="http://schemas.microsoft.com/office/drawing/2014/main" id="{33172206-828A-4F88-DDDB-375E3F9B5E87}"/>
+              </a:ext>
+            </a:extLst>
+          </p:cNvPr>
+          <p:cNvSpPr/>
+          <p:nvPr/>
+        </p:nvSpPr>
+        <p:spPr>
+          <a:xfrm>
+            <a:off x="3045497" y="4909035"/>
+            <a:ext cx="1342789" cy="267052"/>
+          </a:xfrm>
+          <a:prstGeom prst="roundRect">
+            <a:avLst/>
+          </a:prstGeom>
+          <a:solidFill>
+            <a:schemeClr val="bg1">
+              <a:lumMod val="65000"/>
+            </a:schemeClr>
+          </a:solidFill>
+          <a:ln>
+            <a:noFill/>
+          </a:ln>
+          <a:effectLst>
+            <a:outerShdw blurRad="139700" dist="38100" dir="8100000" sx="102000" sy="102000" algn="tr" rotWithShape="0">
+              <a:prstClr val="black">
+                <a:alpha val="20000"/>
+              </a:prstClr>
+            </a:outerShdw>
+          </a:effectLst>
+        </p:spPr>
+        <p:style>
+          <a:lnRef idx="2">
+            <a:schemeClr val="accent1">
+              <a:shade val="50000"/>
+            </a:schemeClr>
+          </a:lnRef>
+          <a:fillRef idx="1">
+            <a:schemeClr val="accent1"/>
+          </a:fillRef>
+          <a:effectRef idx="0">
+            <a:schemeClr val="accent1"/>
+          </a:effectRef>
+          <a:fontRef idx="minor">
+            <a:schemeClr val="lt1"/>
+          </a:fontRef>
+        </p:style>
+        <p:txBody>
+          <a:bodyPr rot="0" spcFirstLastPara="0" vertOverflow="overflow" horzOverflow="overflow" vert="horz" wrap="square" lIns="91440" tIns="45720" rIns="91440" bIns="45720" numCol="1" spcCol="0" rtlCol="0" fromWordArt="0" anchor="ctr" anchorCtr="0" forceAA="0" compatLnSpc="1">
+            <a:prstTxWarp prst="textNoShape">
+              <a:avLst/>
+            </a:prstTxWarp>
+            <a:noAutofit/>
+          </a:bodyPr>
+          <a:lstStyle/>
+          <a:p>
+            <a:pPr algn="ctr"/>
+            <a:endParaRPr kumimoji="1" lang="ja-JP" altLang="en-US"/>
+          </a:p>
+        </p:txBody>
+      </p:sp>
+      <p:sp>
+        <p:nvSpPr>
+          <p:cNvPr id="71" name="三角形 70">
+            <a:extLst>
+              <a:ext uri="{FF2B5EF4-FFF2-40B4-BE49-F238E27FC236}">
+                <a16:creationId xmlns:a16="http://schemas.microsoft.com/office/drawing/2014/main" id="{C7192436-B706-04C9-7E97-1BA2078117DC}"/>
+              </a:ext>
+            </a:extLst>
+          </p:cNvPr>
+          <p:cNvSpPr/>
+          <p:nvPr/>
+        </p:nvSpPr>
+        <p:spPr>
+          <a:xfrm rot="10800000">
+            <a:off x="4185366" y="4976719"/>
+            <a:ext cx="153989" cy="137019"/>
+          </a:xfrm>
+          <a:prstGeom prst="triangle">
+            <a:avLst/>
+          </a:prstGeom>
+          <a:solidFill>
+            <a:schemeClr val="accent4"/>
+          </a:solidFill>
+          <a:ln>
+            <a:noFill/>
+          </a:ln>
+          <a:effectLst>
+            <a:outerShdw blurRad="139700" dist="38100" dir="8100000" sx="102000" sy="102000" algn="tr" rotWithShape="0">
+              <a:prstClr val="black">
+                <a:alpha val="20000"/>
+              </a:prstClr>
+            </a:outerShdw>
+          </a:effectLst>
+        </p:spPr>
+        <p:style>
+          <a:lnRef idx="2">
+            <a:schemeClr val="accent1">
+              <a:shade val="50000"/>
+            </a:schemeClr>
+          </a:lnRef>
+          <a:fillRef idx="1">
+            <a:schemeClr val="accent1"/>
+          </a:fillRef>
+          <a:effectRef idx="0">
+            <a:schemeClr val="accent1"/>
+          </a:effectRef>
+          <a:fontRef idx="minor">
+            <a:schemeClr val="lt1"/>
+          </a:fontRef>
+        </p:style>
+        <p:txBody>
+          <a:bodyPr rot="0" spcFirstLastPara="0" vertOverflow="overflow" horzOverflow="overflow" vert="horz" wrap="square" lIns="91440" tIns="45720" rIns="91440" bIns="45720" numCol="1" spcCol="0" rtlCol="0" fromWordArt="0" anchor="ctr" anchorCtr="0" forceAA="0" compatLnSpc="1">
+            <a:prstTxWarp prst="textNoShape">
+              <a:avLst/>
+            </a:prstTxWarp>
+            <a:noAutofit/>
+          </a:bodyPr>
+          <a:lstStyle/>
+          <a:p>
+            <a:pPr algn="ctr"/>
+            <a:endParaRPr kumimoji="1" lang="ja-JP" altLang="en-US"/>
+          </a:p>
+        </p:txBody>
+      </p:sp>
+      <p:sp>
+        <p:nvSpPr>
+          <p:cNvPr id="72" name="角丸四角形 71">
+            <a:extLst>
+              <a:ext uri="{FF2B5EF4-FFF2-40B4-BE49-F238E27FC236}">
+                <a16:creationId xmlns:a16="http://schemas.microsoft.com/office/drawing/2014/main" id="{2F79E3B9-C55D-CF7E-A2A7-8E66AE570B4A}"/>
+              </a:ext>
+            </a:extLst>
+          </p:cNvPr>
+          <p:cNvSpPr/>
+          <p:nvPr/>
+        </p:nvSpPr>
+        <p:spPr>
+          <a:xfrm>
+            <a:off x="5946114" y="4909035"/>
+            <a:ext cx="1342789" cy="267052"/>
+          </a:xfrm>
+          <a:prstGeom prst="roundRect">
+            <a:avLst/>
+          </a:prstGeom>
+          <a:solidFill>
+            <a:schemeClr val="bg1">
+              <a:lumMod val="65000"/>
+            </a:schemeClr>
+          </a:solidFill>
+          <a:ln>
+            <a:noFill/>
+          </a:ln>
+          <a:effectLst>
+            <a:outerShdw blurRad="139700" dist="38100" dir="8100000" sx="102000" sy="102000" algn="tr" rotWithShape="0">
+              <a:prstClr val="black">
+                <a:alpha val="20000"/>
+              </a:prstClr>
+            </a:outerShdw>
+          </a:effectLst>
+        </p:spPr>
+        <p:style>
+          <a:lnRef idx="2">
+            <a:schemeClr val="accent1">
+              <a:shade val="50000"/>
+            </a:schemeClr>
+          </a:lnRef>
+          <a:fillRef idx="1">
+            <a:schemeClr val="accent1"/>
+          </a:fillRef>
+          <a:effectRef idx="0">
+            <a:schemeClr val="accent1"/>
+          </a:effectRef>
+          <a:fontRef idx="minor">
+            <a:schemeClr val="lt1"/>
+          </a:fontRef>
+        </p:style>
+        <p:txBody>
+          <a:bodyPr rot="0" spcFirstLastPara="0" vertOverflow="overflow" horzOverflow="overflow" vert="horz" wrap="square" lIns="91440" tIns="45720" rIns="91440" bIns="45720" numCol="1" spcCol="0" rtlCol="0" fromWordArt="0" anchor="ctr" anchorCtr="0" forceAA="0" compatLnSpc="1">
+            <a:prstTxWarp prst="textNoShape">
+              <a:avLst/>
+            </a:prstTxWarp>
+            <a:noAutofit/>
+          </a:bodyPr>
+          <a:lstStyle/>
+          <a:p>
+            <a:pPr algn="ctr"/>
+            <a:endParaRPr kumimoji="1" lang="ja-JP" altLang="en-US"/>
+          </a:p>
+        </p:txBody>
+      </p:sp>
+      <p:sp>
+        <p:nvSpPr>
+          <p:cNvPr id="73" name="三角形 72">
+            <a:extLst>
+              <a:ext uri="{FF2B5EF4-FFF2-40B4-BE49-F238E27FC236}">
+                <a16:creationId xmlns:a16="http://schemas.microsoft.com/office/drawing/2014/main" id="{F6276C16-6F37-6040-0BFC-17F09F273867}"/>
+              </a:ext>
+            </a:extLst>
+          </p:cNvPr>
+          <p:cNvSpPr/>
+          <p:nvPr/>
+        </p:nvSpPr>
+        <p:spPr>
+          <a:xfrm rot="10800000">
+            <a:off x="7085983" y="4976719"/>
+            <a:ext cx="153989" cy="137019"/>
+          </a:xfrm>
+          <a:prstGeom prst="triangle">
+            <a:avLst/>
+          </a:prstGeom>
+          <a:solidFill>
+            <a:schemeClr val="accent4"/>
+          </a:solidFill>
+          <a:ln>
+            <a:noFill/>
+          </a:ln>
+          <a:effectLst>
+            <a:outerShdw blurRad="139700" dist="38100" dir="8100000" sx="102000" sy="102000" algn="tr" rotWithShape="0">
+              <a:prstClr val="black">
+                <a:alpha val="20000"/>
+              </a:prstClr>
+            </a:outerShdw>
+          </a:effectLst>
+        </p:spPr>
+        <p:style>
+          <a:lnRef idx="2">
+            <a:schemeClr val="accent1">
+              <a:shade val="50000"/>
+            </a:schemeClr>
+          </a:lnRef>
+          <a:fillRef idx="1">
+            <a:schemeClr val="accent1"/>
+          </a:fillRef>
+          <a:effectRef idx="0">
+            <a:schemeClr val="accent1"/>
+          </a:effectRef>
+          <a:fontRef idx="minor">
+            <a:schemeClr val="lt1"/>
+          </a:fontRef>
+        </p:style>
+        <p:txBody>
+          <a:bodyPr rot="0" spcFirstLastPara="0" vertOverflow="overflow" horzOverflow="overflow" vert="horz" wrap="square" lIns="91440" tIns="45720" rIns="91440" bIns="45720" numCol="1" spcCol="0" rtlCol="0" fromWordArt="0" anchor="ctr" anchorCtr="0" forceAA="0" compatLnSpc="1">
+            <a:prstTxWarp prst="textNoShape">
+              <a:avLst/>
+            </a:prstTxWarp>
+            <a:noAutofit/>
+          </a:bodyPr>
+          <a:lstStyle/>
+          <a:p>
+            <a:pPr algn="ctr"/>
+            <a:endParaRPr kumimoji="1" lang="ja-JP" altLang="en-US"/>
+          </a:p>
+        </p:txBody>
+      </p:sp>
+      <p:sp>
+        <p:nvSpPr>
+          <p:cNvPr id="74" name="角丸四角形 73">
+            <a:extLst>
+              <a:ext uri="{FF2B5EF4-FFF2-40B4-BE49-F238E27FC236}">
+                <a16:creationId xmlns:a16="http://schemas.microsoft.com/office/drawing/2014/main" id="{011F1169-99C7-A42A-CECD-7AFCA67B2A83}"/>
+              </a:ext>
+            </a:extLst>
+          </p:cNvPr>
+          <p:cNvSpPr/>
+          <p:nvPr/>
+        </p:nvSpPr>
+        <p:spPr>
+          <a:xfrm>
+            <a:off x="7803714" y="4909035"/>
+            <a:ext cx="1342789" cy="267052"/>
+          </a:xfrm>
+          <a:prstGeom prst="roundRect">
+            <a:avLst/>
+          </a:prstGeom>
+          <a:solidFill>
+            <a:schemeClr val="bg1">
+              <a:lumMod val="65000"/>
+            </a:schemeClr>
+          </a:solidFill>
+          <a:ln>
+            <a:noFill/>
+          </a:ln>
+          <a:effectLst>
+            <a:outerShdw blurRad="139700" dist="38100" dir="8100000" sx="102000" sy="102000" algn="tr" rotWithShape="0">
+              <a:prstClr val="black">
+                <a:alpha val="20000"/>
+              </a:prstClr>
+            </a:outerShdw>
+          </a:effectLst>
+        </p:spPr>
+        <p:style>
+          <a:lnRef idx="2">
+            <a:schemeClr val="accent1">
+              <a:shade val="50000"/>
+            </a:schemeClr>
+          </a:lnRef>
+          <a:fillRef idx="1">
+            <a:schemeClr val="accent1"/>
+          </a:fillRef>
+          <a:effectRef idx="0">
+            <a:schemeClr val="accent1"/>
+          </a:effectRef>
+          <a:fontRef idx="minor">
+            <a:schemeClr val="lt1"/>
+          </a:fontRef>
+        </p:style>
+        <p:txBody>
+          <a:bodyPr rot="0" spcFirstLastPara="0" vertOverflow="overflow" horzOverflow="overflow" vert="horz" wrap="square" lIns="91440" tIns="45720" rIns="91440" bIns="45720" numCol="1" spcCol="0" rtlCol="0" fromWordArt="0" anchor="ctr" anchorCtr="0" forceAA="0" compatLnSpc="1">
+            <a:prstTxWarp prst="textNoShape">
+              <a:avLst/>
+            </a:prstTxWarp>
+            <a:noAutofit/>
+          </a:bodyPr>
+          <a:lstStyle/>
+          <a:p>
+            <a:pPr algn="ctr"/>
+            <a:endParaRPr kumimoji="1" lang="ja-JP" altLang="en-US"/>
+          </a:p>
+        </p:txBody>
+      </p:sp>
+      <p:sp>
+        <p:nvSpPr>
+          <p:cNvPr id="75" name="三角形 74">
+            <a:extLst>
+              <a:ext uri="{FF2B5EF4-FFF2-40B4-BE49-F238E27FC236}">
+                <a16:creationId xmlns:a16="http://schemas.microsoft.com/office/drawing/2014/main" id="{A6ED5BDB-92DD-35B2-08AC-52AC3C7AA4CD}"/>
+              </a:ext>
+            </a:extLst>
+          </p:cNvPr>
+          <p:cNvSpPr/>
+          <p:nvPr/>
+        </p:nvSpPr>
+        <p:spPr>
+          <a:xfrm rot="10800000">
+            <a:off x="8943583" y="4976719"/>
+            <a:ext cx="153989" cy="137019"/>
+          </a:xfrm>
+          <a:prstGeom prst="triangle">
+            <a:avLst/>
+          </a:prstGeom>
+          <a:solidFill>
+            <a:schemeClr val="accent4"/>
+          </a:solidFill>
+          <a:ln>
+            <a:noFill/>
+          </a:ln>
+          <a:effectLst>
+            <a:outerShdw blurRad="139700" dist="38100" dir="8100000" sx="102000" sy="102000" algn="tr" rotWithShape="0">
+              <a:prstClr val="black">
+                <a:alpha val="20000"/>
+              </a:prstClr>
+            </a:outerShdw>
+          </a:effectLst>
+        </p:spPr>
+        <p:style>
+          <a:lnRef idx="2">
+            <a:schemeClr val="accent1">
+              <a:shade val="50000"/>
+            </a:schemeClr>
+          </a:lnRef>
+          <a:fillRef idx="1">
+            <a:schemeClr val="accent1"/>
+          </a:fillRef>
+          <a:effectRef idx="0">
+            <a:schemeClr val="accent1"/>
+          </a:effectRef>
+          <a:fontRef idx="minor">
+            <a:schemeClr val="lt1"/>
+          </a:fontRef>
+        </p:style>
+        <p:txBody>
+          <a:bodyPr rot="0" spcFirstLastPara="0" vertOverflow="overflow" horzOverflow="overflow" vert="horz" wrap="square" lIns="91440" tIns="45720" rIns="91440" bIns="45720" numCol="1" spcCol="0" rtlCol="0" fromWordArt="0" anchor="ctr" anchorCtr="0" forceAA="0" compatLnSpc="1">
+            <a:prstTxWarp prst="textNoShape">
+              <a:avLst/>
+            </a:prstTxWarp>
+            <a:noAutofit/>
+          </a:bodyPr>
+          <a:lstStyle/>
+          <a:p>
+            <a:pPr algn="ctr"/>
+            <a:endParaRPr kumimoji="1" lang="ja-JP" altLang="en-US"/>
+          </a:p>
+        </p:txBody>
+      </p:sp>
+      <p:sp>
+        <p:nvSpPr>
+          <p:cNvPr id="76" name="テキスト ボックス 75">
+            <a:extLst>
+              <a:ext uri="{FF2B5EF4-FFF2-40B4-BE49-F238E27FC236}">
+                <a16:creationId xmlns:a16="http://schemas.microsoft.com/office/drawing/2014/main" id="{0B6DEA2D-4DE9-A5A4-5880-FB819FB7E636}"/>
+              </a:ext>
+            </a:extLst>
+          </p:cNvPr>
+          <p:cNvSpPr txBox="1"/>
+          <p:nvPr/>
+        </p:nvSpPr>
+        <p:spPr>
+          <a:xfrm>
+            <a:off x="7339573" y="4857895"/>
+            <a:ext cx="349775" cy="369332"/>
+          </a:xfrm>
+          <a:prstGeom prst="rect">
+            <a:avLst/>
+          </a:prstGeom>
+          <a:noFill/>
+        </p:spPr>
+        <p:txBody>
+          <a:bodyPr wrap="none" rtlCol="0">
+            <a:spAutoFit/>
+          </a:bodyPr>
+          <a:lstStyle/>
+          <a:p>
+            <a:pPr algn="ctr"/>
+            <a:r>
+              <a:rPr lang="en-US" altLang="ja-JP" b="1" dirty="0"/>
+              <a:t>~</a:t>
+            </a:r>
+            <a:endParaRPr kumimoji="1" lang="ja-JP" altLang="en-US" b="1"/>
+          </a:p>
+        </p:txBody>
+      </p:sp>
+      <p:cxnSp>
+        <p:nvCxnSpPr>
+          <p:cNvPr id="78" name="直線コネクタ 77">
+            <a:extLst>
+              <a:ext uri="{FF2B5EF4-FFF2-40B4-BE49-F238E27FC236}">
+                <a16:creationId xmlns:a16="http://schemas.microsoft.com/office/drawing/2014/main" id="{95E257B4-692F-C834-BC5B-490597E69625}"/>
+              </a:ext>
+            </a:extLst>
+          </p:cNvPr>
+          <p:cNvCxnSpPr>
+            <a:cxnSpLocks/>
+          </p:cNvCxnSpPr>
+          <p:nvPr/>
+        </p:nvCxnSpPr>
+        <p:spPr>
+          <a:xfrm>
+            <a:off x="2340864" y="5291328"/>
+            <a:ext cx="7600524" cy="0"/>
+          </a:xfrm>
+          <a:prstGeom prst="line">
+            <a:avLst/>
+          </a:prstGeom>
+        </p:spPr>
+        <p:style>
+          <a:lnRef idx="1">
+            <a:schemeClr val="accent1"/>
+          </a:lnRef>
+          <a:fillRef idx="0">
+            <a:schemeClr val="accent1"/>
+          </a:fillRef>
+          <a:effectRef idx="0">
+            <a:schemeClr val="accent1"/>
+          </a:effectRef>
+          <a:fontRef idx="minor">
+            <a:schemeClr val="tx1"/>
+          </a:fontRef>
+        </p:style>
+      </p:cxnSp>
+    </p:spTree>
+    <p:extLst>
+      <p:ext uri="{BB962C8B-B14F-4D97-AF65-F5344CB8AC3E}">
+        <p14:creationId xmlns:p14="http://schemas.microsoft.com/office/powerpoint/2010/main" val="1384108023"/>
+      </p:ext>
+    </p:extLst>
+  </p:cSld>
+  <p:clrMapOvr>
+    <a:masterClrMapping/>
+  </p:clrMapOvr>
 </p:sld>
 </file>
 
